--- a/Study/11. Blueprints and Configuration/Blueprints and Configuration.pptx
+++ b/Study/11. Blueprints and Configuration/Blueprints and Configuration.pptx
@@ -838,7 +838,7 @@
           <a:p>
             <a:fld id="{B6FB7DCD-5BA3-48A2-BE8C-591555253DD2}" type="datetimeFigureOut">
               <a:rPr lang="ko-KR" altLang="en-US" smtClean="0"/>
-              <a:t>2020-07-03</a:t>
+              <a:t>2020-07-06</a:t>
             </a:fld>
             <a:endParaRPr lang="ko-KR" altLang="en-US"/>
           </a:p>
@@ -1089,7 +1089,7 @@
           <a:p>
             <a:fld id="{B6FB7DCD-5BA3-48A2-BE8C-591555253DD2}" type="datetimeFigureOut">
               <a:rPr lang="ko-KR" altLang="en-US" smtClean="0"/>
-              <a:t>2020-07-03</a:t>
+              <a:t>2020-07-06</a:t>
             </a:fld>
             <a:endParaRPr lang="ko-KR" altLang="en-US"/>
           </a:p>
@@ -1403,7 +1403,7 @@
           <a:p>
             <a:fld id="{B6FB7DCD-5BA3-48A2-BE8C-591555253DD2}" type="datetimeFigureOut">
               <a:rPr lang="ko-KR" altLang="en-US" smtClean="0"/>
-              <a:t>2020-07-03</a:t>
+              <a:t>2020-07-06</a:t>
             </a:fld>
             <a:endParaRPr lang="ko-KR" altLang="en-US"/>
           </a:p>
@@ -1744,7 +1744,7 @@
           <a:p>
             <a:fld id="{B6FB7DCD-5BA3-48A2-BE8C-591555253DD2}" type="datetimeFigureOut">
               <a:rPr lang="ko-KR" altLang="en-US" smtClean="0"/>
-              <a:t>2020-07-03</a:t>
+              <a:t>2020-07-06</a:t>
             </a:fld>
             <a:endParaRPr lang="ko-KR" altLang="en-US"/>
           </a:p>
@@ -2058,7 +2058,7 @@
           <a:p>
             <a:fld id="{B6FB7DCD-5BA3-48A2-BE8C-591555253DD2}" type="datetimeFigureOut">
               <a:rPr lang="ko-KR" altLang="en-US" smtClean="0"/>
-              <a:t>2020-07-03</a:t>
+              <a:t>2020-07-06</a:t>
             </a:fld>
             <a:endParaRPr lang="ko-KR" altLang="en-US"/>
           </a:p>
@@ -2451,7 +2451,7 @@
           <a:p>
             <a:fld id="{B6FB7DCD-5BA3-48A2-BE8C-591555253DD2}" type="datetimeFigureOut">
               <a:rPr lang="ko-KR" altLang="en-US" smtClean="0"/>
-              <a:t>2020-07-03</a:t>
+              <a:t>2020-07-06</a:t>
             </a:fld>
             <a:endParaRPr lang="ko-KR" altLang="en-US"/>
           </a:p>
@@ -2621,7 +2621,7 @@
           <a:p>
             <a:fld id="{B6FB7DCD-5BA3-48A2-BE8C-591555253DD2}" type="datetimeFigureOut">
               <a:rPr lang="ko-KR" altLang="en-US" smtClean="0"/>
-              <a:t>2020-07-03</a:t>
+              <a:t>2020-07-06</a:t>
             </a:fld>
             <a:endParaRPr lang="ko-KR" altLang="en-US"/>
           </a:p>
@@ -2801,7 +2801,7 @@
           <a:p>
             <a:fld id="{B6FB7DCD-5BA3-48A2-BE8C-591555253DD2}" type="datetimeFigureOut">
               <a:rPr lang="ko-KR" altLang="en-US" smtClean="0"/>
-              <a:t>2020-07-03</a:t>
+              <a:t>2020-07-06</a:t>
             </a:fld>
             <a:endParaRPr lang="ko-KR" altLang="en-US"/>
           </a:p>
@@ -2977,7 +2977,7 @@
           <a:p>
             <a:fld id="{B6FB7DCD-5BA3-48A2-BE8C-591555253DD2}" type="datetimeFigureOut">
               <a:rPr lang="ko-KR" altLang="en-US" smtClean="0"/>
-              <a:t>2020-07-03</a:t>
+              <a:t>2020-07-06</a:t>
             </a:fld>
             <a:endParaRPr lang="ko-KR" altLang="en-US"/>
           </a:p>
@@ -3224,7 +3224,7 @@
           <a:p>
             <a:fld id="{B6FB7DCD-5BA3-48A2-BE8C-591555253DD2}" type="datetimeFigureOut">
               <a:rPr lang="ko-KR" altLang="en-US" smtClean="0"/>
-              <a:t>2020-07-03</a:t>
+              <a:t>2020-07-06</a:t>
             </a:fld>
             <a:endParaRPr lang="ko-KR" altLang="en-US"/>
           </a:p>
@@ -3456,7 +3456,7 @@
           <a:p>
             <a:fld id="{B6FB7DCD-5BA3-48A2-BE8C-591555253DD2}" type="datetimeFigureOut">
               <a:rPr lang="ko-KR" altLang="en-US" smtClean="0"/>
-              <a:t>2020-07-03</a:t>
+              <a:t>2020-07-06</a:t>
             </a:fld>
             <a:endParaRPr lang="ko-KR" altLang="en-US"/>
           </a:p>
@@ -3830,7 +3830,7 @@
           <a:p>
             <a:fld id="{B6FB7DCD-5BA3-48A2-BE8C-591555253DD2}" type="datetimeFigureOut">
               <a:rPr lang="ko-KR" altLang="en-US" smtClean="0"/>
-              <a:t>2020-07-03</a:t>
+              <a:t>2020-07-06</a:t>
             </a:fld>
             <a:endParaRPr lang="ko-KR" altLang="en-US"/>
           </a:p>
@@ -3953,7 +3953,7 @@
           <a:p>
             <a:fld id="{B6FB7DCD-5BA3-48A2-BE8C-591555253DD2}" type="datetimeFigureOut">
               <a:rPr lang="ko-KR" altLang="en-US" smtClean="0"/>
-              <a:t>2020-07-03</a:t>
+              <a:t>2020-07-06</a:t>
             </a:fld>
             <a:endParaRPr lang="ko-KR" altLang="en-US"/>
           </a:p>
@@ -4048,7 +4048,7 @@
           <a:p>
             <a:fld id="{B6FB7DCD-5BA3-48A2-BE8C-591555253DD2}" type="datetimeFigureOut">
               <a:rPr lang="ko-KR" altLang="en-US" smtClean="0"/>
-              <a:t>2020-07-03</a:t>
+              <a:t>2020-07-06</a:t>
             </a:fld>
             <a:endParaRPr lang="ko-KR" altLang="en-US"/>
           </a:p>
@@ -4303,7 +4303,7 @@
           <a:p>
             <a:fld id="{B6FB7DCD-5BA3-48A2-BE8C-591555253DD2}" type="datetimeFigureOut">
               <a:rPr lang="ko-KR" altLang="en-US" smtClean="0"/>
-              <a:t>2020-07-03</a:t>
+              <a:t>2020-07-06</a:t>
             </a:fld>
             <a:endParaRPr lang="ko-KR" altLang="en-US"/>
           </a:p>
@@ -4566,7 +4566,7 @@
           <a:p>
             <a:fld id="{B6FB7DCD-5BA3-48A2-BE8C-591555253DD2}" type="datetimeFigureOut">
               <a:rPr lang="ko-KR" altLang="en-US" smtClean="0"/>
-              <a:t>2020-07-03</a:t>
+              <a:t>2020-07-06</a:t>
             </a:fld>
             <a:endParaRPr lang="ko-KR" altLang="en-US"/>
           </a:p>
@@ -5309,7 +5309,7 @@
           <a:p>
             <a:fld id="{B6FB7DCD-5BA3-48A2-BE8C-591555253DD2}" type="datetimeFigureOut">
               <a:rPr lang="ko-KR" altLang="en-US" smtClean="0"/>
-              <a:t>2020-07-03</a:t>
+              <a:t>2020-07-06</a:t>
             </a:fld>
             <a:endParaRPr lang="ko-KR" altLang="en-US"/>
           </a:p>
@@ -6789,6 +6789,36 @@
           </a:p>
         </p:txBody>
       </p:sp>
+      <p:pic>
+        <p:nvPicPr>
+          <p:cNvPr id="3" name="그림 2">
+            <a:extLst>
+              <a:ext uri="{FF2B5EF4-FFF2-40B4-BE49-F238E27FC236}">
+                <a16:creationId xmlns:a16="http://schemas.microsoft.com/office/drawing/2014/main" id="{55C25633-5E7C-401B-80DF-FB2B661BC6B8}"/>
+              </a:ext>
+            </a:extLst>
+          </p:cNvPr>
+          <p:cNvPicPr>
+            <a:picLocks noChangeAspect="1"/>
+          </p:cNvPicPr>
+          <p:nvPr/>
+        </p:nvPicPr>
+        <p:blipFill>
+          <a:blip r:embed="rId2"/>
+          <a:stretch>
+            <a:fillRect/>
+          </a:stretch>
+        </p:blipFill>
+        <p:spPr>
+          <a:xfrm>
+            <a:off x="3994449" y="0"/>
+            <a:ext cx="3102272" cy="6858000"/>
+          </a:xfrm>
+          <a:prstGeom prst="rect">
+            <a:avLst/>
+          </a:prstGeom>
+        </p:spPr>
+      </p:pic>
     </p:spTree>
     <p:extLst>
       <p:ext uri="{BB962C8B-B14F-4D97-AF65-F5344CB8AC3E}">

--- a/Study/11. Blueprints and Configuration/Blueprints and Configuration.pptx
+++ b/Study/11. Blueprints and Configuration/Blueprints and Configuration.pptx
@@ -7,9 +7,14 @@
   <p:sldIdLst>
     <p:sldId id="256" r:id="rId2"/>
     <p:sldId id="284" r:id="rId3"/>
-    <p:sldId id="293" r:id="rId4"/>
-    <p:sldId id="294" r:id="rId5"/>
-    <p:sldId id="295" r:id="rId6"/>
+    <p:sldId id="301" r:id="rId4"/>
+    <p:sldId id="302" r:id="rId5"/>
+    <p:sldId id="303" r:id="rId6"/>
+    <p:sldId id="304" r:id="rId7"/>
+    <p:sldId id="305" r:id="rId8"/>
+    <p:sldId id="306" r:id="rId9"/>
+    <p:sldId id="307" r:id="rId10"/>
+    <p:sldId id="295" r:id="rId11"/>
   </p:sldIdLst>
   <p:sldSz cx="12192000" cy="6858000"/>
   <p:notesSz cx="6858000" cy="9144000"/>
@@ -838,7 +843,7 @@
           <a:p>
             <a:fld id="{B6FB7DCD-5BA3-48A2-BE8C-591555253DD2}" type="datetimeFigureOut">
               <a:rPr lang="ko-KR" altLang="en-US" smtClean="0"/>
-              <a:t>2020-07-06</a:t>
+              <a:t>2020-07-08</a:t>
             </a:fld>
             <a:endParaRPr lang="ko-KR" altLang="en-US"/>
           </a:p>
@@ -1089,7 +1094,7 @@
           <a:p>
             <a:fld id="{B6FB7DCD-5BA3-48A2-BE8C-591555253DD2}" type="datetimeFigureOut">
               <a:rPr lang="ko-KR" altLang="en-US" smtClean="0"/>
-              <a:t>2020-07-06</a:t>
+              <a:t>2020-07-08</a:t>
             </a:fld>
             <a:endParaRPr lang="ko-KR" altLang="en-US"/>
           </a:p>
@@ -1403,7 +1408,7 @@
           <a:p>
             <a:fld id="{B6FB7DCD-5BA3-48A2-BE8C-591555253DD2}" type="datetimeFigureOut">
               <a:rPr lang="ko-KR" altLang="en-US" smtClean="0"/>
-              <a:t>2020-07-06</a:t>
+              <a:t>2020-07-08</a:t>
             </a:fld>
             <a:endParaRPr lang="ko-KR" altLang="en-US"/>
           </a:p>
@@ -1744,7 +1749,7 @@
           <a:p>
             <a:fld id="{B6FB7DCD-5BA3-48A2-BE8C-591555253DD2}" type="datetimeFigureOut">
               <a:rPr lang="ko-KR" altLang="en-US" smtClean="0"/>
-              <a:t>2020-07-06</a:t>
+              <a:t>2020-07-08</a:t>
             </a:fld>
             <a:endParaRPr lang="ko-KR" altLang="en-US"/>
           </a:p>
@@ -2058,7 +2063,7 @@
           <a:p>
             <a:fld id="{B6FB7DCD-5BA3-48A2-BE8C-591555253DD2}" type="datetimeFigureOut">
               <a:rPr lang="ko-KR" altLang="en-US" smtClean="0"/>
-              <a:t>2020-07-06</a:t>
+              <a:t>2020-07-08</a:t>
             </a:fld>
             <a:endParaRPr lang="ko-KR" altLang="en-US"/>
           </a:p>
@@ -2451,7 +2456,7 @@
           <a:p>
             <a:fld id="{B6FB7DCD-5BA3-48A2-BE8C-591555253DD2}" type="datetimeFigureOut">
               <a:rPr lang="ko-KR" altLang="en-US" smtClean="0"/>
-              <a:t>2020-07-06</a:t>
+              <a:t>2020-07-08</a:t>
             </a:fld>
             <a:endParaRPr lang="ko-KR" altLang="en-US"/>
           </a:p>
@@ -2621,7 +2626,7 @@
           <a:p>
             <a:fld id="{B6FB7DCD-5BA3-48A2-BE8C-591555253DD2}" type="datetimeFigureOut">
               <a:rPr lang="ko-KR" altLang="en-US" smtClean="0"/>
-              <a:t>2020-07-06</a:t>
+              <a:t>2020-07-08</a:t>
             </a:fld>
             <a:endParaRPr lang="ko-KR" altLang="en-US"/>
           </a:p>
@@ -2801,7 +2806,7 @@
           <a:p>
             <a:fld id="{B6FB7DCD-5BA3-48A2-BE8C-591555253DD2}" type="datetimeFigureOut">
               <a:rPr lang="ko-KR" altLang="en-US" smtClean="0"/>
-              <a:t>2020-07-06</a:t>
+              <a:t>2020-07-08</a:t>
             </a:fld>
             <a:endParaRPr lang="ko-KR" altLang="en-US"/>
           </a:p>
@@ -2977,7 +2982,7 @@
           <a:p>
             <a:fld id="{B6FB7DCD-5BA3-48A2-BE8C-591555253DD2}" type="datetimeFigureOut">
               <a:rPr lang="ko-KR" altLang="en-US" smtClean="0"/>
-              <a:t>2020-07-06</a:t>
+              <a:t>2020-07-08</a:t>
             </a:fld>
             <a:endParaRPr lang="ko-KR" altLang="en-US"/>
           </a:p>
@@ -3224,7 +3229,7 @@
           <a:p>
             <a:fld id="{B6FB7DCD-5BA3-48A2-BE8C-591555253DD2}" type="datetimeFigureOut">
               <a:rPr lang="ko-KR" altLang="en-US" smtClean="0"/>
-              <a:t>2020-07-06</a:t>
+              <a:t>2020-07-08</a:t>
             </a:fld>
             <a:endParaRPr lang="ko-KR" altLang="en-US"/>
           </a:p>
@@ -3456,7 +3461,7 @@
           <a:p>
             <a:fld id="{B6FB7DCD-5BA3-48A2-BE8C-591555253DD2}" type="datetimeFigureOut">
               <a:rPr lang="ko-KR" altLang="en-US" smtClean="0"/>
-              <a:t>2020-07-06</a:t>
+              <a:t>2020-07-08</a:t>
             </a:fld>
             <a:endParaRPr lang="ko-KR" altLang="en-US"/>
           </a:p>
@@ -3830,7 +3835,7 @@
           <a:p>
             <a:fld id="{B6FB7DCD-5BA3-48A2-BE8C-591555253DD2}" type="datetimeFigureOut">
               <a:rPr lang="ko-KR" altLang="en-US" smtClean="0"/>
-              <a:t>2020-07-06</a:t>
+              <a:t>2020-07-08</a:t>
             </a:fld>
             <a:endParaRPr lang="ko-KR" altLang="en-US"/>
           </a:p>
@@ -3953,7 +3958,7 @@
           <a:p>
             <a:fld id="{B6FB7DCD-5BA3-48A2-BE8C-591555253DD2}" type="datetimeFigureOut">
               <a:rPr lang="ko-KR" altLang="en-US" smtClean="0"/>
-              <a:t>2020-07-06</a:t>
+              <a:t>2020-07-08</a:t>
             </a:fld>
             <a:endParaRPr lang="ko-KR" altLang="en-US"/>
           </a:p>
@@ -4048,7 +4053,7 @@
           <a:p>
             <a:fld id="{B6FB7DCD-5BA3-48A2-BE8C-591555253DD2}" type="datetimeFigureOut">
               <a:rPr lang="ko-KR" altLang="en-US" smtClean="0"/>
-              <a:t>2020-07-06</a:t>
+              <a:t>2020-07-08</a:t>
             </a:fld>
             <a:endParaRPr lang="ko-KR" altLang="en-US"/>
           </a:p>
@@ -4303,7 +4308,7 @@
           <a:p>
             <a:fld id="{B6FB7DCD-5BA3-48A2-BE8C-591555253DD2}" type="datetimeFigureOut">
               <a:rPr lang="ko-KR" altLang="en-US" smtClean="0"/>
-              <a:t>2020-07-06</a:t>
+              <a:t>2020-07-08</a:t>
             </a:fld>
             <a:endParaRPr lang="ko-KR" altLang="en-US"/>
           </a:p>
@@ -4566,7 +4571,7 @@
           <a:p>
             <a:fld id="{B6FB7DCD-5BA3-48A2-BE8C-591555253DD2}" type="datetimeFigureOut">
               <a:rPr lang="ko-KR" altLang="en-US" smtClean="0"/>
-              <a:t>2020-07-06</a:t>
+              <a:t>2020-07-08</a:t>
             </a:fld>
             <a:endParaRPr lang="ko-KR" altLang="en-US"/>
           </a:p>
@@ -5309,7 +5314,7 @@
           <a:p>
             <a:fld id="{B6FB7DCD-5BA3-48A2-BE8C-591555253DD2}" type="datetimeFigureOut">
               <a:rPr lang="ko-KR" altLang="en-US" smtClean="0"/>
-              <a:t>2020-07-06</a:t>
+              <a:t>2020-07-08</a:t>
             </a:fld>
             <a:endParaRPr lang="ko-KR" altLang="en-US"/>
           </a:p>
@@ -5902,7 +5907,7 @@
 </p:sld>
 </file>
 
-<file path=ppt/slides/slide2.xml><?xml version="1.0" encoding="utf-8"?>
+<file path=ppt/slides/slide10.xml><?xml version="1.0" encoding="utf-8"?>
 <p:sld xmlns:a="http://schemas.openxmlformats.org/drawingml/2006/main" xmlns:r="http://schemas.openxmlformats.org/officeDocument/2006/relationships" xmlns:p="http://schemas.openxmlformats.org/presentationml/2006/main">
   <p:cSld>
     <p:spTree>
@@ -5924,93 +5929,6 @@
           <p:cNvPr id="2" name="제목 1">
             <a:extLst>
               <a:ext uri="{FF2B5EF4-FFF2-40B4-BE49-F238E27FC236}">
-                <a16:creationId xmlns:a16="http://schemas.microsoft.com/office/drawing/2014/main" id="{11F7ECDD-6C8C-4DC9-BAE8-787D827B25C2}"/>
-              </a:ext>
-            </a:extLst>
-          </p:cNvPr>
-          <p:cNvSpPr>
-            <a:spLocks noGrp="1"/>
-          </p:cNvSpPr>
-          <p:nvPr>
-            <p:ph type="title"/>
-          </p:nvPr>
-        </p:nvSpPr>
-        <p:spPr/>
-        <p:txBody>
-          <a:bodyPr/>
-          <a:lstStyle/>
-          <a:p>
-            <a:r>
-              <a:rPr lang="ko-KR" altLang="en-US" dirty="0"/>
-              <a:t>목차</a:t>
-            </a:r>
-          </a:p>
-        </p:txBody>
-      </p:sp>
-      <p:sp>
-        <p:nvSpPr>
-          <p:cNvPr id="3" name="내용 개체 틀 2">
-            <a:extLst>
-              <a:ext uri="{FF2B5EF4-FFF2-40B4-BE49-F238E27FC236}">
-                <a16:creationId xmlns:a16="http://schemas.microsoft.com/office/drawing/2014/main" id="{78E0D18E-A1CC-42A5-BA2D-A0504A727BCF}"/>
-              </a:ext>
-            </a:extLst>
-          </p:cNvPr>
-          <p:cNvSpPr>
-            <a:spLocks noGrp="1"/>
-          </p:cNvSpPr>
-          <p:nvPr>
-            <p:ph idx="1"/>
-          </p:nvPr>
-        </p:nvSpPr>
-        <p:spPr/>
-        <p:txBody>
-          <a:bodyPr/>
-          <a:lstStyle/>
-          <a:p>
-            <a:r>
-              <a:rPr lang="en-US" altLang="ko-KR" dirty="0"/>
-              <a:t>Blueprints and Configuration</a:t>
-            </a:r>
-            <a:endParaRPr lang="ko-KR" altLang="en-US" dirty="0"/>
-          </a:p>
-        </p:txBody>
-      </p:sp>
-    </p:spTree>
-    <p:extLst>
-      <p:ext uri="{BB962C8B-B14F-4D97-AF65-F5344CB8AC3E}">
-        <p14:creationId xmlns:p14="http://schemas.microsoft.com/office/powerpoint/2010/main" val="869180821"/>
-      </p:ext>
-    </p:extLst>
-  </p:cSld>
-  <p:clrMapOvr>
-    <a:masterClrMapping/>
-  </p:clrMapOvr>
-</p:sld>
-</file>
-
-<file path=ppt/slides/slide3.xml><?xml version="1.0" encoding="utf-8"?>
-<p:sld xmlns:a="http://schemas.openxmlformats.org/drawingml/2006/main" xmlns:r="http://schemas.openxmlformats.org/officeDocument/2006/relationships" xmlns:p="http://schemas.openxmlformats.org/presentationml/2006/main">
-  <p:cSld>
-    <p:spTree>
-      <p:nvGrpSpPr>
-        <p:cNvPr id="1" name=""/>
-        <p:cNvGrpSpPr/>
-        <p:nvPr/>
-      </p:nvGrpSpPr>
-      <p:grpSpPr>
-        <a:xfrm>
-          <a:off x="0" y="0"/>
-          <a:ext cx="0" cy="0"/>
-          <a:chOff x="0" y="0"/>
-          <a:chExt cx="0" cy="0"/>
-        </a:xfrm>
-      </p:grpSpPr>
-      <p:sp>
-        <p:nvSpPr>
-          <p:cNvPr id="2" name="제목 1">
-            <a:extLst>
-              <a:ext uri="{FF2B5EF4-FFF2-40B4-BE49-F238E27FC236}">
                 <a16:creationId xmlns:a16="http://schemas.microsoft.com/office/drawing/2014/main" id="{2EC833C6-FAC3-442B-803D-3FB02DF07980}"/>
               </a:ext>
             </a:extLst>
@@ -6037,753 +5955,6 @@
             <a:r>
               <a:rPr lang="en-US" altLang="ko-KR" dirty="0"/>
               <a:t>9. Pagination</a:t>
-            </a:r>
-            <a:endParaRPr lang="ko-KR" altLang="en-US" dirty="0"/>
-          </a:p>
-        </p:txBody>
-      </p:sp>
-      <p:sp>
-        <p:nvSpPr>
-          <p:cNvPr id="6" name="직사각형 5">
-            <a:extLst>
-              <a:ext uri="{FF2B5EF4-FFF2-40B4-BE49-F238E27FC236}">
-                <a16:creationId xmlns:a16="http://schemas.microsoft.com/office/drawing/2014/main" id="{6A60F032-B172-43E0-B147-16329887DE8F}"/>
-              </a:ext>
-            </a:extLst>
-          </p:cNvPr>
-          <p:cNvSpPr/>
-          <p:nvPr/>
-        </p:nvSpPr>
-        <p:spPr>
-          <a:xfrm>
-            <a:off x="7620874" y="2196693"/>
-            <a:ext cx="4470512" cy="1384995"/>
-          </a:xfrm>
-          <a:prstGeom prst="rect">
-            <a:avLst/>
-          </a:prstGeom>
-        </p:spPr>
-        <p:txBody>
-          <a:bodyPr wrap="square">
-            <a:spAutoFit/>
-          </a:bodyPr>
-          <a:lstStyle/>
-          <a:p>
-            <a:pPr marL="285750" indent="-285750">
-              <a:buFontTx/>
-              <a:buChar char="-"/>
-            </a:pPr>
-            <a:r>
-              <a:rPr lang="en-US" altLang="ko-KR" sz="1400" dirty="0" err="1"/>
-              <a:t>WTForms</a:t>
-            </a:r>
-            <a:r>
-              <a:rPr lang="ko-KR" altLang="en-US" sz="1400" dirty="0"/>
-              <a:t>로 작업할 때 </a:t>
-            </a:r>
-            <a:r>
-              <a:rPr lang="en-US" altLang="ko-KR" sz="1400" dirty="0"/>
-              <a:t>class</a:t>
-            </a:r>
-            <a:r>
-              <a:rPr lang="ko-KR" altLang="en-US" sz="1400" dirty="0"/>
-              <a:t>로 먼저 그 </a:t>
-            </a:r>
-            <a:r>
-              <a:rPr lang="en-US" altLang="ko-KR" sz="1400" dirty="0"/>
-              <a:t>forms</a:t>
-            </a:r>
-            <a:r>
-              <a:rPr lang="ko-KR" altLang="en-US" sz="1400" dirty="0"/>
-              <a:t>을 정의 </a:t>
-            </a:r>
-            <a:r>
-              <a:rPr lang="ko-KR" altLang="en-US" sz="1400" dirty="0" err="1"/>
-              <a:t>해야한다</a:t>
-            </a:r>
-            <a:r>
-              <a:rPr lang="en-US" altLang="ko-KR" sz="1400" dirty="0"/>
-              <a:t>.</a:t>
-            </a:r>
-          </a:p>
-          <a:p>
-            <a:pPr marL="285750" indent="-285750">
-              <a:buFontTx/>
-              <a:buChar char="-"/>
-            </a:pPr>
-            <a:r>
-              <a:rPr lang="ko-KR" altLang="en-US" sz="1400" dirty="0"/>
-              <a:t>어플리케이션을 여러 모듈로 쪼개고 </a:t>
-            </a:r>
-            <a:r>
-              <a:rPr lang="en-US" altLang="ko-KR" sz="1400" dirty="0"/>
-              <a:t>form</a:t>
-            </a:r>
-            <a:r>
-              <a:rPr lang="ko-KR" altLang="en-US" sz="1400" dirty="0"/>
-              <a:t>에 대한 분리된 모듈을 추가하는 것이 권고된다</a:t>
-            </a:r>
-            <a:r>
-              <a:rPr lang="en-US" altLang="ko-KR" sz="1400" dirty="0"/>
-              <a:t>.</a:t>
-            </a:r>
-          </a:p>
-          <a:p>
-            <a:endParaRPr lang="en-US" altLang="ko-KR" sz="1400" dirty="0"/>
-          </a:p>
-          <a:p>
-            <a:endParaRPr lang="en-US" altLang="ko-KR" sz="1400" dirty="0"/>
-          </a:p>
-        </p:txBody>
-      </p:sp>
-      <p:sp>
-        <p:nvSpPr>
-          <p:cNvPr id="7" name="제목 1">
-            <a:extLst>
-              <a:ext uri="{FF2B5EF4-FFF2-40B4-BE49-F238E27FC236}">
-                <a16:creationId xmlns:a16="http://schemas.microsoft.com/office/drawing/2014/main" id="{453FF060-58F0-4366-9AA1-883792CE5955}"/>
-              </a:ext>
-            </a:extLst>
-          </p:cNvPr>
-          <p:cNvSpPr txBox="1">
-            <a:spLocks/>
-          </p:cNvSpPr>
-          <p:nvPr/>
-        </p:nvSpPr>
-        <p:spPr>
-          <a:xfrm>
-            <a:off x="1091421" y="1144214"/>
-            <a:ext cx="7768494" cy="517864"/>
-          </a:xfrm>
-          <a:prstGeom prst="rect">
-            <a:avLst/>
-          </a:prstGeom>
-        </p:spPr>
-        <p:txBody>
-          <a:bodyPr vert="horz" lIns="91440" tIns="45720" rIns="91440" bIns="45720" rtlCol="0" anchor="t">
-            <a:normAutofit fontScale="45000" lnSpcReduction="20000"/>
-          </a:bodyPr>
-          <a:lstStyle>
-            <a:lvl1pPr algn="l" defTabSz="457200" rtl="0" eaLnBrk="1" latinLnBrk="1" hangingPunct="1">
-              <a:spcBef>
-                <a:spcPct val="0"/>
-              </a:spcBef>
-              <a:buNone/>
-              <a:defRPr sz="3600" kern="1200">
-                <a:solidFill>
-                  <a:schemeClr val="accent1"/>
-                </a:solidFill>
-                <a:latin typeface="+mj-lt"/>
-                <a:ea typeface="+mj-ea"/>
-                <a:cs typeface="+mj-cs"/>
-              </a:defRPr>
-            </a:lvl1pPr>
-            <a:lvl2pPr eaLnBrk="1" latinLnBrk="1" hangingPunct="1">
-              <a:defRPr>
-                <a:solidFill>
-                  <a:schemeClr val="tx2"/>
-                </a:solidFill>
-              </a:defRPr>
-            </a:lvl2pPr>
-            <a:lvl3pPr eaLnBrk="1" latinLnBrk="1" hangingPunct="1">
-              <a:defRPr>
-                <a:solidFill>
-                  <a:schemeClr val="tx2"/>
-                </a:solidFill>
-              </a:defRPr>
-            </a:lvl3pPr>
-            <a:lvl4pPr eaLnBrk="1" latinLnBrk="1" hangingPunct="1">
-              <a:defRPr>
-                <a:solidFill>
-                  <a:schemeClr val="tx2"/>
-                </a:solidFill>
-              </a:defRPr>
-            </a:lvl4pPr>
-            <a:lvl5pPr eaLnBrk="1" latinLnBrk="1" hangingPunct="1">
-              <a:defRPr>
-                <a:solidFill>
-                  <a:schemeClr val="tx2"/>
-                </a:solidFill>
-              </a:defRPr>
-            </a:lvl5pPr>
-            <a:lvl6pPr eaLnBrk="1" latinLnBrk="1" hangingPunct="1">
-              <a:defRPr>
-                <a:solidFill>
-                  <a:schemeClr val="tx2"/>
-                </a:solidFill>
-              </a:defRPr>
-            </a:lvl6pPr>
-            <a:lvl7pPr eaLnBrk="1" latinLnBrk="1" hangingPunct="1">
-              <a:defRPr>
-                <a:solidFill>
-                  <a:schemeClr val="tx2"/>
-                </a:solidFill>
-              </a:defRPr>
-            </a:lvl7pPr>
-            <a:lvl8pPr eaLnBrk="1" latinLnBrk="1" hangingPunct="1">
-              <a:defRPr>
-                <a:solidFill>
-                  <a:schemeClr val="tx2"/>
-                </a:solidFill>
-              </a:defRPr>
-            </a:lvl8pPr>
-            <a:lvl9pPr eaLnBrk="1" latinLnBrk="1" hangingPunct="1">
-              <a:defRPr>
-                <a:solidFill>
-                  <a:schemeClr val="tx2"/>
-                </a:solidFill>
-              </a:defRPr>
-            </a:lvl9pPr>
-          </a:lstStyle>
-          <a:p>
-            <a:endParaRPr lang="en-US" altLang="ko-KR" dirty="0"/>
-          </a:p>
-          <a:p>
-            <a:r>
-              <a:rPr lang="en-US" altLang="ko-KR" dirty="0"/>
-              <a:t>routes.py</a:t>
-            </a:r>
-            <a:endParaRPr lang="ko-KR" altLang="en-US" dirty="0"/>
-          </a:p>
-        </p:txBody>
-      </p:sp>
-    </p:spTree>
-    <p:extLst>
-      <p:ext uri="{BB962C8B-B14F-4D97-AF65-F5344CB8AC3E}">
-        <p14:creationId xmlns:p14="http://schemas.microsoft.com/office/powerpoint/2010/main" val="1412398302"/>
-      </p:ext>
-    </p:extLst>
-  </p:cSld>
-  <p:clrMapOvr>
-    <a:masterClrMapping/>
-  </p:clrMapOvr>
-</p:sld>
-</file>
-
-<file path=ppt/slides/slide4.xml><?xml version="1.0" encoding="utf-8"?>
-<p:sld xmlns:a="http://schemas.openxmlformats.org/drawingml/2006/main" xmlns:r="http://schemas.openxmlformats.org/officeDocument/2006/relationships" xmlns:p="http://schemas.openxmlformats.org/presentationml/2006/main">
-  <p:cSld>
-    <p:spTree>
-      <p:nvGrpSpPr>
-        <p:cNvPr id="1" name=""/>
-        <p:cNvGrpSpPr/>
-        <p:nvPr/>
-      </p:nvGrpSpPr>
-      <p:grpSpPr>
-        <a:xfrm>
-          <a:off x="0" y="0"/>
-          <a:ext cx="0" cy="0"/>
-          <a:chOff x="0" y="0"/>
-          <a:chExt cx="0" cy="0"/>
-        </a:xfrm>
-      </p:grpSpPr>
-      <p:sp>
-        <p:nvSpPr>
-          <p:cNvPr id="2" name="제목 1">
-            <a:extLst>
-              <a:ext uri="{FF2B5EF4-FFF2-40B4-BE49-F238E27FC236}">
-                <a16:creationId xmlns:a16="http://schemas.microsoft.com/office/drawing/2014/main" id="{2EC833C6-FAC3-442B-803D-3FB02DF07980}"/>
-              </a:ext>
-            </a:extLst>
-          </p:cNvPr>
-          <p:cNvSpPr>
-            <a:spLocks noGrp="1"/>
-          </p:cNvSpPr>
-          <p:nvPr>
-            <p:ph type="title"/>
-          </p:nvPr>
-        </p:nvSpPr>
-        <p:spPr>
-          <a:xfrm>
-            <a:off x="677334" y="609600"/>
-            <a:ext cx="8596668" cy="517864"/>
-          </a:xfrm>
-        </p:spPr>
-        <p:txBody>
-          <a:bodyPr>
-            <a:normAutofit fontScale="90000"/>
-          </a:bodyPr>
-          <a:lstStyle/>
-          <a:p>
-            <a:r>
-              <a:rPr lang="en-US" altLang="ko-KR" dirty="0"/>
-              <a:t>9. Pagination</a:t>
-            </a:r>
-            <a:endParaRPr lang="ko-KR" altLang="en-US" dirty="0"/>
-          </a:p>
-        </p:txBody>
-      </p:sp>
-      <p:sp>
-        <p:nvSpPr>
-          <p:cNvPr id="6" name="직사각형 5">
-            <a:extLst>
-              <a:ext uri="{FF2B5EF4-FFF2-40B4-BE49-F238E27FC236}">
-                <a16:creationId xmlns:a16="http://schemas.microsoft.com/office/drawing/2014/main" id="{6A60F032-B172-43E0-B147-16329887DE8F}"/>
-              </a:ext>
-            </a:extLst>
-          </p:cNvPr>
-          <p:cNvSpPr/>
-          <p:nvPr/>
-        </p:nvSpPr>
-        <p:spPr>
-          <a:xfrm>
-            <a:off x="7620874" y="2196693"/>
-            <a:ext cx="4470512" cy="1384995"/>
-          </a:xfrm>
-          <a:prstGeom prst="rect">
-            <a:avLst/>
-          </a:prstGeom>
-        </p:spPr>
-        <p:txBody>
-          <a:bodyPr wrap="square">
-            <a:spAutoFit/>
-          </a:bodyPr>
-          <a:lstStyle/>
-          <a:p>
-            <a:pPr marL="285750" indent="-285750">
-              <a:buFontTx/>
-              <a:buChar char="-"/>
-            </a:pPr>
-            <a:r>
-              <a:rPr lang="en-US" altLang="ko-KR" sz="1400" dirty="0" err="1"/>
-              <a:t>WTForms</a:t>
-            </a:r>
-            <a:r>
-              <a:rPr lang="ko-KR" altLang="en-US" sz="1400" dirty="0"/>
-              <a:t>로 작업할 때 </a:t>
-            </a:r>
-            <a:r>
-              <a:rPr lang="en-US" altLang="ko-KR" sz="1400" dirty="0"/>
-              <a:t>class</a:t>
-            </a:r>
-            <a:r>
-              <a:rPr lang="ko-KR" altLang="en-US" sz="1400" dirty="0"/>
-              <a:t>로 먼저 그 </a:t>
-            </a:r>
-            <a:r>
-              <a:rPr lang="en-US" altLang="ko-KR" sz="1400" dirty="0"/>
-              <a:t>forms</a:t>
-            </a:r>
-            <a:r>
-              <a:rPr lang="ko-KR" altLang="en-US" sz="1400" dirty="0"/>
-              <a:t>을 정의 </a:t>
-            </a:r>
-            <a:r>
-              <a:rPr lang="ko-KR" altLang="en-US" sz="1400" dirty="0" err="1"/>
-              <a:t>해야한다</a:t>
-            </a:r>
-            <a:r>
-              <a:rPr lang="en-US" altLang="ko-KR" sz="1400" dirty="0"/>
-              <a:t>.</a:t>
-            </a:r>
-          </a:p>
-          <a:p>
-            <a:pPr marL="285750" indent="-285750">
-              <a:buFontTx/>
-              <a:buChar char="-"/>
-            </a:pPr>
-            <a:r>
-              <a:rPr lang="ko-KR" altLang="en-US" sz="1400" dirty="0"/>
-              <a:t>어플리케이션을 여러 모듈로 쪼개고 </a:t>
-            </a:r>
-            <a:r>
-              <a:rPr lang="en-US" altLang="ko-KR" sz="1400" dirty="0"/>
-              <a:t>form</a:t>
-            </a:r>
-            <a:r>
-              <a:rPr lang="ko-KR" altLang="en-US" sz="1400" dirty="0"/>
-              <a:t>에 대한 분리된 모듈을 추가하는 것이 권고된다</a:t>
-            </a:r>
-            <a:r>
-              <a:rPr lang="en-US" altLang="ko-KR" sz="1400" dirty="0"/>
-              <a:t>.</a:t>
-            </a:r>
-          </a:p>
-          <a:p>
-            <a:endParaRPr lang="en-US" altLang="ko-KR" sz="1400" dirty="0"/>
-          </a:p>
-          <a:p>
-            <a:endParaRPr lang="en-US" altLang="ko-KR" sz="1400" dirty="0"/>
-          </a:p>
-        </p:txBody>
-      </p:sp>
-      <p:sp>
-        <p:nvSpPr>
-          <p:cNvPr id="7" name="제목 1">
-            <a:extLst>
-              <a:ext uri="{FF2B5EF4-FFF2-40B4-BE49-F238E27FC236}">
-                <a16:creationId xmlns:a16="http://schemas.microsoft.com/office/drawing/2014/main" id="{453FF060-58F0-4366-9AA1-883792CE5955}"/>
-              </a:ext>
-            </a:extLst>
-          </p:cNvPr>
-          <p:cNvSpPr txBox="1">
-            <a:spLocks/>
-          </p:cNvSpPr>
-          <p:nvPr/>
-        </p:nvSpPr>
-        <p:spPr>
-          <a:xfrm>
-            <a:off x="1091421" y="1144214"/>
-            <a:ext cx="7768494" cy="517864"/>
-          </a:xfrm>
-          <a:prstGeom prst="rect">
-            <a:avLst/>
-          </a:prstGeom>
-        </p:spPr>
-        <p:txBody>
-          <a:bodyPr vert="horz" lIns="91440" tIns="45720" rIns="91440" bIns="45720" rtlCol="0" anchor="t">
-            <a:normAutofit fontScale="45000" lnSpcReduction="20000"/>
-          </a:bodyPr>
-          <a:lstStyle>
-            <a:lvl1pPr algn="l" defTabSz="457200" rtl="0" eaLnBrk="1" latinLnBrk="1" hangingPunct="1">
-              <a:spcBef>
-                <a:spcPct val="0"/>
-              </a:spcBef>
-              <a:buNone/>
-              <a:defRPr sz="3600" kern="1200">
-                <a:solidFill>
-                  <a:schemeClr val="accent1"/>
-                </a:solidFill>
-                <a:latin typeface="+mj-lt"/>
-                <a:ea typeface="+mj-ea"/>
-                <a:cs typeface="+mj-cs"/>
-              </a:defRPr>
-            </a:lvl1pPr>
-            <a:lvl2pPr eaLnBrk="1" latinLnBrk="1" hangingPunct="1">
-              <a:defRPr>
-                <a:solidFill>
-                  <a:schemeClr val="tx2"/>
-                </a:solidFill>
-              </a:defRPr>
-            </a:lvl2pPr>
-            <a:lvl3pPr eaLnBrk="1" latinLnBrk="1" hangingPunct="1">
-              <a:defRPr>
-                <a:solidFill>
-                  <a:schemeClr val="tx2"/>
-                </a:solidFill>
-              </a:defRPr>
-            </a:lvl3pPr>
-            <a:lvl4pPr eaLnBrk="1" latinLnBrk="1" hangingPunct="1">
-              <a:defRPr>
-                <a:solidFill>
-                  <a:schemeClr val="tx2"/>
-                </a:solidFill>
-              </a:defRPr>
-            </a:lvl4pPr>
-            <a:lvl5pPr eaLnBrk="1" latinLnBrk="1" hangingPunct="1">
-              <a:defRPr>
-                <a:solidFill>
-                  <a:schemeClr val="tx2"/>
-                </a:solidFill>
-              </a:defRPr>
-            </a:lvl5pPr>
-            <a:lvl6pPr eaLnBrk="1" latinLnBrk="1" hangingPunct="1">
-              <a:defRPr>
-                <a:solidFill>
-                  <a:schemeClr val="tx2"/>
-                </a:solidFill>
-              </a:defRPr>
-            </a:lvl6pPr>
-            <a:lvl7pPr eaLnBrk="1" latinLnBrk="1" hangingPunct="1">
-              <a:defRPr>
-                <a:solidFill>
-                  <a:schemeClr val="tx2"/>
-                </a:solidFill>
-              </a:defRPr>
-            </a:lvl7pPr>
-            <a:lvl8pPr eaLnBrk="1" latinLnBrk="1" hangingPunct="1">
-              <a:defRPr>
-                <a:solidFill>
-                  <a:schemeClr val="tx2"/>
-                </a:solidFill>
-              </a:defRPr>
-            </a:lvl8pPr>
-            <a:lvl9pPr eaLnBrk="1" latinLnBrk="1" hangingPunct="1">
-              <a:defRPr>
-                <a:solidFill>
-                  <a:schemeClr val="tx2"/>
-                </a:solidFill>
-              </a:defRPr>
-            </a:lvl9pPr>
-          </a:lstStyle>
-          <a:p>
-            <a:endParaRPr lang="en-US" altLang="ko-KR" dirty="0"/>
-          </a:p>
-          <a:p>
-            <a:r>
-              <a:rPr lang="en-US" altLang="ko-KR" dirty="0"/>
-              <a:t>home.html</a:t>
-            </a:r>
-            <a:endParaRPr lang="ko-KR" altLang="en-US" dirty="0"/>
-          </a:p>
-        </p:txBody>
-      </p:sp>
-    </p:spTree>
-    <p:extLst>
-      <p:ext uri="{BB962C8B-B14F-4D97-AF65-F5344CB8AC3E}">
-        <p14:creationId xmlns:p14="http://schemas.microsoft.com/office/powerpoint/2010/main" val="1048448928"/>
-      </p:ext>
-    </p:extLst>
-  </p:cSld>
-  <p:clrMapOvr>
-    <a:masterClrMapping/>
-  </p:clrMapOvr>
-</p:sld>
-</file>
-
-<file path=ppt/slides/slide5.xml><?xml version="1.0" encoding="utf-8"?>
-<p:sld xmlns:a="http://schemas.openxmlformats.org/drawingml/2006/main" xmlns:r="http://schemas.openxmlformats.org/officeDocument/2006/relationships" xmlns:p="http://schemas.openxmlformats.org/presentationml/2006/main">
-  <p:cSld>
-    <p:spTree>
-      <p:nvGrpSpPr>
-        <p:cNvPr id="1" name=""/>
-        <p:cNvGrpSpPr/>
-        <p:nvPr/>
-      </p:nvGrpSpPr>
-      <p:grpSpPr>
-        <a:xfrm>
-          <a:off x="0" y="0"/>
-          <a:ext cx="0" cy="0"/>
-          <a:chOff x="0" y="0"/>
-          <a:chExt cx="0" cy="0"/>
-        </a:xfrm>
-      </p:grpSpPr>
-      <p:sp>
-        <p:nvSpPr>
-          <p:cNvPr id="2" name="제목 1">
-            <a:extLst>
-              <a:ext uri="{FF2B5EF4-FFF2-40B4-BE49-F238E27FC236}">
-                <a16:creationId xmlns:a16="http://schemas.microsoft.com/office/drawing/2014/main" id="{2EC833C6-FAC3-442B-803D-3FB02DF07980}"/>
-              </a:ext>
-            </a:extLst>
-          </p:cNvPr>
-          <p:cNvSpPr>
-            <a:spLocks noGrp="1"/>
-          </p:cNvSpPr>
-          <p:nvPr>
-            <p:ph type="title"/>
-          </p:nvPr>
-        </p:nvSpPr>
-        <p:spPr>
-          <a:xfrm>
-            <a:off x="677334" y="609600"/>
-            <a:ext cx="8596668" cy="517864"/>
-          </a:xfrm>
-        </p:spPr>
-        <p:txBody>
-          <a:bodyPr>
-            <a:normAutofit fontScale="90000"/>
-          </a:bodyPr>
-          <a:lstStyle/>
-          <a:p>
-            <a:r>
-              <a:rPr lang="en-US" altLang="ko-KR" dirty="0"/>
-              <a:t>9. Pagination</a:t>
-            </a:r>
-            <a:endParaRPr lang="ko-KR" altLang="en-US" dirty="0"/>
-          </a:p>
-        </p:txBody>
-      </p:sp>
-      <p:sp>
-        <p:nvSpPr>
-          <p:cNvPr id="6" name="직사각형 5">
-            <a:extLst>
-              <a:ext uri="{FF2B5EF4-FFF2-40B4-BE49-F238E27FC236}">
-                <a16:creationId xmlns:a16="http://schemas.microsoft.com/office/drawing/2014/main" id="{6A60F032-B172-43E0-B147-16329887DE8F}"/>
-              </a:ext>
-            </a:extLst>
-          </p:cNvPr>
-          <p:cNvSpPr/>
-          <p:nvPr/>
-        </p:nvSpPr>
-        <p:spPr>
-          <a:xfrm>
-            <a:off x="7620874" y="2196693"/>
-            <a:ext cx="4470512" cy="1384995"/>
-          </a:xfrm>
-          <a:prstGeom prst="rect">
-            <a:avLst/>
-          </a:prstGeom>
-        </p:spPr>
-        <p:txBody>
-          <a:bodyPr wrap="square">
-            <a:spAutoFit/>
-          </a:bodyPr>
-          <a:lstStyle/>
-          <a:p>
-            <a:pPr marL="285750" indent="-285750">
-              <a:buFontTx/>
-              <a:buChar char="-"/>
-            </a:pPr>
-            <a:r>
-              <a:rPr lang="en-US" altLang="ko-KR" sz="1400" dirty="0" err="1"/>
-              <a:t>WTForms</a:t>
-            </a:r>
-            <a:r>
-              <a:rPr lang="ko-KR" altLang="en-US" sz="1400" dirty="0"/>
-              <a:t>로 작업할 때 </a:t>
-            </a:r>
-            <a:r>
-              <a:rPr lang="en-US" altLang="ko-KR" sz="1400" dirty="0"/>
-              <a:t>class</a:t>
-            </a:r>
-            <a:r>
-              <a:rPr lang="ko-KR" altLang="en-US" sz="1400" dirty="0"/>
-              <a:t>로 먼저 그 </a:t>
-            </a:r>
-            <a:r>
-              <a:rPr lang="en-US" altLang="ko-KR" sz="1400" dirty="0"/>
-              <a:t>forms</a:t>
-            </a:r>
-            <a:r>
-              <a:rPr lang="ko-KR" altLang="en-US" sz="1400" dirty="0"/>
-              <a:t>을 정의 </a:t>
-            </a:r>
-            <a:r>
-              <a:rPr lang="ko-KR" altLang="en-US" sz="1400" dirty="0" err="1"/>
-              <a:t>해야한다</a:t>
-            </a:r>
-            <a:r>
-              <a:rPr lang="en-US" altLang="ko-KR" sz="1400" dirty="0"/>
-              <a:t>.</a:t>
-            </a:r>
-          </a:p>
-          <a:p>
-            <a:pPr marL="285750" indent="-285750">
-              <a:buFontTx/>
-              <a:buChar char="-"/>
-            </a:pPr>
-            <a:r>
-              <a:rPr lang="ko-KR" altLang="en-US" sz="1400" dirty="0"/>
-              <a:t>어플리케이션을 여러 모듈로 쪼개고 </a:t>
-            </a:r>
-            <a:r>
-              <a:rPr lang="en-US" altLang="ko-KR" sz="1400" dirty="0"/>
-              <a:t>form</a:t>
-            </a:r>
-            <a:r>
-              <a:rPr lang="ko-KR" altLang="en-US" sz="1400" dirty="0"/>
-              <a:t>에 대한 분리된 모듈을 추가하는 것이 권고된다</a:t>
-            </a:r>
-            <a:r>
-              <a:rPr lang="en-US" altLang="ko-KR" sz="1400" dirty="0"/>
-              <a:t>.</a:t>
-            </a:r>
-          </a:p>
-          <a:p>
-            <a:endParaRPr lang="en-US" altLang="ko-KR" sz="1400" dirty="0"/>
-          </a:p>
-          <a:p>
-            <a:endParaRPr lang="en-US" altLang="ko-KR" sz="1400" dirty="0"/>
-          </a:p>
-        </p:txBody>
-      </p:sp>
-      <p:sp>
-        <p:nvSpPr>
-          <p:cNvPr id="7" name="제목 1">
-            <a:extLst>
-              <a:ext uri="{FF2B5EF4-FFF2-40B4-BE49-F238E27FC236}">
-                <a16:creationId xmlns:a16="http://schemas.microsoft.com/office/drawing/2014/main" id="{453FF060-58F0-4366-9AA1-883792CE5955}"/>
-              </a:ext>
-            </a:extLst>
-          </p:cNvPr>
-          <p:cNvSpPr txBox="1">
-            <a:spLocks/>
-          </p:cNvSpPr>
-          <p:nvPr/>
-        </p:nvSpPr>
-        <p:spPr>
-          <a:xfrm>
-            <a:off x="1091421" y="1144214"/>
-            <a:ext cx="7768494" cy="517864"/>
-          </a:xfrm>
-          <a:prstGeom prst="rect">
-            <a:avLst/>
-          </a:prstGeom>
-        </p:spPr>
-        <p:txBody>
-          <a:bodyPr vert="horz" lIns="91440" tIns="45720" rIns="91440" bIns="45720" rtlCol="0" anchor="t">
-            <a:normAutofit fontScale="45000" lnSpcReduction="20000"/>
-          </a:bodyPr>
-          <a:lstStyle>
-            <a:lvl1pPr algn="l" defTabSz="457200" rtl="0" eaLnBrk="1" latinLnBrk="1" hangingPunct="1">
-              <a:spcBef>
-                <a:spcPct val="0"/>
-              </a:spcBef>
-              <a:buNone/>
-              <a:defRPr sz="3600" kern="1200">
-                <a:solidFill>
-                  <a:schemeClr val="accent1"/>
-                </a:solidFill>
-                <a:latin typeface="+mj-lt"/>
-                <a:ea typeface="+mj-ea"/>
-                <a:cs typeface="+mj-cs"/>
-              </a:defRPr>
-            </a:lvl1pPr>
-            <a:lvl2pPr eaLnBrk="1" latinLnBrk="1" hangingPunct="1">
-              <a:defRPr>
-                <a:solidFill>
-                  <a:schemeClr val="tx2"/>
-                </a:solidFill>
-              </a:defRPr>
-            </a:lvl2pPr>
-            <a:lvl3pPr eaLnBrk="1" latinLnBrk="1" hangingPunct="1">
-              <a:defRPr>
-                <a:solidFill>
-                  <a:schemeClr val="tx2"/>
-                </a:solidFill>
-              </a:defRPr>
-            </a:lvl3pPr>
-            <a:lvl4pPr eaLnBrk="1" latinLnBrk="1" hangingPunct="1">
-              <a:defRPr>
-                <a:solidFill>
-                  <a:schemeClr val="tx2"/>
-                </a:solidFill>
-              </a:defRPr>
-            </a:lvl4pPr>
-            <a:lvl5pPr eaLnBrk="1" latinLnBrk="1" hangingPunct="1">
-              <a:defRPr>
-                <a:solidFill>
-                  <a:schemeClr val="tx2"/>
-                </a:solidFill>
-              </a:defRPr>
-            </a:lvl5pPr>
-            <a:lvl6pPr eaLnBrk="1" latinLnBrk="1" hangingPunct="1">
-              <a:defRPr>
-                <a:solidFill>
-                  <a:schemeClr val="tx2"/>
-                </a:solidFill>
-              </a:defRPr>
-            </a:lvl6pPr>
-            <a:lvl7pPr eaLnBrk="1" latinLnBrk="1" hangingPunct="1">
-              <a:defRPr>
-                <a:solidFill>
-                  <a:schemeClr val="tx2"/>
-                </a:solidFill>
-              </a:defRPr>
-            </a:lvl7pPr>
-            <a:lvl8pPr eaLnBrk="1" latinLnBrk="1" hangingPunct="1">
-              <a:defRPr>
-                <a:solidFill>
-                  <a:schemeClr val="tx2"/>
-                </a:solidFill>
-              </a:defRPr>
-            </a:lvl8pPr>
-            <a:lvl9pPr eaLnBrk="1" latinLnBrk="1" hangingPunct="1">
-              <a:defRPr>
-                <a:solidFill>
-                  <a:schemeClr val="tx2"/>
-                </a:solidFill>
-              </a:defRPr>
-            </a:lvl9pPr>
-          </a:lstStyle>
-          <a:p>
-            <a:endParaRPr lang="en-US" altLang="ko-KR" dirty="0"/>
-          </a:p>
-          <a:p>
-            <a:r>
-              <a:rPr lang="en-US" altLang="ko-KR" dirty="0"/>
-              <a:t>user_posts.html</a:t>
             </a:r>
             <a:endParaRPr lang="ko-KR" altLang="en-US" dirty="0"/>
           </a:p>
@@ -6823,6 +5994,7845 @@
     <p:extLst>
       <p:ext uri="{BB962C8B-B14F-4D97-AF65-F5344CB8AC3E}">
         <p14:creationId xmlns:p14="http://schemas.microsoft.com/office/powerpoint/2010/main" val="3483688650"/>
+      </p:ext>
+    </p:extLst>
+  </p:cSld>
+  <p:clrMapOvr>
+    <a:masterClrMapping/>
+  </p:clrMapOvr>
+</p:sld>
+</file>
+
+<file path=ppt/slides/slide2.xml><?xml version="1.0" encoding="utf-8"?>
+<p:sld xmlns:a="http://schemas.openxmlformats.org/drawingml/2006/main" xmlns:r="http://schemas.openxmlformats.org/officeDocument/2006/relationships" xmlns:p="http://schemas.openxmlformats.org/presentationml/2006/main">
+  <p:cSld>
+    <p:spTree>
+      <p:nvGrpSpPr>
+        <p:cNvPr id="1" name=""/>
+        <p:cNvGrpSpPr/>
+        <p:nvPr/>
+      </p:nvGrpSpPr>
+      <p:grpSpPr>
+        <a:xfrm>
+          <a:off x="0" y="0"/>
+          <a:ext cx="0" cy="0"/>
+          <a:chOff x="0" y="0"/>
+          <a:chExt cx="0" cy="0"/>
+        </a:xfrm>
+      </p:grpSpPr>
+      <p:sp>
+        <p:nvSpPr>
+          <p:cNvPr id="2" name="제목 1">
+            <a:extLst>
+              <a:ext uri="{FF2B5EF4-FFF2-40B4-BE49-F238E27FC236}">
+                <a16:creationId xmlns:a16="http://schemas.microsoft.com/office/drawing/2014/main" id="{11F7ECDD-6C8C-4DC9-BAE8-787D827B25C2}"/>
+              </a:ext>
+            </a:extLst>
+          </p:cNvPr>
+          <p:cNvSpPr>
+            <a:spLocks noGrp="1"/>
+          </p:cNvSpPr>
+          <p:nvPr>
+            <p:ph type="title"/>
+          </p:nvPr>
+        </p:nvSpPr>
+        <p:spPr/>
+        <p:txBody>
+          <a:bodyPr/>
+          <a:lstStyle/>
+          <a:p>
+            <a:r>
+              <a:rPr lang="ko-KR" altLang="en-US" dirty="0"/>
+              <a:t>목차</a:t>
+            </a:r>
+          </a:p>
+        </p:txBody>
+      </p:sp>
+      <p:sp>
+        <p:nvSpPr>
+          <p:cNvPr id="3" name="내용 개체 틀 2">
+            <a:extLst>
+              <a:ext uri="{FF2B5EF4-FFF2-40B4-BE49-F238E27FC236}">
+                <a16:creationId xmlns:a16="http://schemas.microsoft.com/office/drawing/2014/main" id="{78E0D18E-A1CC-42A5-BA2D-A0504A727BCF}"/>
+              </a:ext>
+            </a:extLst>
+          </p:cNvPr>
+          <p:cNvSpPr>
+            <a:spLocks noGrp="1"/>
+          </p:cNvSpPr>
+          <p:nvPr>
+            <p:ph idx="1"/>
+          </p:nvPr>
+        </p:nvSpPr>
+        <p:spPr/>
+        <p:txBody>
+          <a:bodyPr/>
+          <a:lstStyle/>
+          <a:p>
+            <a:r>
+              <a:rPr lang="en-US" altLang="ko-KR" dirty="0"/>
+              <a:t>Blueprints and Configuration</a:t>
+            </a:r>
+            <a:endParaRPr lang="ko-KR" altLang="en-US" dirty="0"/>
+          </a:p>
+        </p:txBody>
+      </p:sp>
+    </p:spTree>
+    <p:extLst>
+      <p:ext uri="{BB962C8B-B14F-4D97-AF65-F5344CB8AC3E}">
+        <p14:creationId xmlns:p14="http://schemas.microsoft.com/office/powerpoint/2010/main" val="869180821"/>
+      </p:ext>
+    </p:extLst>
+  </p:cSld>
+  <p:clrMapOvr>
+    <a:masterClrMapping/>
+  </p:clrMapOvr>
+</p:sld>
+</file>
+
+<file path=ppt/slides/slide3.xml><?xml version="1.0" encoding="utf-8"?>
+<p:sld xmlns:a="http://schemas.openxmlformats.org/drawingml/2006/main" xmlns:r="http://schemas.openxmlformats.org/officeDocument/2006/relationships" xmlns:p="http://schemas.openxmlformats.org/presentationml/2006/main">
+  <p:cSld>
+    <p:spTree>
+      <p:nvGrpSpPr>
+        <p:cNvPr id="1" name=""/>
+        <p:cNvGrpSpPr/>
+        <p:nvPr/>
+      </p:nvGrpSpPr>
+      <p:grpSpPr>
+        <a:xfrm>
+          <a:off x="0" y="0"/>
+          <a:ext cx="0" cy="0"/>
+          <a:chOff x="0" y="0"/>
+          <a:chExt cx="0" cy="0"/>
+        </a:xfrm>
+      </p:grpSpPr>
+      <p:sp>
+        <p:nvSpPr>
+          <p:cNvPr id="2" name="제목 1">
+            <a:extLst>
+              <a:ext uri="{FF2B5EF4-FFF2-40B4-BE49-F238E27FC236}">
+                <a16:creationId xmlns:a16="http://schemas.microsoft.com/office/drawing/2014/main" id="{2EC833C6-FAC3-442B-803D-3FB02DF07980}"/>
+              </a:ext>
+            </a:extLst>
+          </p:cNvPr>
+          <p:cNvSpPr>
+            <a:spLocks noGrp="1"/>
+          </p:cNvSpPr>
+          <p:nvPr>
+            <p:ph type="title"/>
+          </p:nvPr>
+        </p:nvSpPr>
+        <p:spPr>
+          <a:xfrm>
+            <a:off x="677334" y="609600"/>
+            <a:ext cx="8596668" cy="517864"/>
+          </a:xfrm>
+        </p:spPr>
+        <p:txBody>
+          <a:bodyPr>
+            <a:normAutofit fontScale="90000"/>
+          </a:bodyPr>
+          <a:lstStyle/>
+          <a:p>
+            <a:r>
+              <a:rPr lang="en-US" altLang="ko-KR" dirty="0"/>
+              <a:t>9. Pagination</a:t>
+            </a:r>
+            <a:endParaRPr lang="ko-KR" altLang="en-US" dirty="0"/>
+          </a:p>
+        </p:txBody>
+      </p:sp>
+      <p:sp>
+        <p:nvSpPr>
+          <p:cNvPr id="6" name="직사각형 5">
+            <a:extLst>
+              <a:ext uri="{FF2B5EF4-FFF2-40B4-BE49-F238E27FC236}">
+                <a16:creationId xmlns:a16="http://schemas.microsoft.com/office/drawing/2014/main" id="{6A60F032-B172-43E0-B147-16329887DE8F}"/>
+              </a:ext>
+            </a:extLst>
+          </p:cNvPr>
+          <p:cNvSpPr/>
+          <p:nvPr/>
+        </p:nvSpPr>
+        <p:spPr>
+          <a:xfrm>
+            <a:off x="677334" y="1894853"/>
+            <a:ext cx="10774860" cy="1384995"/>
+          </a:xfrm>
+          <a:prstGeom prst="rect">
+            <a:avLst/>
+          </a:prstGeom>
+        </p:spPr>
+        <p:txBody>
+          <a:bodyPr wrap="square">
+            <a:spAutoFit/>
+          </a:bodyPr>
+          <a:lstStyle/>
+          <a:p>
+            <a:pPr marL="285750" lvl="0" indent="-285750" eaLnBrk="0" fontAlgn="base" latinLnBrk="0" hangingPunct="0">
+              <a:spcBef>
+                <a:spcPct val="0"/>
+              </a:spcBef>
+              <a:spcAft>
+                <a:spcPct val="0"/>
+              </a:spcAft>
+              <a:buFont typeface="Arial" panose="020B0604020202020204" pitchFamily="34" charset="0"/>
+              <a:buChar char="•"/>
+            </a:pPr>
+            <a:r>
+              <a:rPr lang="ko-KR" altLang="ko-KR" sz="1400" dirty="0">
+                <a:solidFill>
+                  <a:srgbClr val="404040"/>
+                </a:solidFill>
+                <a:latin typeface="Arial" panose="020B0604020202020204" pitchFamily="34" charset="0"/>
+              </a:rPr>
+              <a:t>플라스크는 어플리케이션 컴포넌트를 만들고 어플리케이션 내부나 </a:t>
+            </a:r>
+            <a:r>
+              <a:rPr lang="ko-KR" altLang="ko-KR" sz="1400" dirty="0" err="1">
+                <a:solidFill>
+                  <a:srgbClr val="404040"/>
+                </a:solidFill>
+                <a:latin typeface="Arial" panose="020B0604020202020204" pitchFamily="34" charset="0"/>
+              </a:rPr>
+              <a:t>어플리케이션간에</a:t>
+            </a:r>
+            <a:r>
+              <a:rPr lang="ko-KR" altLang="ko-KR" sz="1400" dirty="0">
+                <a:solidFill>
+                  <a:srgbClr val="404040"/>
+                </a:solidFill>
+                <a:latin typeface="Arial" panose="020B0604020202020204" pitchFamily="34" charset="0"/>
+              </a:rPr>
+              <a:t> 공통 패턴을 지원하기 위해 </a:t>
+            </a:r>
+            <a:r>
+              <a:rPr lang="ko-KR" altLang="ko-KR" sz="1400" dirty="0" err="1">
+                <a:solidFill>
+                  <a:srgbClr val="404040"/>
+                </a:solidFill>
+                <a:latin typeface="Arial" panose="020B0604020202020204" pitchFamily="34" charset="0"/>
+              </a:rPr>
+              <a:t>블루프린트</a:t>
+            </a:r>
+            <a:r>
+              <a:rPr lang="ko-KR" altLang="ko-KR" sz="1400" dirty="0">
+                <a:solidFill>
+                  <a:srgbClr val="404040"/>
+                </a:solidFill>
+                <a:latin typeface="Arial" panose="020B0604020202020204" pitchFamily="34" charset="0"/>
+              </a:rPr>
+              <a:t>(</a:t>
+            </a:r>
+            <a:r>
+              <a:rPr lang="ko-KR" altLang="ko-KR" sz="1400" dirty="0" err="1">
+                <a:solidFill>
+                  <a:srgbClr val="404040"/>
+                </a:solidFill>
+                <a:latin typeface="Arial" panose="020B0604020202020204" pitchFamily="34" charset="0"/>
+              </a:rPr>
+              <a:t>blueprint</a:t>
+            </a:r>
+            <a:r>
+              <a:rPr lang="ko-KR" altLang="ko-KR" sz="1400" dirty="0">
+                <a:solidFill>
+                  <a:srgbClr val="404040"/>
+                </a:solidFill>
+                <a:latin typeface="Arial" panose="020B0604020202020204" pitchFamily="34" charset="0"/>
+              </a:rPr>
+              <a:t>) 라는 개념을 사용</a:t>
+            </a:r>
+            <a:endParaRPr lang="en-US" altLang="ko-KR" sz="1400" dirty="0">
+              <a:solidFill>
+                <a:srgbClr val="404040"/>
+              </a:solidFill>
+              <a:latin typeface="Arial" panose="020B0604020202020204" pitchFamily="34" charset="0"/>
+            </a:endParaRPr>
+          </a:p>
+          <a:p>
+            <a:pPr marL="285750" lvl="0" indent="-285750" eaLnBrk="0" fontAlgn="base" latinLnBrk="0" hangingPunct="0">
+              <a:spcBef>
+                <a:spcPct val="0"/>
+              </a:spcBef>
+              <a:spcAft>
+                <a:spcPct val="0"/>
+              </a:spcAft>
+              <a:buFont typeface="Arial" panose="020B0604020202020204" pitchFamily="34" charset="0"/>
+              <a:buChar char="•"/>
+            </a:pPr>
+            <a:r>
+              <a:rPr lang="ko-KR" altLang="ko-KR" sz="1400" dirty="0" err="1">
+                <a:solidFill>
+                  <a:srgbClr val="404040"/>
+                </a:solidFill>
+                <a:latin typeface="Arial" panose="020B0604020202020204" pitchFamily="34" charset="0"/>
+              </a:rPr>
+              <a:t>블루프린트는</a:t>
+            </a:r>
+            <a:r>
+              <a:rPr lang="ko-KR" altLang="ko-KR" sz="1400" dirty="0">
+                <a:solidFill>
+                  <a:srgbClr val="404040"/>
+                </a:solidFill>
+                <a:latin typeface="Arial" panose="020B0604020202020204" pitchFamily="34" charset="0"/>
+              </a:rPr>
+              <a:t> 보통 대형 어플리케이션이 동작하는 방식을 단순화하고 어플리케이션의 동작을 등록하기 위한 플라스크 확장에 대한 중앙 집중된 수단을 제공</a:t>
+            </a:r>
+            <a:endParaRPr lang="en-US" altLang="ko-KR" sz="1400" dirty="0">
+              <a:solidFill>
+                <a:srgbClr val="404040"/>
+              </a:solidFill>
+              <a:latin typeface="Arial" panose="020B0604020202020204" pitchFamily="34" charset="0"/>
+            </a:endParaRPr>
+          </a:p>
+          <a:p>
+            <a:pPr marL="285750" lvl="0" indent="-285750" eaLnBrk="0" fontAlgn="base" latinLnBrk="0" hangingPunct="0">
+              <a:spcBef>
+                <a:spcPct val="0"/>
+              </a:spcBef>
+              <a:spcAft>
+                <a:spcPct val="0"/>
+              </a:spcAft>
+              <a:buFont typeface="Arial" panose="020B0604020202020204" pitchFamily="34" charset="0"/>
+              <a:buChar char="•"/>
+            </a:pPr>
+            <a:r>
+              <a:rPr lang="ko-KR" altLang="ko-KR" sz="1400" dirty="0" err="1">
+                <a:solidFill>
+                  <a:srgbClr val="404040"/>
+                </a:solidFill>
+                <a:latin typeface="Arial" panose="020B0604020202020204" pitchFamily="34" charset="0"/>
+              </a:rPr>
+              <a:t>Blueprint</a:t>
+            </a:r>
+            <a:r>
+              <a:rPr lang="ko-KR" altLang="ko-KR" sz="1400" dirty="0">
+                <a:solidFill>
+                  <a:srgbClr val="404040"/>
+                </a:solidFill>
+                <a:latin typeface="Arial" panose="020B0604020202020204" pitchFamily="34" charset="0"/>
+              </a:rPr>
+              <a:t> 객체는 </a:t>
+            </a:r>
+            <a:r>
+              <a:rPr lang="ko-KR" altLang="ko-KR" sz="1400" dirty="0" err="1">
+                <a:solidFill>
+                  <a:srgbClr val="404040"/>
+                </a:solidFill>
+                <a:latin typeface="Arial" panose="020B0604020202020204" pitchFamily="34" charset="0"/>
+              </a:rPr>
+              <a:t>Flask</a:t>
+            </a:r>
+            <a:r>
+              <a:rPr lang="ko-KR" altLang="ko-KR" sz="1400" dirty="0">
+                <a:solidFill>
+                  <a:srgbClr val="404040"/>
+                </a:solidFill>
+                <a:latin typeface="Arial" panose="020B0604020202020204" pitchFamily="34" charset="0"/>
+              </a:rPr>
+              <a:t> 어플리케이션 객체와 유사하게 동작하지만 실제로 어플리케이션은 아</a:t>
+            </a:r>
+            <a:r>
+              <a:rPr lang="ko-KR" altLang="en-US" sz="1400" dirty="0">
+                <a:solidFill>
+                  <a:srgbClr val="404040"/>
+                </a:solidFill>
+                <a:latin typeface="Arial" panose="020B0604020202020204" pitchFamily="34" charset="0"/>
+              </a:rPr>
+              <a:t>님</a:t>
+            </a:r>
+            <a:endParaRPr lang="en-US" altLang="ko-KR" sz="1400" dirty="0">
+              <a:solidFill>
+                <a:srgbClr val="404040"/>
+              </a:solidFill>
+              <a:latin typeface="Arial" panose="020B0604020202020204" pitchFamily="34" charset="0"/>
+            </a:endParaRPr>
+          </a:p>
+          <a:p>
+            <a:pPr marL="285750" lvl="0" indent="-285750" eaLnBrk="0" fontAlgn="base" latinLnBrk="0" hangingPunct="0">
+              <a:spcBef>
+                <a:spcPct val="0"/>
+              </a:spcBef>
+              <a:spcAft>
+                <a:spcPct val="0"/>
+              </a:spcAft>
+              <a:buFont typeface="Arial" panose="020B0604020202020204" pitchFamily="34" charset="0"/>
+              <a:buChar char="•"/>
+            </a:pPr>
+            <a:r>
+              <a:rPr lang="ko-KR" altLang="ko-KR" sz="1400" dirty="0">
+                <a:solidFill>
+                  <a:srgbClr val="404040"/>
+                </a:solidFill>
+                <a:latin typeface="Arial" panose="020B0604020202020204" pitchFamily="34" charset="0"/>
+              </a:rPr>
+              <a:t>다만 어플리케이션을 생성하거나 확장하는 방식에 대한 </a:t>
+            </a:r>
+            <a:r>
+              <a:rPr lang="en-US" altLang="ko-KR" sz="1400" dirty="0">
+                <a:solidFill>
+                  <a:srgbClr val="404040"/>
+                </a:solidFill>
+                <a:latin typeface="Arial" panose="020B0604020202020204" pitchFamily="34" charset="0"/>
+              </a:rPr>
+              <a:t>Blueprint</a:t>
+            </a:r>
+            <a:endParaRPr lang="ko-KR" altLang="ko-KR" sz="1400" dirty="0">
+              <a:solidFill>
+                <a:srgbClr val="404040"/>
+              </a:solidFill>
+              <a:latin typeface="Arial" panose="020B0604020202020204" pitchFamily="34" charset="0"/>
+            </a:endParaRPr>
+          </a:p>
+        </p:txBody>
+      </p:sp>
+      <p:sp>
+        <p:nvSpPr>
+          <p:cNvPr id="7" name="제목 1">
+            <a:extLst>
+              <a:ext uri="{FF2B5EF4-FFF2-40B4-BE49-F238E27FC236}">
+                <a16:creationId xmlns:a16="http://schemas.microsoft.com/office/drawing/2014/main" id="{453FF060-58F0-4366-9AA1-883792CE5955}"/>
+              </a:ext>
+            </a:extLst>
+          </p:cNvPr>
+          <p:cNvSpPr txBox="1">
+            <a:spLocks/>
+          </p:cNvSpPr>
+          <p:nvPr/>
+        </p:nvSpPr>
+        <p:spPr>
+          <a:xfrm>
+            <a:off x="1091421" y="1144214"/>
+            <a:ext cx="7768494" cy="517864"/>
+          </a:xfrm>
+          <a:prstGeom prst="rect">
+            <a:avLst/>
+          </a:prstGeom>
+        </p:spPr>
+        <p:txBody>
+          <a:bodyPr vert="horz" lIns="91440" tIns="45720" rIns="91440" bIns="45720" rtlCol="0" anchor="t">
+            <a:normAutofit fontScale="45000" lnSpcReduction="20000"/>
+          </a:bodyPr>
+          <a:lstStyle>
+            <a:lvl1pPr algn="l" defTabSz="457200" rtl="0" eaLnBrk="1" latinLnBrk="1" hangingPunct="1">
+              <a:spcBef>
+                <a:spcPct val="0"/>
+              </a:spcBef>
+              <a:buNone/>
+              <a:defRPr sz="3600" kern="1200">
+                <a:solidFill>
+                  <a:schemeClr val="accent1"/>
+                </a:solidFill>
+                <a:latin typeface="+mj-lt"/>
+                <a:ea typeface="+mj-ea"/>
+                <a:cs typeface="+mj-cs"/>
+              </a:defRPr>
+            </a:lvl1pPr>
+            <a:lvl2pPr eaLnBrk="1" latinLnBrk="1" hangingPunct="1">
+              <a:defRPr>
+                <a:solidFill>
+                  <a:schemeClr val="tx2"/>
+                </a:solidFill>
+              </a:defRPr>
+            </a:lvl2pPr>
+            <a:lvl3pPr eaLnBrk="1" latinLnBrk="1" hangingPunct="1">
+              <a:defRPr>
+                <a:solidFill>
+                  <a:schemeClr val="tx2"/>
+                </a:solidFill>
+              </a:defRPr>
+            </a:lvl3pPr>
+            <a:lvl4pPr eaLnBrk="1" latinLnBrk="1" hangingPunct="1">
+              <a:defRPr>
+                <a:solidFill>
+                  <a:schemeClr val="tx2"/>
+                </a:solidFill>
+              </a:defRPr>
+            </a:lvl4pPr>
+            <a:lvl5pPr eaLnBrk="1" latinLnBrk="1" hangingPunct="1">
+              <a:defRPr>
+                <a:solidFill>
+                  <a:schemeClr val="tx2"/>
+                </a:solidFill>
+              </a:defRPr>
+            </a:lvl5pPr>
+            <a:lvl6pPr eaLnBrk="1" latinLnBrk="1" hangingPunct="1">
+              <a:defRPr>
+                <a:solidFill>
+                  <a:schemeClr val="tx2"/>
+                </a:solidFill>
+              </a:defRPr>
+            </a:lvl6pPr>
+            <a:lvl7pPr eaLnBrk="1" latinLnBrk="1" hangingPunct="1">
+              <a:defRPr>
+                <a:solidFill>
+                  <a:schemeClr val="tx2"/>
+                </a:solidFill>
+              </a:defRPr>
+            </a:lvl7pPr>
+            <a:lvl8pPr eaLnBrk="1" latinLnBrk="1" hangingPunct="1">
+              <a:defRPr>
+                <a:solidFill>
+                  <a:schemeClr val="tx2"/>
+                </a:solidFill>
+              </a:defRPr>
+            </a:lvl8pPr>
+            <a:lvl9pPr eaLnBrk="1" latinLnBrk="1" hangingPunct="1">
+              <a:defRPr>
+                <a:solidFill>
+                  <a:schemeClr val="tx2"/>
+                </a:solidFill>
+              </a:defRPr>
+            </a:lvl9pPr>
+          </a:lstStyle>
+          <a:p>
+            <a:endParaRPr lang="en-US" altLang="ko-KR" dirty="0"/>
+          </a:p>
+          <a:p>
+            <a:r>
+              <a:rPr lang="en-US" altLang="ko-KR" dirty="0"/>
+              <a:t>Why blueprint?</a:t>
+            </a:r>
+            <a:endParaRPr lang="ko-KR" altLang="en-US" dirty="0"/>
+          </a:p>
+        </p:txBody>
+      </p:sp>
+      <p:sp>
+        <p:nvSpPr>
+          <p:cNvPr id="8" name="직사각형 7">
+            <a:extLst>
+              <a:ext uri="{FF2B5EF4-FFF2-40B4-BE49-F238E27FC236}">
+                <a16:creationId xmlns:a16="http://schemas.microsoft.com/office/drawing/2014/main" id="{79224EA2-425E-4F72-A585-2878E070D97F}"/>
+              </a:ext>
+            </a:extLst>
+          </p:cNvPr>
+          <p:cNvSpPr/>
+          <p:nvPr/>
+        </p:nvSpPr>
+        <p:spPr>
+          <a:xfrm>
+            <a:off x="677334" y="3565891"/>
+            <a:ext cx="10774860" cy="1815882"/>
+          </a:xfrm>
+          <a:prstGeom prst="rect">
+            <a:avLst/>
+          </a:prstGeom>
+        </p:spPr>
+        <p:txBody>
+          <a:bodyPr wrap="square">
+            <a:spAutoFit/>
+          </a:bodyPr>
+          <a:lstStyle/>
+          <a:p>
+            <a:pPr marL="285750" indent="-285750">
+              <a:buFont typeface="Arial" panose="020B0604020202020204" pitchFamily="34" charset="0"/>
+              <a:buChar char="•"/>
+            </a:pPr>
+            <a:r>
+              <a:rPr lang="ko-KR" altLang="en-US" sz="1400" dirty="0">
+                <a:solidFill>
+                  <a:srgbClr val="404040"/>
+                </a:solidFill>
+                <a:latin typeface="Arial" panose="020B0604020202020204" pitchFamily="34" charset="0"/>
+              </a:rPr>
+              <a:t>어플리케이션을 </a:t>
+            </a:r>
+            <a:r>
+              <a:rPr lang="en-US" altLang="ko-KR" sz="1400" dirty="0">
+                <a:solidFill>
+                  <a:srgbClr val="404040"/>
+                </a:solidFill>
+                <a:latin typeface="Arial" panose="020B0604020202020204" pitchFamily="34" charset="0"/>
+              </a:rPr>
+              <a:t>Blueprint </a:t>
+            </a:r>
+            <a:r>
+              <a:rPr lang="ko-KR" altLang="en-US" sz="1400" dirty="0">
+                <a:solidFill>
+                  <a:srgbClr val="404040"/>
+                </a:solidFill>
+                <a:latin typeface="Arial" panose="020B0604020202020204" pitchFamily="34" charset="0"/>
+              </a:rPr>
+              <a:t>의 집합으로 고려해서</a:t>
+            </a:r>
+            <a:r>
+              <a:rPr lang="en-US" altLang="ko-KR" sz="1400" dirty="0">
+                <a:solidFill>
+                  <a:srgbClr val="404040"/>
+                </a:solidFill>
+                <a:latin typeface="Arial" panose="020B0604020202020204" pitchFamily="34" charset="0"/>
+              </a:rPr>
+              <a:t> </a:t>
+            </a:r>
+            <a:r>
+              <a:rPr lang="ko-KR" altLang="en-US" sz="1400" dirty="0">
+                <a:solidFill>
+                  <a:srgbClr val="404040"/>
+                </a:solidFill>
+                <a:latin typeface="Arial" panose="020B0604020202020204" pitchFamily="34" charset="0"/>
+              </a:rPr>
+              <a:t>대형 어플리케이션에 있어서 이상적 </a:t>
+            </a:r>
+            <a:r>
+              <a:rPr lang="en-US" altLang="ko-KR" sz="1400" dirty="0">
+                <a:solidFill>
+                  <a:srgbClr val="404040"/>
+                </a:solidFill>
+                <a:latin typeface="Arial" panose="020B0604020202020204" pitchFamily="34" charset="0"/>
+              </a:rPr>
+              <a:t>:</a:t>
+            </a:r>
+          </a:p>
+          <a:p>
+            <a:r>
+              <a:rPr lang="en-US" altLang="ko-KR" sz="1400" dirty="0">
+                <a:solidFill>
+                  <a:srgbClr val="404040"/>
+                </a:solidFill>
+                <a:latin typeface="Arial" panose="020B0604020202020204" pitchFamily="34" charset="0"/>
+              </a:rPr>
+              <a:t>      </a:t>
+            </a:r>
+            <a:r>
+              <a:rPr lang="ko-KR" altLang="en-US" sz="1400" dirty="0">
+                <a:solidFill>
+                  <a:srgbClr val="404040"/>
+                </a:solidFill>
+                <a:latin typeface="Arial" panose="020B0604020202020204" pitchFamily="34" charset="0"/>
+              </a:rPr>
+              <a:t>프로젝트는 어플리케이션 객체를 인스턴스화하고</a:t>
+            </a:r>
+            <a:r>
+              <a:rPr lang="en-US" altLang="ko-KR" sz="1400" dirty="0">
+                <a:solidFill>
+                  <a:srgbClr val="404040"/>
+                </a:solidFill>
+                <a:latin typeface="Arial" panose="020B0604020202020204" pitchFamily="34" charset="0"/>
+              </a:rPr>
+              <a:t>, </a:t>
+            </a:r>
+            <a:r>
+              <a:rPr lang="ko-KR" altLang="en-US" sz="1400" dirty="0">
+                <a:solidFill>
+                  <a:srgbClr val="404040"/>
+                </a:solidFill>
+                <a:latin typeface="Arial" panose="020B0604020202020204" pitchFamily="34" charset="0"/>
+              </a:rPr>
+              <a:t>여러 확장을 초기화하고</a:t>
+            </a:r>
+            <a:r>
+              <a:rPr lang="en-US" altLang="ko-KR" sz="1400" dirty="0">
+                <a:solidFill>
+                  <a:srgbClr val="404040"/>
+                </a:solidFill>
+                <a:latin typeface="Arial" panose="020B0604020202020204" pitchFamily="34" charset="0"/>
+              </a:rPr>
+              <a:t>, Blueprint </a:t>
+            </a:r>
+            <a:r>
+              <a:rPr lang="ko-KR" altLang="en-US" sz="1400" dirty="0">
+                <a:solidFill>
+                  <a:srgbClr val="404040"/>
+                </a:solidFill>
+                <a:latin typeface="Arial" panose="020B0604020202020204" pitchFamily="34" charset="0"/>
+              </a:rPr>
+              <a:t>의 묶음을 등록할 수 있다</a:t>
+            </a:r>
+            <a:r>
+              <a:rPr lang="en-US" altLang="ko-KR" sz="1400" dirty="0">
+                <a:solidFill>
+                  <a:srgbClr val="404040"/>
+                </a:solidFill>
+                <a:latin typeface="Arial" panose="020B0604020202020204" pitchFamily="34" charset="0"/>
+              </a:rPr>
+              <a:t>.</a:t>
+            </a:r>
+          </a:p>
+          <a:p>
+            <a:pPr marL="285750" indent="-285750">
+              <a:buFont typeface="Arial" panose="020B0604020202020204" pitchFamily="34" charset="0"/>
+              <a:buChar char="•"/>
+            </a:pPr>
+            <a:r>
+              <a:rPr lang="ko-KR" altLang="en-US" sz="1400" dirty="0">
+                <a:solidFill>
+                  <a:srgbClr val="404040"/>
+                </a:solidFill>
+                <a:latin typeface="Arial" panose="020B0604020202020204" pitchFamily="34" charset="0"/>
+              </a:rPr>
+              <a:t>어플리케이션 상에 </a:t>
+            </a:r>
+            <a:r>
+              <a:rPr lang="en-US" altLang="ko-KR" sz="1400" dirty="0">
+                <a:solidFill>
+                  <a:srgbClr val="404040"/>
+                </a:solidFill>
+                <a:latin typeface="Arial" panose="020B0604020202020204" pitchFamily="34" charset="0"/>
+              </a:rPr>
+              <a:t>URL </a:t>
+            </a:r>
+            <a:r>
+              <a:rPr lang="ko-KR" altLang="en-US" sz="1400" dirty="0" err="1">
+                <a:solidFill>
+                  <a:srgbClr val="404040"/>
+                </a:solidFill>
+                <a:latin typeface="Arial" panose="020B0604020202020204" pitchFamily="34" charset="0"/>
+              </a:rPr>
+              <a:t>접두어와</a:t>
+            </a:r>
+            <a:r>
+              <a:rPr lang="en-US" altLang="ko-KR" sz="1400" dirty="0">
+                <a:solidFill>
+                  <a:srgbClr val="404040"/>
+                </a:solidFill>
+                <a:latin typeface="Arial" panose="020B0604020202020204" pitchFamily="34" charset="0"/>
+              </a:rPr>
+              <a:t>/</a:t>
+            </a:r>
+            <a:r>
+              <a:rPr lang="ko-KR" altLang="en-US" sz="1400" dirty="0">
+                <a:solidFill>
+                  <a:srgbClr val="404040"/>
+                </a:solidFill>
+                <a:latin typeface="Arial" panose="020B0604020202020204" pitchFamily="34" charset="0"/>
+              </a:rPr>
+              <a:t>또는 서브도메인으로 </a:t>
+            </a:r>
+            <a:r>
+              <a:rPr lang="en-US" altLang="ko-KR" sz="1400" dirty="0">
+                <a:solidFill>
+                  <a:srgbClr val="404040"/>
+                </a:solidFill>
+                <a:latin typeface="Arial" panose="020B0604020202020204" pitchFamily="34" charset="0"/>
+              </a:rPr>
+              <a:t>Blueprint </a:t>
+            </a:r>
+            <a:r>
+              <a:rPr lang="ko-KR" altLang="en-US" sz="1400" dirty="0">
+                <a:solidFill>
+                  <a:srgbClr val="404040"/>
+                </a:solidFill>
+                <a:latin typeface="Arial" panose="020B0604020202020204" pitchFamily="34" charset="0"/>
+              </a:rPr>
+              <a:t>를 등록하여</a:t>
+            </a:r>
+            <a:r>
+              <a:rPr lang="en-US" altLang="ko-KR" sz="1400" dirty="0">
+                <a:solidFill>
+                  <a:srgbClr val="404040"/>
+                </a:solidFill>
+                <a:latin typeface="Arial" panose="020B0604020202020204" pitchFamily="34" charset="0"/>
+              </a:rPr>
+              <a:t> URL </a:t>
+            </a:r>
+            <a:r>
+              <a:rPr lang="ko-KR" altLang="en-US" sz="1400" dirty="0" err="1">
+                <a:solidFill>
+                  <a:srgbClr val="404040"/>
+                </a:solidFill>
+                <a:latin typeface="Arial" panose="020B0604020202020204" pitchFamily="34" charset="0"/>
+              </a:rPr>
+              <a:t>접두어와</a:t>
+            </a:r>
+            <a:r>
+              <a:rPr lang="en-US" altLang="ko-KR" sz="1400" dirty="0">
+                <a:solidFill>
+                  <a:srgbClr val="404040"/>
+                </a:solidFill>
+                <a:latin typeface="Arial" panose="020B0604020202020204" pitchFamily="34" charset="0"/>
+              </a:rPr>
+              <a:t>/</a:t>
+            </a:r>
+            <a:r>
+              <a:rPr lang="ko-KR" altLang="en-US" sz="1400" dirty="0">
+                <a:solidFill>
+                  <a:srgbClr val="404040"/>
+                </a:solidFill>
+                <a:latin typeface="Arial" panose="020B0604020202020204" pitchFamily="34" charset="0"/>
+              </a:rPr>
+              <a:t>또는 서브도메인에 있는 파라메터는 </a:t>
+            </a:r>
+            <a:r>
+              <a:rPr lang="en-US" altLang="ko-KR" sz="1400" dirty="0">
+                <a:solidFill>
+                  <a:srgbClr val="404040"/>
+                </a:solidFill>
+                <a:latin typeface="Arial" panose="020B0604020202020204" pitchFamily="34" charset="0"/>
+              </a:rPr>
+              <a:t>Blueprint </a:t>
+            </a:r>
+            <a:r>
+              <a:rPr lang="ko-KR" altLang="en-US" sz="1400" dirty="0">
+                <a:solidFill>
+                  <a:srgbClr val="404040"/>
+                </a:solidFill>
+                <a:latin typeface="Arial" panose="020B0604020202020204" pitchFamily="34" charset="0"/>
+              </a:rPr>
+              <a:t>에 있는 모든 뷰 함수에 걸쳐 있는 공통 뷰 인자</a:t>
+            </a:r>
+            <a:r>
+              <a:rPr lang="en-US" altLang="ko-KR" sz="1400" dirty="0">
+                <a:solidFill>
+                  <a:srgbClr val="404040"/>
+                </a:solidFill>
+                <a:latin typeface="Arial" panose="020B0604020202020204" pitchFamily="34" charset="0"/>
+              </a:rPr>
+              <a:t>(</a:t>
+            </a:r>
+            <a:r>
+              <a:rPr lang="ko-KR" altLang="en-US" sz="1400" dirty="0">
+                <a:solidFill>
+                  <a:srgbClr val="404040"/>
+                </a:solidFill>
+                <a:latin typeface="Arial" panose="020B0604020202020204" pitchFamily="34" charset="0"/>
+              </a:rPr>
+              <a:t>기본값을 가진</a:t>
+            </a:r>
+            <a:r>
+              <a:rPr lang="en-US" altLang="ko-KR" sz="1400" dirty="0">
+                <a:solidFill>
+                  <a:srgbClr val="404040"/>
+                </a:solidFill>
+                <a:latin typeface="Arial" panose="020B0604020202020204" pitchFamily="34" charset="0"/>
+              </a:rPr>
+              <a:t>)</a:t>
+            </a:r>
+            <a:r>
+              <a:rPr lang="ko-KR" altLang="en-US" sz="1400" dirty="0">
+                <a:solidFill>
+                  <a:srgbClr val="404040"/>
+                </a:solidFill>
+                <a:latin typeface="Arial" panose="020B0604020202020204" pitchFamily="34" charset="0"/>
+              </a:rPr>
+              <a:t>가 된다</a:t>
+            </a:r>
+            <a:r>
+              <a:rPr lang="en-US" altLang="ko-KR" sz="1400" dirty="0">
+                <a:solidFill>
+                  <a:srgbClr val="404040"/>
+                </a:solidFill>
+                <a:latin typeface="Arial" panose="020B0604020202020204" pitchFamily="34" charset="0"/>
+              </a:rPr>
+              <a:t>.</a:t>
+            </a:r>
+          </a:p>
+          <a:p>
+            <a:pPr marL="285750" indent="-285750">
+              <a:buFont typeface="Arial" panose="020B0604020202020204" pitchFamily="34" charset="0"/>
+              <a:buChar char="•"/>
+            </a:pPr>
+            <a:r>
+              <a:rPr lang="ko-KR" altLang="en-US" sz="1400" dirty="0">
+                <a:solidFill>
+                  <a:srgbClr val="404040"/>
+                </a:solidFill>
+                <a:latin typeface="Arial" panose="020B0604020202020204" pitchFamily="34" charset="0"/>
+              </a:rPr>
+              <a:t>어플리케이션에 여러 </a:t>
+            </a:r>
+            <a:r>
+              <a:rPr lang="en-US" altLang="ko-KR" sz="1400" dirty="0">
+                <a:solidFill>
+                  <a:srgbClr val="404040"/>
+                </a:solidFill>
+                <a:latin typeface="Arial" panose="020B0604020202020204" pitchFamily="34" charset="0"/>
+              </a:rPr>
+              <a:t>URL </a:t>
+            </a:r>
+            <a:r>
+              <a:rPr lang="ko-KR" altLang="en-US" sz="1400" dirty="0">
+                <a:solidFill>
+                  <a:srgbClr val="404040"/>
+                </a:solidFill>
+                <a:latin typeface="Arial" panose="020B0604020202020204" pitchFamily="34" charset="0"/>
+              </a:rPr>
+              <a:t>규칙을 가진 </a:t>
+            </a:r>
+            <a:r>
+              <a:rPr lang="en-US" altLang="ko-KR" sz="1400" dirty="0">
+                <a:solidFill>
+                  <a:srgbClr val="404040"/>
+                </a:solidFill>
+                <a:latin typeface="Arial" panose="020B0604020202020204" pitchFamily="34" charset="0"/>
+              </a:rPr>
+              <a:t>Blueprint </a:t>
+            </a:r>
+            <a:r>
+              <a:rPr lang="ko-KR" altLang="en-US" sz="1400" dirty="0">
+                <a:solidFill>
+                  <a:srgbClr val="404040"/>
+                </a:solidFill>
+                <a:latin typeface="Arial" panose="020B0604020202020204" pitchFamily="34" charset="0"/>
+              </a:rPr>
+              <a:t>를 여러 번 등록한다</a:t>
+            </a:r>
+            <a:r>
+              <a:rPr lang="en-US" altLang="ko-KR" sz="1400" dirty="0">
+                <a:solidFill>
+                  <a:srgbClr val="404040"/>
+                </a:solidFill>
+                <a:latin typeface="Arial" panose="020B0604020202020204" pitchFamily="34" charset="0"/>
+              </a:rPr>
+              <a:t>.</a:t>
+            </a:r>
+          </a:p>
+          <a:p>
+            <a:pPr marL="285750" indent="-285750">
+              <a:buFont typeface="Arial" panose="020B0604020202020204" pitchFamily="34" charset="0"/>
+              <a:buChar char="•"/>
+            </a:pPr>
+            <a:r>
+              <a:rPr lang="en-US" altLang="ko-KR" sz="1400" dirty="0">
+                <a:solidFill>
+                  <a:srgbClr val="404040"/>
+                </a:solidFill>
+                <a:latin typeface="Arial" panose="020B0604020202020204" pitchFamily="34" charset="0"/>
+              </a:rPr>
+              <a:t>Blueprint </a:t>
+            </a:r>
+            <a:r>
+              <a:rPr lang="ko-KR" altLang="en-US" sz="1400" dirty="0">
+                <a:solidFill>
+                  <a:srgbClr val="404040"/>
+                </a:solidFill>
+                <a:latin typeface="Arial" panose="020B0604020202020204" pitchFamily="34" charset="0"/>
+              </a:rPr>
+              <a:t>를 통해 템플릿 필터</a:t>
+            </a:r>
+            <a:r>
+              <a:rPr lang="en-US" altLang="ko-KR" sz="1400" dirty="0">
+                <a:solidFill>
+                  <a:srgbClr val="404040"/>
+                </a:solidFill>
+                <a:latin typeface="Arial" panose="020B0604020202020204" pitchFamily="34" charset="0"/>
+              </a:rPr>
+              <a:t>, </a:t>
+            </a:r>
+            <a:r>
+              <a:rPr lang="ko-KR" altLang="en-US" sz="1400" dirty="0">
+                <a:solidFill>
+                  <a:srgbClr val="404040"/>
+                </a:solidFill>
+                <a:latin typeface="Arial" panose="020B0604020202020204" pitchFamily="34" charset="0"/>
+              </a:rPr>
+              <a:t>정적 파일</a:t>
+            </a:r>
+            <a:r>
+              <a:rPr lang="en-US" altLang="ko-KR" sz="1400" dirty="0">
+                <a:solidFill>
+                  <a:srgbClr val="404040"/>
+                </a:solidFill>
+                <a:latin typeface="Arial" panose="020B0604020202020204" pitchFamily="34" charset="0"/>
+              </a:rPr>
+              <a:t>, </a:t>
+            </a:r>
+            <a:r>
+              <a:rPr lang="ko-KR" altLang="en-US" sz="1400" dirty="0">
+                <a:solidFill>
+                  <a:srgbClr val="404040"/>
+                </a:solidFill>
+                <a:latin typeface="Arial" panose="020B0604020202020204" pitchFamily="34" charset="0"/>
+              </a:rPr>
+              <a:t>템플릿</a:t>
+            </a:r>
+            <a:r>
+              <a:rPr lang="en-US" altLang="ko-KR" sz="1400" dirty="0">
+                <a:solidFill>
+                  <a:srgbClr val="404040"/>
+                </a:solidFill>
+                <a:latin typeface="Arial" panose="020B0604020202020204" pitchFamily="34" charset="0"/>
+              </a:rPr>
+              <a:t>, </a:t>
+            </a:r>
+            <a:r>
+              <a:rPr lang="ko-KR" altLang="en-US" sz="1400" dirty="0">
+                <a:solidFill>
+                  <a:srgbClr val="404040"/>
+                </a:solidFill>
+                <a:latin typeface="Arial" panose="020B0604020202020204" pitchFamily="34" charset="0"/>
+              </a:rPr>
+              <a:t>그리고 다른 유틸리티를 제공한다</a:t>
+            </a:r>
+            <a:r>
+              <a:rPr lang="en-US" altLang="ko-KR" sz="1400" dirty="0">
+                <a:solidFill>
+                  <a:srgbClr val="404040"/>
+                </a:solidFill>
+                <a:latin typeface="Arial" panose="020B0604020202020204" pitchFamily="34" charset="0"/>
+              </a:rPr>
+              <a:t>.</a:t>
+            </a:r>
+          </a:p>
+          <a:p>
+            <a:pPr marL="285750" indent="-285750">
+              <a:buFont typeface="Arial" panose="020B0604020202020204" pitchFamily="34" charset="0"/>
+              <a:buChar char="•"/>
+            </a:pPr>
+            <a:r>
+              <a:rPr lang="en-US" altLang="ko-KR" sz="1400" dirty="0">
+                <a:solidFill>
+                  <a:srgbClr val="404040"/>
+                </a:solidFill>
+                <a:latin typeface="Arial" panose="020B0604020202020204" pitchFamily="34" charset="0"/>
+              </a:rPr>
+              <a:t>Blueprint </a:t>
+            </a:r>
+            <a:r>
+              <a:rPr lang="ko-KR" altLang="en-US" sz="1400" dirty="0">
+                <a:solidFill>
+                  <a:srgbClr val="404040"/>
+                </a:solidFill>
+                <a:latin typeface="Arial" panose="020B0604020202020204" pitchFamily="34" charset="0"/>
+              </a:rPr>
+              <a:t>는 어플리케이션이나 뷰 함수를 구현하지 않아도 된다</a:t>
+            </a:r>
+            <a:r>
+              <a:rPr lang="en-US" altLang="ko-KR" sz="1400" dirty="0">
+                <a:solidFill>
+                  <a:srgbClr val="404040"/>
+                </a:solidFill>
+                <a:latin typeface="Arial" panose="020B0604020202020204" pitchFamily="34" charset="0"/>
+              </a:rPr>
+              <a:t>.</a:t>
+            </a:r>
+          </a:p>
+          <a:p>
+            <a:pPr marL="285750" indent="-285750">
+              <a:buFont typeface="Arial" panose="020B0604020202020204" pitchFamily="34" charset="0"/>
+              <a:buChar char="•"/>
+            </a:pPr>
+            <a:r>
+              <a:rPr lang="ko-KR" altLang="en-US" sz="1400" dirty="0">
+                <a:solidFill>
+                  <a:srgbClr val="404040"/>
+                </a:solidFill>
+                <a:latin typeface="Arial" panose="020B0604020202020204" pitchFamily="34" charset="0"/>
+              </a:rPr>
+              <a:t>플라스크 확장을 초기화할 때 이런 경우 중 어떤 경우라도 어플리케이션에 </a:t>
+            </a:r>
+            <a:r>
+              <a:rPr lang="en-US" altLang="ko-KR" sz="1400" dirty="0">
+                <a:solidFill>
+                  <a:srgbClr val="404040"/>
+                </a:solidFill>
+                <a:latin typeface="Arial" panose="020B0604020202020204" pitchFamily="34" charset="0"/>
+              </a:rPr>
+              <a:t>Blueprint </a:t>
+            </a:r>
+            <a:r>
+              <a:rPr lang="ko-KR" altLang="en-US" sz="1400" dirty="0">
+                <a:solidFill>
+                  <a:srgbClr val="404040"/>
+                </a:solidFill>
+                <a:latin typeface="Arial" panose="020B0604020202020204" pitchFamily="34" charset="0"/>
+              </a:rPr>
+              <a:t>를 등록한다</a:t>
+            </a:r>
+            <a:r>
+              <a:rPr lang="en-US" altLang="ko-KR" sz="1400" dirty="0">
+                <a:solidFill>
+                  <a:srgbClr val="404040"/>
+                </a:solidFill>
+                <a:latin typeface="Arial" panose="020B0604020202020204" pitchFamily="34" charset="0"/>
+              </a:rPr>
+              <a:t>.</a:t>
+            </a:r>
+          </a:p>
+        </p:txBody>
+      </p:sp>
+    </p:spTree>
+    <p:extLst>
+      <p:ext uri="{BB962C8B-B14F-4D97-AF65-F5344CB8AC3E}">
+        <p14:creationId xmlns:p14="http://schemas.microsoft.com/office/powerpoint/2010/main" val="252041687"/>
+      </p:ext>
+    </p:extLst>
+  </p:cSld>
+  <p:clrMapOvr>
+    <a:masterClrMapping/>
+  </p:clrMapOvr>
+</p:sld>
+</file>
+
+<file path=ppt/slides/slide4.xml><?xml version="1.0" encoding="utf-8"?>
+<p:sld xmlns:a="http://schemas.openxmlformats.org/drawingml/2006/main" xmlns:r="http://schemas.openxmlformats.org/officeDocument/2006/relationships" xmlns:p="http://schemas.openxmlformats.org/presentationml/2006/main">
+  <p:cSld>
+    <p:spTree>
+      <p:nvGrpSpPr>
+        <p:cNvPr id="1" name=""/>
+        <p:cNvGrpSpPr/>
+        <p:nvPr/>
+      </p:nvGrpSpPr>
+      <p:grpSpPr>
+        <a:xfrm>
+          <a:off x="0" y="0"/>
+          <a:ext cx="0" cy="0"/>
+          <a:chOff x="0" y="0"/>
+          <a:chExt cx="0" cy="0"/>
+        </a:xfrm>
+      </p:grpSpPr>
+      <p:sp>
+        <p:nvSpPr>
+          <p:cNvPr id="2" name="제목 1">
+            <a:extLst>
+              <a:ext uri="{FF2B5EF4-FFF2-40B4-BE49-F238E27FC236}">
+                <a16:creationId xmlns:a16="http://schemas.microsoft.com/office/drawing/2014/main" id="{2EC833C6-FAC3-442B-803D-3FB02DF07980}"/>
+              </a:ext>
+            </a:extLst>
+          </p:cNvPr>
+          <p:cNvSpPr>
+            <a:spLocks noGrp="1"/>
+          </p:cNvSpPr>
+          <p:nvPr>
+            <p:ph type="title"/>
+          </p:nvPr>
+        </p:nvSpPr>
+        <p:spPr>
+          <a:xfrm>
+            <a:off x="677334" y="609600"/>
+            <a:ext cx="8596668" cy="517864"/>
+          </a:xfrm>
+        </p:spPr>
+        <p:txBody>
+          <a:bodyPr>
+            <a:normAutofit fontScale="90000"/>
+          </a:bodyPr>
+          <a:lstStyle/>
+          <a:p>
+            <a:r>
+              <a:rPr lang="en-US" altLang="ko-KR" dirty="0"/>
+              <a:t>9. Pagination</a:t>
+            </a:r>
+            <a:endParaRPr lang="ko-KR" altLang="en-US" dirty="0"/>
+          </a:p>
+        </p:txBody>
+      </p:sp>
+      <p:sp>
+        <p:nvSpPr>
+          <p:cNvPr id="6" name="직사각형 5">
+            <a:extLst>
+              <a:ext uri="{FF2B5EF4-FFF2-40B4-BE49-F238E27FC236}">
+                <a16:creationId xmlns:a16="http://schemas.microsoft.com/office/drawing/2014/main" id="{6A60F032-B172-43E0-B147-16329887DE8F}"/>
+              </a:ext>
+            </a:extLst>
+          </p:cNvPr>
+          <p:cNvSpPr/>
+          <p:nvPr/>
+        </p:nvSpPr>
+        <p:spPr>
+          <a:xfrm>
+            <a:off x="677334" y="1894853"/>
+            <a:ext cx="10774860" cy="523220"/>
+          </a:xfrm>
+          <a:prstGeom prst="rect">
+            <a:avLst/>
+          </a:prstGeom>
+        </p:spPr>
+        <p:txBody>
+          <a:bodyPr wrap="square">
+            <a:spAutoFit/>
+          </a:bodyPr>
+          <a:lstStyle/>
+          <a:p>
+            <a:pPr marL="285750" lvl="0" indent="-285750" eaLnBrk="0" fontAlgn="base" latinLnBrk="0" hangingPunct="0">
+              <a:spcBef>
+                <a:spcPct val="0"/>
+              </a:spcBef>
+              <a:spcAft>
+                <a:spcPct val="0"/>
+              </a:spcAft>
+              <a:buFont typeface="Arial" panose="020B0604020202020204" pitchFamily="34" charset="0"/>
+              <a:buChar char="•"/>
+            </a:pPr>
+            <a:r>
+              <a:rPr lang="en-US" altLang="ko-KR" sz="1400" dirty="0">
+                <a:solidFill>
+                  <a:srgbClr val="404040"/>
+                </a:solidFill>
+                <a:latin typeface="Arial" panose="020B0604020202020204" pitchFamily="34" charset="0"/>
+              </a:rPr>
+              <a:t>Blueprint </a:t>
+            </a:r>
+            <a:r>
+              <a:rPr lang="ko-KR" altLang="en-US" sz="1400" dirty="0">
+                <a:solidFill>
+                  <a:srgbClr val="404040"/>
+                </a:solidFill>
+                <a:latin typeface="Arial" panose="020B0604020202020204" pitchFamily="34" charset="0"/>
+              </a:rPr>
+              <a:t>의 기본 개념은 어플리케이션에 </a:t>
+            </a:r>
+            <a:r>
+              <a:rPr lang="en-US" altLang="ko-KR" sz="1400" dirty="0">
+                <a:solidFill>
+                  <a:srgbClr val="404040"/>
+                </a:solidFill>
+                <a:latin typeface="Arial" panose="020B0604020202020204" pitchFamily="34" charset="0"/>
+              </a:rPr>
+              <a:t>Blueprint </a:t>
+            </a:r>
+            <a:r>
+              <a:rPr lang="ko-KR" altLang="en-US" sz="1400" dirty="0">
+                <a:solidFill>
+                  <a:srgbClr val="404040"/>
+                </a:solidFill>
+                <a:latin typeface="Arial" panose="020B0604020202020204" pitchFamily="34" charset="0"/>
+              </a:rPr>
+              <a:t>이 등록될 때 실행할 동작을 기록한다는 것이다</a:t>
+            </a:r>
+            <a:r>
+              <a:rPr lang="en-US" altLang="ko-KR" sz="1400" dirty="0">
+                <a:solidFill>
+                  <a:srgbClr val="404040"/>
+                </a:solidFill>
+                <a:latin typeface="Arial" panose="020B0604020202020204" pitchFamily="34" charset="0"/>
+              </a:rPr>
+              <a:t>. </a:t>
+            </a:r>
+          </a:p>
+          <a:p>
+            <a:pPr marL="285750" lvl="0" indent="-285750" eaLnBrk="0" fontAlgn="base" latinLnBrk="0" hangingPunct="0">
+              <a:spcBef>
+                <a:spcPct val="0"/>
+              </a:spcBef>
+              <a:spcAft>
+                <a:spcPct val="0"/>
+              </a:spcAft>
+              <a:buFont typeface="Arial" panose="020B0604020202020204" pitchFamily="34" charset="0"/>
+              <a:buChar char="•"/>
+            </a:pPr>
+            <a:r>
+              <a:rPr lang="ko-KR" altLang="en-US" sz="1400" dirty="0">
+                <a:solidFill>
+                  <a:srgbClr val="404040"/>
+                </a:solidFill>
+                <a:latin typeface="Arial" panose="020B0604020202020204" pitchFamily="34" charset="0"/>
+              </a:rPr>
+              <a:t>플라스크는 요청을 보내고 하나의 끝점에서 다른 곳으로 </a:t>
+            </a:r>
+            <a:r>
+              <a:rPr lang="en-US" altLang="ko-KR" sz="1400" dirty="0">
+                <a:solidFill>
+                  <a:srgbClr val="404040"/>
+                </a:solidFill>
+                <a:latin typeface="Arial" panose="020B0604020202020204" pitchFamily="34" charset="0"/>
+              </a:rPr>
+              <a:t>URL</a:t>
+            </a:r>
+            <a:r>
+              <a:rPr lang="ko-KR" altLang="en-US" sz="1400" dirty="0">
+                <a:solidFill>
+                  <a:srgbClr val="404040"/>
+                </a:solidFill>
+                <a:latin typeface="Arial" panose="020B0604020202020204" pitchFamily="34" charset="0"/>
+              </a:rPr>
+              <a:t>을 생성할 때 뷰 함수와 </a:t>
+            </a:r>
+            <a:r>
+              <a:rPr lang="en-US" altLang="ko-KR" sz="1400" dirty="0">
+                <a:solidFill>
+                  <a:srgbClr val="404040"/>
+                </a:solidFill>
+                <a:latin typeface="Arial" panose="020B0604020202020204" pitchFamily="34" charset="0"/>
+              </a:rPr>
+              <a:t>Blueprint </a:t>
+            </a:r>
+            <a:r>
+              <a:rPr lang="ko-KR" altLang="en-US" sz="1400" dirty="0">
+                <a:solidFill>
+                  <a:srgbClr val="404040"/>
+                </a:solidFill>
+                <a:latin typeface="Arial" panose="020B0604020202020204" pitchFamily="34" charset="0"/>
+              </a:rPr>
+              <a:t>의 연관을 맺는다</a:t>
+            </a:r>
+            <a:r>
+              <a:rPr lang="en-US" altLang="ko-KR" sz="1400" dirty="0">
+                <a:solidFill>
+                  <a:srgbClr val="404040"/>
+                </a:solidFill>
+                <a:latin typeface="Arial" panose="020B0604020202020204" pitchFamily="34" charset="0"/>
+              </a:rPr>
+              <a:t>.</a:t>
+            </a:r>
+            <a:endParaRPr lang="ko-KR" altLang="ko-KR" sz="1400" dirty="0">
+              <a:solidFill>
+                <a:srgbClr val="404040"/>
+              </a:solidFill>
+              <a:latin typeface="Arial" panose="020B0604020202020204" pitchFamily="34" charset="0"/>
+            </a:endParaRPr>
+          </a:p>
+        </p:txBody>
+      </p:sp>
+      <p:sp>
+        <p:nvSpPr>
+          <p:cNvPr id="7" name="제목 1">
+            <a:extLst>
+              <a:ext uri="{FF2B5EF4-FFF2-40B4-BE49-F238E27FC236}">
+                <a16:creationId xmlns:a16="http://schemas.microsoft.com/office/drawing/2014/main" id="{453FF060-58F0-4366-9AA1-883792CE5955}"/>
+              </a:ext>
+            </a:extLst>
+          </p:cNvPr>
+          <p:cNvSpPr txBox="1">
+            <a:spLocks/>
+          </p:cNvSpPr>
+          <p:nvPr/>
+        </p:nvSpPr>
+        <p:spPr>
+          <a:xfrm>
+            <a:off x="1091421" y="1144214"/>
+            <a:ext cx="7768494" cy="517864"/>
+          </a:xfrm>
+          <a:prstGeom prst="rect">
+            <a:avLst/>
+          </a:prstGeom>
+        </p:spPr>
+        <p:txBody>
+          <a:bodyPr vert="horz" lIns="91440" tIns="45720" rIns="91440" bIns="45720" rtlCol="0" anchor="t">
+            <a:normAutofit fontScale="45000" lnSpcReduction="20000"/>
+          </a:bodyPr>
+          <a:lstStyle>
+            <a:lvl1pPr algn="l" defTabSz="457200" rtl="0" eaLnBrk="1" latinLnBrk="1" hangingPunct="1">
+              <a:spcBef>
+                <a:spcPct val="0"/>
+              </a:spcBef>
+              <a:buNone/>
+              <a:defRPr sz="3600" kern="1200">
+                <a:solidFill>
+                  <a:schemeClr val="accent1"/>
+                </a:solidFill>
+                <a:latin typeface="+mj-lt"/>
+                <a:ea typeface="+mj-ea"/>
+                <a:cs typeface="+mj-cs"/>
+              </a:defRPr>
+            </a:lvl1pPr>
+            <a:lvl2pPr eaLnBrk="1" latinLnBrk="1" hangingPunct="1">
+              <a:defRPr>
+                <a:solidFill>
+                  <a:schemeClr val="tx2"/>
+                </a:solidFill>
+              </a:defRPr>
+            </a:lvl2pPr>
+            <a:lvl3pPr eaLnBrk="1" latinLnBrk="1" hangingPunct="1">
+              <a:defRPr>
+                <a:solidFill>
+                  <a:schemeClr val="tx2"/>
+                </a:solidFill>
+              </a:defRPr>
+            </a:lvl3pPr>
+            <a:lvl4pPr eaLnBrk="1" latinLnBrk="1" hangingPunct="1">
+              <a:defRPr>
+                <a:solidFill>
+                  <a:schemeClr val="tx2"/>
+                </a:solidFill>
+              </a:defRPr>
+            </a:lvl4pPr>
+            <a:lvl5pPr eaLnBrk="1" latinLnBrk="1" hangingPunct="1">
+              <a:defRPr>
+                <a:solidFill>
+                  <a:schemeClr val="tx2"/>
+                </a:solidFill>
+              </a:defRPr>
+            </a:lvl5pPr>
+            <a:lvl6pPr eaLnBrk="1" latinLnBrk="1" hangingPunct="1">
+              <a:defRPr>
+                <a:solidFill>
+                  <a:schemeClr val="tx2"/>
+                </a:solidFill>
+              </a:defRPr>
+            </a:lvl6pPr>
+            <a:lvl7pPr eaLnBrk="1" latinLnBrk="1" hangingPunct="1">
+              <a:defRPr>
+                <a:solidFill>
+                  <a:schemeClr val="tx2"/>
+                </a:solidFill>
+              </a:defRPr>
+            </a:lvl7pPr>
+            <a:lvl8pPr eaLnBrk="1" latinLnBrk="1" hangingPunct="1">
+              <a:defRPr>
+                <a:solidFill>
+                  <a:schemeClr val="tx2"/>
+                </a:solidFill>
+              </a:defRPr>
+            </a:lvl8pPr>
+            <a:lvl9pPr eaLnBrk="1" latinLnBrk="1" hangingPunct="1">
+              <a:defRPr>
+                <a:solidFill>
+                  <a:schemeClr val="tx2"/>
+                </a:solidFill>
+              </a:defRPr>
+            </a:lvl9pPr>
+          </a:lstStyle>
+          <a:p>
+            <a:endParaRPr lang="en-US" altLang="ko-KR" dirty="0"/>
+          </a:p>
+          <a:p>
+            <a:r>
+              <a:rPr lang="en-US" altLang="ko-KR" dirty="0"/>
+              <a:t>Blueprint </a:t>
+            </a:r>
+            <a:r>
+              <a:rPr lang="ko-KR" altLang="en-US" dirty="0"/>
+              <a:t>개념</a:t>
+            </a:r>
+          </a:p>
+        </p:txBody>
+      </p:sp>
+      <p:pic>
+        <p:nvPicPr>
+          <p:cNvPr id="3" name="그림 2">
+            <a:extLst>
+              <a:ext uri="{FF2B5EF4-FFF2-40B4-BE49-F238E27FC236}">
+                <a16:creationId xmlns:a16="http://schemas.microsoft.com/office/drawing/2014/main" id="{17D70202-365A-438E-8514-B75B858A281D}"/>
+              </a:ext>
+            </a:extLst>
+          </p:cNvPr>
+          <p:cNvPicPr>
+            <a:picLocks noChangeAspect="1"/>
+          </p:cNvPicPr>
+          <p:nvPr/>
+        </p:nvPicPr>
+        <p:blipFill>
+          <a:blip r:embed="rId2"/>
+          <a:stretch>
+            <a:fillRect/>
+          </a:stretch>
+        </p:blipFill>
+        <p:spPr>
+          <a:xfrm>
+            <a:off x="677334" y="2543980"/>
+            <a:ext cx="8377889" cy="2577812"/>
+          </a:xfrm>
+          <a:prstGeom prst="rect">
+            <a:avLst/>
+          </a:prstGeom>
+        </p:spPr>
+      </p:pic>
+      <p:sp>
+        <p:nvSpPr>
+          <p:cNvPr id="9" name="직사각형 8">
+            <a:extLst>
+              <a:ext uri="{FF2B5EF4-FFF2-40B4-BE49-F238E27FC236}">
+                <a16:creationId xmlns:a16="http://schemas.microsoft.com/office/drawing/2014/main" id="{DC7A5813-84F4-4D81-AF72-7D8A7C08976E}"/>
+              </a:ext>
+            </a:extLst>
+          </p:cNvPr>
+          <p:cNvSpPr/>
+          <p:nvPr/>
+        </p:nvSpPr>
+        <p:spPr>
+          <a:xfrm>
+            <a:off x="677334" y="5247699"/>
+            <a:ext cx="10774860" cy="523220"/>
+          </a:xfrm>
+          <a:prstGeom prst="rect">
+            <a:avLst/>
+          </a:prstGeom>
+        </p:spPr>
+        <p:txBody>
+          <a:bodyPr wrap="square">
+            <a:spAutoFit/>
+          </a:bodyPr>
+          <a:lstStyle/>
+          <a:p>
+            <a:pPr marL="285750" lvl="0" indent="-285750" eaLnBrk="0" fontAlgn="base" latinLnBrk="0" hangingPunct="0">
+              <a:spcBef>
+                <a:spcPct val="0"/>
+              </a:spcBef>
+              <a:spcAft>
+                <a:spcPct val="0"/>
+              </a:spcAft>
+              <a:buFont typeface="Arial" panose="020B0604020202020204" pitchFamily="34" charset="0"/>
+              <a:buChar char="•"/>
+            </a:pPr>
+            <a:r>
+              <a:rPr lang="ko-KR" altLang="ko-KR" sz="1400" dirty="0">
+                <a:solidFill>
+                  <a:srgbClr val="404040"/>
+                </a:solidFill>
+                <a:latin typeface="Arial" panose="020B0604020202020204" pitchFamily="34" charset="0"/>
+              </a:rPr>
+              <a:t>@simple_page.route </a:t>
+            </a:r>
+            <a:r>
+              <a:rPr lang="ko-KR" altLang="ko-KR" sz="1400" dirty="0" err="1">
+                <a:solidFill>
+                  <a:srgbClr val="404040"/>
+                </a:solidFill>
+                <a:latin typeface="Arial" panose="020B0604020202020204" pitchFamily="34" charset="0"/>
+              </a:rPr>
+              <a:t>데코레이터와</a:t>
+            </a:r>
+            <a:r>
+              <a:rPr lang="ko-KR" altLang="ko-KR" sz="1400" dirty="0">
+                <a:solidFill>
+                  <a:srgbClr val="404040"/>
+                </a:solidFill>
+                <a:latin typeface="Arial" panose="020B0604020202020204" pitchFamily="34" charset="0"/>
+              </a:rPr>
+              <a:t> 함수를 연결할 때 </a:t>
+            </a:r>
+            <a:r>
+              <a:rPr lang="en-US" altLang="ko-KR" sz="1400" dirty="0">
+                <a:solidFill>
+                  <a:srgbClr val="404040"/>
+                </a:solidFill>
+                <a:latin typeface="Arial" panose="020B0604020202020204" pitchFamily="34" charset="0"/>
+              </a:rPr>
+              <a:t>Blueprint </a:t>
+            </a:r>
+            <a:r>
+              <a:rPr lang="ko-KR" altLang="ko-KR" sz="1400" dirty="0">
+                <a:solidFill>
+                  <a:srgbClr val="404040"/>
+                </a:solidFill>
+                <a:latin typeface="Arial" panose="020B0604020202020204" pitchFamily="34" charset="0"/>
+              </a:rPr>
+              <a:t>는 어플리케이션에 있는 그 함수를 등록하겠다는 의도를 기록</a:t>
+            </a:r>
+            <a:endParaRPr lang="en-US" altLang="ko-KR" sz="1400" dirty="0">
+              <a:solidFill>
+                <a:srgbClr val="404040"/>
+              </a:solidFill>
+              <a:latin typeface="Arial" panose="020B0604020202020204" pitchFamily="34" charset="0"/>
+            </a:endParaRPr>
+          </a:p>
+          <a:p>
+            <a:pPr marL="285750" lvl="0" indent="-285750" eaLnBrk="0" fontAlgn="base" latinLnBrk="0" hangingPunct="0">
+              <a:spcBef>
+                <a:spcPct val="0"/>
+              </a:spcBef>
+              <a:spcAft>
+                <a:spcPct val="0"/>
+              </a:spcAft>
+              <a:buFont typeface="Arial" panose="020B0604020202020204" pitchFamily="34" charset="0"/>
+              <a:buChar char="•"/>
+            </a:pPr>
+            <a:r>
+              <a:rPr lang="ko-KR" altLang="ko-KR" sz="1400" dirty="0">
+                <a:solidFill>
+                  <a:srgbClr val="404040"/>
+                </a:solidFill>
+                <a:latin typeface="Arial" panose="020B0604020202020204" pitchFamily="34" charset="0"/>
+              </a:rPr>
+              <a:t>게다가 </a:t>
+            </a:r>
+            <a:r>
+              <a:rPr lang="ko-KR" altLang="ko-KR" sz="1400" dirty="0" err="1">
+                <a:solidFill>
+                  <a:srgbClr val="404040"/>
+                </a:solidFill>
+                <a:latin typeface="Arial" panose="020B0604020202020204" pitchFamily="34" charset="0"/>
+              </a:rPr>
+              <a:t>블루프린트는</a:t>
+            </a:r>
+            <a:r>
+              <a:rPr lang="ko-KR" altLang="ko-KR" sz="1400" dirty="0">
+                <a:solidFill>
+                  <a:srgbClr val="404040"/>
+                </a:solidFill>
+                <a:latin typeface="Arial" panose="020B0604020202020204" pitchFamily="34" charset="0"/>
+              </a:rPr>
+              <a:t> </a:t>
+            </a:r>
+            <a:r>
+              <a:rPr lang="ko-KR" altLang="ko-KR" sz="1400" dirty="0" err="1">
+                <a:solidFill>
+                  <a:srgbClr val="404040"/>
+                </a:solidFill>
+                <a:latin typeface="Arial" panose="020B0604020202020204" pitchFamily="34" charset="0"/>
+              </a:rPr>
+              <a:t>Blueprint</a:t>
+            </a:r>
+            <a:r>
+              <a:rPr lang="ko-KR" altLang="ko-KR" sz="1400" dirty="0">
+                <a:solidFill>
+                  <a:srgbClr val="404040"/>
+                </a:solidFill>
+                <a:latin typeface="Arial" panose="020B0604020202020204" pitchFamily="34" charset="0"/>
+              </a:rPr>
+              <a:t> 생성자(위의 경우에는 </a:t>
+            </a:r>
+            <a:r>
+              <a:rPr lang="ko-KR" altLang="ko-KR" sz="1400" dirty="0" err="1">
+                <a:solidFill>
+                  <a:srgbClr val="404040"/>
+                </a:solidFill>
+                <a:latin typeface="Arial" panose="020B0604020202020204" pitchFamily="34" charset="0"/>
+              </a:rPr>
+              <a:t>simple_page</a:t>
+            </a:r>
+            <a:r>
+              <a:rPr lang="ko-KR" altLang="ko-KR" sz="1400" dirty="0">
+                <a:solidFill>
+                  <a:srgbClr val="404040"/>
+                </a:solidFill>
+                <a:latin typeface="Arial" panose="020B0604020202020204" pitchFamily="34" charset="0"/>
+              </a:rPr>
+              <a:t>) 에 들어가는 그 이름을 가지고 등록된 함수의 끝점 앞에 붙</a:t>
+            </a:r>
+            <a:r>
+              <a:rPr lang="ko-KR" altLang="en-US" sz="1400" dirty="0">
+                <a:solidFill>
+                  <a:srgbClr val="404040"/>
+                </a:solidFill>
+                <a:latin typeface="Arial" panose="020B0604020202020204" pitchFamily="34" charset="0"/>
+              </a:rPr>
+              <a:t>임</a:t>
+            </a:r>
+            <a:r>
+              <a:rPr lang="ko-KR" altLang="ko-KR" sz="1400" dirty="0">
+                <a:solidFill>
+                  <a:srgbClr val="404040"/>
+                </a:solidFill>
+                <a:latin typeface="Arial" panose="020B0604020202020204" pitchFamily="34" charset="0"/>
+              </a:rPr>
+              <a:t> </a:t>
+            </a:r>
+          </a:p>
+        </p:txBody>
+      </p:sp>
+      <p:sp>
+        <p:nvSpPr>
+          <p:cNvPr id="4" name="Rectangle 1">
+            <a:extLst>
+              <a:ext uri="{FF2B5EF4-FFF2-40B4-BE49-F238E27FC236}">
+                <a16:creationId xmlns:a16="http://schemas.microsoft.com/office/drawing/2014/main" id="{2E5C360F-E4DE-4330-86B1-C13C80502F25}"/>
+              </a:ext>
+            </a:extLst>
+          </p:cNvPr>
+          <p:cNvSpPr>
+            <a:spLocks noChangeArrowheads="1"/>
+          </p:cNvSpPr>
+          <p:nvPr/>
+        </p:nvSpPr>
+        <p:spPr bwMode="auto">
+          <a:xfrm>
+            <a:off x="0" y="43934"/>
+            <a:ext cx="184731" cy="369332"/>
+          </a:xfrm>
+          <a:prstGeom prst="rect">
+            <a:avLst/>
+          </a:prstGeom>
+          <a:solidFill>
+            <a:srgbClr val="FFFFFF"/>
+          </a:solidFill>
+          <a:ln>
+            <a:noFill/>
+          </a:ln>
+          <a:effectLst/>
+          <a:extLst>
+            <a:ext uri="{91240B29-F687-4F45-9708-019B960494DF}">
+              <a14:hiddenLine xmlns:a14="http://schemas.microsoft.com/office/drawing/2010/main" w="9525">
+                <a:solidFill>
+                  <a:schemeClr val="tx1"/>
+                </a:solidFill>
+                <a:miter lim="800000"/>
+                <a:headEnd/>
+                <a:tailEnd/>
+              </a14:hiddenLine>
+            </a:ext>
+            <a:ext uri="{AF507438-7753-43E0-B8FC-AC1667EBCBE1}">
+              <a14:hiddenEffects xmlns:a14="http://schemas.microsoft.com/office/drawing/2010/main">
+                <a:effectLst>
+                  <a:outerShdw dist="35921" dir="2700000" algn="ctr" rotWithShape="0">
+                    <a:schemeClr val="bg2"/>
+                  </a:outerShdw>
+                </a:effectLst>
+              </a14:hiddenEffects>
+            </a:ext>
+          </a:extLst>
+        </p:spPr>
+        <p:txBody>
+          <a:bodyPr vert="horz" wrap="none" lIns="91440" tIns="45720" rIns="91440" bIns="45720" numCol="1" anchor="ctr" anchorCtr="0" compatLnSpc="1">
+            <a:prstTxWarp prst="textNoShape">
+              <a:avLst/>
+            </a:prstTxWarp>
+            <a:spAutoFit/>
+          </a:bodyPr>
+          <a:lstStyle>
+            <a:lvl1pPr eaLnBrk="0" fontAlgn="base" hangingPunct="0">
+              <a:spcBef>
+                <a:spcPct val="0"/>
+              </a:spcBef>
+              <a:spcAft>
+                <a:spcPct val="0"/>
+              </a:spcAft>
+              <a:defRPr>
+                <a:solidFill>
+                  <a:schemeClr val="tx1"/>
+                </a:solidFill>
+                <a:latin typeface="Arial" panose="020B0604020202020204" pitchFamily="34" charset="0"/>
+              </a:defRPr>
+            </a:lvl1pPr>
+            <a:lvl2pPr eaLnBrk="0" fontAlgn="base" hangingPunct="0">
+              <a:spcBef>
+                <a:spcPct val="0"/>
+              </a:spcBef>
+              <a:spcAft>
+                <a:spcPct val="0"/>
+              </a:spcAft>
+              <a:defRPr>
+                <a:solidFill>
+                  <a:schemeClr val="tx1"/>
+                </a:solidFill>
+                <a:latin typeface="Arial" panose="020B0604020202020204" pitchFamily="34" charset="0"/>
+              </a:defRPr>
+            </a:lvl2pPr>
+            <a:lvl3pPr eaLnBrk="0" fontAlgn="base" hangingPunct="0">
+              <a:spcBef>
+                <a:spcPct val="0"/>
+              </a:spcBef>
+              <a:spcAft>
+                <a:spcPct val="0"/>
+              </a:spcAft>
+              <a:defRPr>
+                <a:solidFill>
+                  <a:schemeClr val="tx1"/>
+                </a:solidFill>
+                <a:latin typeface="Arial" panose="020B0604020202020204" pitchFamily="34" charset="0"/>
+              </a:defRPr>
+            </a:lvl3pPr>
+            <a:lvl4pPr eaLnBrk="0" fontAlgn="base" hangingPunct="0">
+              <a:spcBef>
+                <a:spcPct val="0"/>
+              </a:spcBef>
+              <a:spcAft>
+                <a:spcPct val="0"/>
+              </a:spcAft>
+              <a:defRPr>
+                <a:solidFill>
+                  <a:schemeClr val="tx1"/>
+                </a:solidFill>
+                <a:latin typeface="Arial" panose="020B0604020202020204" pitchFamily="34" charset="0"/>
+              </a:defRPr>
+            </a:lvl4pPr>
+            <a:lvl5pPr eaLnBrk="0" fontAlgn="base" hangingPunct="0">
+              <a:spcBef>
+                <a:spcPct val="0"/>
+              </a:spcBef>
+              <a:spcAft>
+                <a:spcPct val="0"/>
+              </a:spcAft>
+              <a:defRPr>
+                <a:solidFill>
+                  <a:schemeClr val="tx1"/>
+                </a:solidFill>
+                <a:latin typeface="Arial" panose="020B0604020202020204" pitchFamily="34" charset="0"/>
+              </a:defRPr>
+            </a:lvl5pPr>
+            <a:lvl6pPr eaLnBrk="0" fontAlgn="base" hangingPunct="0">
+              <a:spcBef>
+                <a:spcPct val="0"/>
+              </a:spcBef>
+              <a:spcAft>
+                <a:spcPct val="0"/>
+              </a:spcAft>
+              <a:defRPr>
+                <a:solidFill>
+                  <a:schemeClr val="tx1"/>
+                </a:solidFill>
+                <a:latin typeface="Arial" panose="020B0604020202020204" pitchFamily="34" charset="0"/>
+              </a:defRPr>
+            </a:lvl6pPr>
+            <a:lvl7pPr eaLnBrk="0" fontAlgn="base" hangingPunct="0">
+              <a:spcBef>
+                <a:spcPct val="0"/>
+              </a:spcBef>
+              <a:spcAft>
+                <a:spcPct val="0"/>
+              </a:spcAft>
+              <a:defRPr>
+                <a:solidFill>
+                  <a:schemeClr val="tx1"/>
+                </a:solidFill>
+                <a:latin typeface="Arial" panose="020B0604020202020204" pitchFamily="34" charset="0"/>
+              </a:defRPr>
+            </a:lvl7pPr>
+            <a:lvl8pPr eaLnBrk="0" fontAlgn="base" hangingPunct="0">
+              <a:spcBef>
+                <a:spcPct val="0"/>
+              </a:spcBef>
+              <a:spcAft>
+                <a:spcPct val="0"/>
+              </a:spcAft>
+              <a:defRPr>
+                <a:solidFill>
+                  <a:schemeClr val="tx1"/>
+                </a:solidFill>
+                <a:latin typeface="Arial" panose="020B0604020202020204" pitchFamily="34" charset="0"/>
+              </a:defRPr>
+            </a:lvl8pPr>
+            <a:lvl9pPr eaLnBrk="0" fontAlgn="base" hangingPunct="0">
+              <a:spcBef>
+                <a:spcPct val="0"/>
+              </a:spcBef>
+              <a:spcAft>
+                <a:spcPct val="0"/>
+              </a:spcAft>
+              <a:defRPr>
+                <a:solidFill>
+                  <a:schemeClr val="tx1"/>
+                </a:solidFill>
+                <a:latin typeface="Arial" panose="020B0604020202020204" pitchFamily="34" charset="0"/>
+              </a:defRPr>
+            </a:lvl9pPr>
+          </a:lstStyle>
+          <a:p>
+            <a:pPr marL="0" marR="0" lvl="0" indent="0" algn="l" defTabSz="914400" rtl="0" eaLnBrk="0" fontAlgn="base" latinLnBrk="0" hangingPunct="0">
+              <a:lnSpc>
+                <a:spcPct val="100000"/>
+              </a:lnSpc>
+              <a:spcBef>
+                <a:spcPct val="0"/>
+              </a:spcBef>
+              <a:spcAft>
+                <a:spcPct val="0"/>
+              </a:spcAft>
+              <a:buClrTx/>
+              <a:buSzTx/>
+              <a:buFontTx/>
+              <a:buNone/>
+              <a:tabLst/>
+            </a:pPr>
+            <a:endParaRPr kumimoji="0" lang="ko-KR" altLang="ko-KR" sz="1800" b="0" i="0" u="none" strike="noStrike" cap="none" normalizeH="0" baseline="0" dirty="0">
+              <a:ln>
+                <a:noFill/>
+              </a:ln>
+              <a:solidFill>
+                <a:schemeClr val="tx1"/>
+              </a:solidFill>
+              <a:effectLst/>
+              <a:latin typeface="Arial" panose="020B0604020202020204" pitchFamily="34" charset="0"/>
+            </a:endParaRPr>
+          </a:p>
+        </p:txBody>
+      </p:sp>
+    </p:spTree>
+    <p:extLst>
+      <p:ext uri="{BB962C8B-B14F-4D97-AF65-F5344CB8AC3E}">
+        <p14:creationId xmlns:p14="http://schemas.microsoft.com/office/powerpoint/2010/main" val="3897630512"/>
+      </p:ext>
+    </p:extLst>
+  </p:cSld>
+  <p:clrMapOvr>
+    <a:masterClrMapping/>
+  </p:clrMapOvr>
+</p:sld>
+</file>
+
+<file path=ppt/slides/slide5.xml><?xml version="1.0" encoding="utf-8"?>
+<p:sld xmlns:a="http://schemas.openxmlformats.org/drawingml/2006/main" xmlns:r="http://schemas.openxmlformats.org/officeDocument/2006/relationships" xmlns:p="http://schemas.openxmlformats.org/presentationml/2006/main">
+  <p:cSld>
+    <p:spTree>
+      <p:nvGrpSpPr>
+        <p:cNvPr id="1" name=""/>
+        <p:cNvGrpSpPr/>
+        <p:nvPr/>
+      </p:nvGrpSpPr>
+      <p:grpSpPr>
+        <a:xfrm>
+          <a:off x="0" y="0"/>
+          <a:ext cx="0" cy="0"/>
+          <a:chOff x="0" y="0"/>
+          <a:chExt cx="0" cy="0"/>
+        </a:xfrm>
+      </p:grpSpPr>
+      <p:sp>
+        <p:nvSpPr>
+          <p:cNvPr id="2" name="제목 1">
+            <a:extLst>
+              <a:ext uri="{FF2B5EF4-FFF2-40B4-BE49-F238E27FC236}">
+                <a16:creationId xmlns:a16="http://schemas.microsoft.com/office/drawing/2014/main" id="{2EC833C6-FAC3-442B-803D-3FB02DF07980}"/>
+              </a:ext>
+            </a:extLst>
+          </p:cNvPr>
+          <p:cNvSpPr>
+            <a:spLocks noGrp="1"/>
+          </p:cNvSpPr>
+          <p:nvPr>
+            <p:ph type="title"/>
+          </p:nvPr>
+        </p:nvSpPr>
+        <p:spPr>
+          <a:xfrm>
+            <a:off x="677334" y="609600"/>
+            <a:ext cx="8596668" cy="517864"/>
+          </a:xfrm>
+        </p:spPr>
+        <p:txBody>
+          <a:bodyPr>
+            <a:normAutofit fontScale="90000"/>
+          </a:bodyPr>
+          <a:lstStyle/>
+          <a:p>
+            <a:r>
+              <a:rPr lang="en-US" altLang="ko-KR" dirty="0"/>
+              <a:t>9. Pagination</a:t>
+            </a:r>
+            <a:endParaRPr lang="ko-KR" altLang="en-US" dirty="0"/>
+          </a:p>
+        </p:txBody>
+      </p:sp>
+      <p:sp>
+        <p:nvSpPr>
+          <p:cNvPr id="6" name="직사각형 5">
+            <a:extLst>
+              <a:ext uri="{FF2B5EF4-FFF2-40B4-BE49-F238E27FC236}">
+                <a16:creationId xmlns:a16="http://schemas.microsoft.com/office/drawing/2014/main" id="{6A60F032-B172-43E0-B147-16329887DE8F}"/>
+              </a:ext>
+            </a:extLst>
+          </p:cNvPr>
+          <p:cNvSpPr/>
+          <p:nvPr/>
+        </p:nvSpPr>
+        <p:spPr>
+          <a:xfrm>
+            <a:off x="677334" y="1894853"/>
+            <a:ext cx="10774860" cy="307777"/>
+          </a:xfrm>
+          <a:prstGeom prst="rect">
+            <a:avLst/>
+          </a:prstGeom>
+        </p:spPr>
+        <p:txBody>
+          <a:bodyPr wrap="square">
+            <a:spAutoFit/>
+          </a:bodyPr>
+          <a:lstStyle/>
+          <a:p>
+            <a:pPr marL="285750" lvl="0" indent="-285750" eaLnBrk="0" fontAlgn="base" latinLnBrk="0" hangingPunct="0">
+              <a:spcBef>
+                <a:spcPct val="0"/>
+              </a:spcBef>
+              <a:spcAft>
+                <a:spcPct val="0"/>
+              </a:spcAft>
+              <a:buFont typeface="Arial" panose="020B0604020202020204" pitchFamily="34" charset="0"/>
+              <a:buChar char="•"/>
+            </a:pPr>
+            <a:r>
+              <a:rPr lang="en-US" altLang="ko-KR" sz="1400" dirty="0">
+                <a:solidFill>
+                  <a:srgbClr val="404040"/>
+                </a:solidFill>
+                <a:latin typeface="Arial" panose="020B0604020202020204" pitchFamily="34" charset="0"/>
+              </a:rPr>
+              <a:t>Blueprint </a:t>
+            </a:r>
+            <a:r>
+              <a:rPr lang="ko-KR" altLang="en-US" sz="1400" dirty="0">
+                <a:solidFill>
+                  <a:srgbClr val="404040"/>
+                </a:solidFill>
+                <a:latin typeface="Arial" panose="020B0604020202020204" pitchFamily="34" charset="0"/>
+              </a:rPr>
+              <a:t>등록</a:t>
+            </a:r>
+            <a:endParaRPr lang="ko-KR" altLang="ko-KR" sz="1400" dirty="0">
+              <a:solidFill>
+                <a:srgbClr val="404040"/>
+              </a:solidFill>
+              <a:latin typeface="Arial" panose="020B0604020202020204" pitchFamily="34" charset="0"/>
+            </a:endParaRPr>
+          </a:p>
+        </p:txBody>
+      </p:sp>
+      <p:sp>
+        <p:nvSpPr>
+          <p:cNvPr id="7" name="제목 1">
+            <a:extLst>
+              <a:ext uri="{FF2B5EF4-FFF2-40B4-BE49-F238E27FC236}">
+                <a16:creationId xmlns:a16="http://schemas.microsoft.com/office/drawing/2014/main" id="{453FF060-58F0-4366-9AA1-883792CE5955}"/>
+              </a:ext>
+            </a:extLst>
+          </p:cNvPr>
+          <p:cNvSpPr txBox="1">
+            <a:spLocks/>
+          </p:cNvSpPr>
+          <p:nvPr/>
+        </p:nvSpPr>
+        <p:spPr>
+          <a:xfrm>
+            <a:off x="1091421" y="1144214"/>
+            <a:ext cx="7768494" cy="517864"/>
+          </a:xfrm>
+          <a:prstGeom prst="rect">
+            <a:avLst/>
+          </a:prstGeom>
+        </p:spPr>
+        <p:txBody>
+          <a:bodyPr vert="horz" lIns="91440" tIns="45720" rIns="91440" bIns="45720" rtlCol="0" anchor="t">
+            <a:normAutofit fontScale="45000" lnSpcReduction="20000"/>
+          </a:bodyPr>
+          <a:lstStyle>
+            <a:lvl1pPr algn="l" defTabSz="457200" rtl="0" eaLnBrk="1" latinLnBrk="1" hangingPunct="1">
+              <a:spcBef>
+                <a:spcPct val="0"/>
+              </a:spcBef>
+              <a:buNone/>
+              <a:defRPr sz="3600" kern="1200">
+                <a:solidFill>
+                  <a:schemeClr val="accent1"/>
+                </a:solidFill>
+                <a:latin typeface="+mj-lt"/>
+                <a:ea typeface="+mj-ea"/>
+                <a:cs typeface="+mj-cs"/>
+              </a:defRPr>
+            </a:lvl1pPr>
+            <a:lvl2pPr eaLnBrk="1" latinLnBrk="1" hangingPunct="1">
+              <a:defRPr>
+                <a:solidFill>
+                  <a:schemeClr val="tx2"/>
+                </a:solidFill>
+              </a:defRPr>
+            </a:lvl2pPr>
+            <a:lvl3pPr eaLnBrk="1" latinLnBrk="1" hangingPunct="1">
+              <a:defRPr>
+                <a:solidFill>
+                  <a:schemeClr val="tx2"/>
+                </a:solidFill>
+              </a:defRPr>
+            </a:lvl3pPr>
+            <a:lvl4pPr eaLnBrk="1" latinLnBrk="1" hangingPunct="1">
+              <a:defRPr>
+                <a:solidFill>
+                  <a:schemeClr val="tx2"/>
+                </a:solidFill>
+              </a:defRPr>
+            </a:lvl4pPr>
+            <a:lvl5pPr eaLnBrk="1" latinLnBrk="1" hangingPunct="1">
+              <a:defRPr>
+                <a:solidFill>
+                  <a:schemeClr val="tx2"/>
+                </a:solidFill>
+              </a:defRPr>
+            </a:lvl5pPr>
+            <a:lvl6pPr eaLnBrk="1" latinLnBrk="1" hangingPunct="1">
+              <a:defRPr>
+                <a:solidFill>
+                  <a:schemeClr val="tx2"/>
+                </a:solidFill>
+              </a:defRPr>
+            </a:lvl6pPr>
+            <a:lvl7pPr eaLnBrk="1" latinLnBrk="1" hangingPunct="1">
+              <a:defRPr>
+                <a:solidFill>
+                  <a:schemeClr val="tx2"/>
+                </a:solidFill>
+              </a:defRPr>
+            </a:lvl7pPr>
+            <a:lvl8pPr eaLnBrk="1" latinLnBrk="1" hangingPunct="1">
+              <a:defRPr>
+                <a:solidFill>
+                  <a:schemeClr val="tx2"/>
+                </a:solidFill>
+              </a:defRPr>
+            </a:lvl8pPr>
+            <a:lvl9pPr eaLnBrk="1" latinLnBrk="1" hangingPunct="1">
+              <a:defRPr>
+                <a:solidFill>
+                  <a:schemeClr val="tx2"/>
+                </a:solidFill>
+              </a:defRPr>
+            </a:lvl9pPr>
+          </a:lstStyle>
+          <a:p>
+            <a:endParaRPr lang="en-US" altLang="ko-KR" dirty="0"/>
+          </a:p>
+          <a:p>
+            <a:r>
+              <a:rPr lang="en-US" altLang="ko-KR" dirty="0"/>
+              <a:t>Blueprint </a:t>
+            </a:r>
+            <a:r>
+              <a:rPr lang="ko-KR" altLang="en-US" dirty="0"/>
+              <a:t>등록</a:t>
+            </a:r>
+            <a:endParaRPr lang="en-US" altLang="ko-KR" dirty="0"/>
+          </a:p>
+        </p:txBody>
+      </p:sp>
+      <p:sp>
+        <p:nvSpPr>
+          <p:cNvPr id="9" name="직사각형 8">
+            <a:extLst>
+              <a:ext uri="{FF2B5EF4-FFF2-40B4-BE49-F238E27FC236}">
+                <a16:creationId xmlns:a16="http://schemas.microsoft.com/office/drawing/2014/main" id="{DC7A5813-84F4-4D81-AF72-7D8A7C08976E}"/>
+              </a:ext>
+            </a:extLst>
+          </p:cNvPr>
+          <p:cNvSpPr/>
+          <p:nvPr/>
+        </p:nvSpPr>
+        <p:spPr>
+          <a:xfrm>
+            <a:off x="677334" y="3737407"/>
+            <a:ext cx="10774860" cy="307777"/>
+          </a:xfrm>
+          <a:prstGeom prst="rect">
+            <a:avLst/>
+          </a:prstGeom>
+        </p:spPr>
+        <p:txBody>
+          <a:bodyPr wrap="square">
+            <a:spAutoFit/>
+          </a:bodyPr>
+          <a:lstStyle/>
+          <a:p>
+            <a:pPr marL="285750" lvl="0" indent="-285750" eaLnBrk="0" fontAlgn="base" latinLnBrk="0" hangingPunct="0">
+              <a:spcBef>
+                <a:spcPct val="0"/>
+              </a:spcBef>
+              <a:spcAft>
+                <a:spcPct val="0"/>
+              </a:spcAft>
+              <a:buFont typeface="Arial" panose="020B0604020202020204" pitchFamily="34" charset="0"/>
+              <a:buChar char="•"/>
+            </a:pPr>
+            <a:r>
+              <a:rPr lang="ko-KR" altLang="en-US" sz="1400" dirty="0">
+                <a:solidFill>
+                  <a:srgbClr val="404040"/>
+                </a:solidFill>
+                <a:latin typeface="Arial" panose="020B0604020202020204" pitchFamily="34" charset="0"/>
+              </a:rPr>
+              <a:t>어플리케이션에 등록된 규칙</a:t>
+            </a:r>
+            <a:endParaRPr lang="ko-KR" altLang="ko-KR" sz="1400" dirty="0">
+              <a:solidFill>
+                <a:srgbClr val="404040"/>
+              </a:solidFill>
+              <a:latin typeface="Arial" panose="020B0604020202020204" pitchFamily="34" charset="0"/>
+            </a:endParaRPr>
+          </a:p>
+        </p:txBody>
+      </p:sp>
+      <p:sp>
+        <p:nvSpPr>
+          <p:cNvPr id="4" name="Rectangle 1">
+            <a:extLst>
+              <a:ext uri="{FF2B5EF4-FFF2-40B4-BE49-F238E27FC236}">
+                <a16:creationId xmlns:a16="http://schemas.microsoft.com/office/drawing/2014/main" id="{2E5C360F-E4DE-4330-86B1-C13C80502F25}"/>
+              </a:ext>
+            </a:extLst>
+          </p:cNvPr>
+          <p:cNvSpPr>
+            <a:spLocks noChangeArrowheads="1"/>
+          </p:cNvSpPr>
+          <p:nvPr/>
+        </p:nvSpPr>
+        <p:spPr bwMode="auto">
+          <a:xfrm>
+            <a:off x="0" y="43934"/>
+            <a:ext cx="184731" cy="369332"/>
+          </a:xfrm>
+          <a:prstGeom prst="rect">
+            <a:avLst/>
+          </a:prstGeom>
+          <a:solidFill>
+            <a:srgbClr val="FFFFFF"/>
+          </a:solidFill>
+          <a:ln>
+            <a:noFill/>
+          </a:ln>
+          <a:effectLst/>
+          <a:extLst>
+            <a:ext uri="{91240B29-F687-4F45-9708-019B960494DF}">
+              <a14:hiddenLine xmlns:a14="http://schemas.microsoft.com/office/drawing/2010/main" w="9525">
+                <a:solidFill>
+                  <a:schemeClr val="tx1"/>
+                </a:solidFill>
+                <a:miter lim="800000"/>
+                <a:headEnd/>
+                <a:tailEnd/>
+              </a14:hiddenLine>
+            </a:ext>
+            <a:ext uri="{AF507438-7753-43E0-B8FC-AC1667EBCBE1}">
+              <a14:hiddenEffects xmlns:a14="http://schemas.microsoft.com/office/drawing/2010/main">
+                <a:effectLst>
+                  <a:outerShdw dist="35921" dir="2700000" algn="ctr" rotWithShape="0">
+                    <a:schemeClr val="bg2"/>
+                  </a:outerShdw>
+                </a:effectLst>
+              </a14:hiddenEffects>
+            </a:ext>
+          </a:extLst>
+        </p:spPr>
+        <p:txBody>
+          <a:bodyPr vert="horz" wrap="none" lIns="91440" tIns="45720" rIns="91440" bIns="45720" numCol="1" anchor="ctr" anchorCtr="0" compatLnSpc="1">
+            <a:prstTxWarp prst="textNoShape">
+              <a:avLst/>
+            </a:prstTxWarp>
+            <a:spAutoFit/>
+          </a:bodyPr>
+          <a:lstStyle>
+            <a:lvl1pPr eaLnBrk="0" fontAlgn="base" hangingPunct="0">
+              <a:spcBef>
+                <a:spcPct val="0"/>
+              </a:spcBef>
+              <a:spcAft>
+                <a:spcPct val="0"/>
+              </a:spcAft>
+              <a:defRPr>
+                <a:solidFill>
+                  <a:schemeClr val="tx1"/>
+                </a:solidFill>
+                <a:latin typeface="Arial" panose="020B0604020202020204" pitchFamily="34" charset="0"/>
+              </a:defRPr>
+            </a:lvl1pPr>
+            <a:lvl2pPr eaLnBrk="0" fontAlgn="base" hangingPunct="0">
+              <a:spcBef>
+                <a:spcPct val="0"/>
+              </a:spcBef>
+              <a:spcAft>
+                <a:spcPct val="0"/>
+              </a:spcAft>
+              <a:defRPr>
+                <a:solidFill>
+                  <a:schemeClr val="tx1"/>
+                </a:solidFill>
+                <a:latin typeface="Arial" panose="020B0604020202020204" pitchFamily="34" charset="0"/>
+              </a:defRPr>
+            </a:lvl2pPr>
+            <a:lvl3pPr eaLnBrk="0" fontAlgn="base" hangingPunct="0">
+              <a:spcBef>
+                <a:spcPct val="0"/>
+              </a:spcBef>
+              <a:spcAft>
+                <a:spcPct val="0"/>
+              </a:spcAft>
+              <a:defRPr>
+                <a:solidFill>
+                  <a:schemeClr val="tx1"/>
+                </a:solidFill>
+                <a:latin typeface="Arial" panose="020B0604020202020204" pitchFamily="34" charset="0"/>
+              </a:defRPr>
+            </a:lvl3pPr>
+            <a:lvl4pPr eaLnBrk="0" fontAlgn="base" hangingPunct="0">
+              <a:spcBef>
+                <a:spcPct val="0"/>
+              </a:spcBef>
+              <a:spcAft>
+                <a:spcPct val="0"/>
+              </a:spcAft>
+              <a:defRPr>
+                <a:solidFill>
+                  <a:schemeClr val="tx1"/>
+                </a:solidFill>
+                <a:latin typeface="Arial" panose="020B0604020202020204" pitchFamily="34" charset="0"/>
+              </a:defRPr>
+            </a:lvl4pPr>
+            <a:lvl5pPr eaLnBrk="0" fontAlgn="base" hangingPunct="0">
+              <a:spcBef>
+                <a:spcPct val="0"/>
+              </a:spcBef>
+              <a:spcAft>
+                <a:spcPct val="0"/>
+              </a:spcAft>
+              <a:defRPr>
+                <a:solidFill>
+                  <a:schemeClr val="tx1"/>
+                </a:solidFill>
+                <a:latin typeface="Arial" panose="020B0604020202020204" pitchFamily="34" charset="0"/>
+              </a:defRPr>
+            </a:lvl5pPr>
+            <a:lvl6pPr eaLnBrk="0" fontAlgn="base" hangingPunct="0">
+              <a:spcBef>
+                <a:spcPct val="0"/>
+              </a:spcBef>
+              <a:spcAft>
+                <a:spcPct val="0"/>
+              </a:spcAft>
+              <a:defRPr>
+                <a:solidFill>
+                  <a:schemeClr val="tx1"/>
+                </a:solidFill>
+                <a:latin typeface="Arial" panose="020B0604020202020204" pitchFamily="34" charset="0"/>
+              </a:defRPr>
+            </a:lvl6pPr>
+            <a:lvl7pPr eaLnBrk="0" fontAlgn="base" hangingPunct="0">
+              <a:spcBef>
+                <a:spcPct val="0"/>
+              </a:spcBef>
+              <a:spcAft>
+                <a:spcPct val="0"/>
+              </a:spcAft>
+              <a:defRPr>
+                <a:solidFill>
+                  <a:schemeClr val="tx1"/>
+                </a:solidFill>
+                <a:latin typeface="Arial" panose="020B0604020202020204" pitchFamily="34" charset="0"/>
+              </a:defRPr>
+            </a:lvl7pPr>
+            <a:lvl8pPr eaLnBrk="0" fontAlgn="base" hangingPunct="0">
+              <a:spcBef>
+                <a:spcPct val="0"/>
+              </a:spcBef>
+              <a:spcAft>
+                <a:spcPct val="0"/>
+              </a:spcAft>
+              <a:defRPr>
+                <a:solidFill>
+                  <a:schemeClr val="tx1"/>
+                </a:solidFill>
+                <a:latin typeface="Arial" panose="020B0604020202020204" pitchFamily="34" charset="0"/>
+              </a:defRPr>
+            </a:lvl8pPr>
+            <a:lvl9pPr eaLnBrk="0" fontAlgn="base" hangingPunct="0">
+              <a:spcBef>
+                <a:spcPct val="0"/>
+              </a:spcBef>
+              <a:spcAft>
+                <a:spcPct val="0"/>
+              </a:spcAft>
+              <a:defRPr>
+                <a:solidFill>
+                  <a:schemeClr val="tx1"/>
+                </a:solidFill>
+                <a:latin typeface="Arial" panose="020B0604020202020204" pitchFamily="34" charset="0"/>
+              </a:defRPr>
+            </a:lvl9pPr>
+          </a:lstStyle>
+          <a:p>
+            <a:pPr marL="0" marR="0" lvl="0" indent="0" algn="l" defTabSz="914400" rtl="0" eaLnBrk="0" fontAlgn="base" latinLnBrk="0" hangingPunct="0">
+              <a:lnSpc>
+                <a:spcPct val="100000"/>
+              </a:lnSpc>
+              <a:spcBef>
+                <a:spcPct val="0"/>
+              </a:spcBef>
+              <a:spcAft>
+                <a:spcPct val="0"/>
+              </a:spcAft>
+              <a:buClrTx/>
+              <a:buSzTx/>
+              <a:buFontTx/>
+              <a:buNone/>
+              <a:tabLst/>
+            </a:pPr>
+            <a:endParaRPr kumimoji="0" lang="ko-KR" altLang="ko-KR" sz="1800" b="0" i="0" u="none" strike="noStrike" cap="none" normalizeH="0" baseline="0" dirty="0">
+              <a:ln>
+                <a:noFill/>
+              </a:ln>
+              <a:solidFill>
+                <a:schemeClr val="tx1"/>
+              </a:solidFill>
+              <a:effectLst/>
+              <a:latin typeface="Arial" panose="020B0604020202020204" pitchFamily="34" charset="0"/>
+            </a:endParaRPr>
+          </a:p>
+        </p:txBody>
+      </p:sp>
+      <p:pic>
+        <p:nvPicPr>
+          <p:cNvPr id="5" name="그림 4">
+            <a:extLst>
+              <a:ext uri="{FF2B5EF4-FFF2-40B4-BE49-F238E27FC236}">
+                <a16:creationId xmlns:a16="http://schemas.microsoft.com/office/drawing/2014/main" id="{E6911BAD-B59B-4131-94F7-CBEEF38F963E}"/>
+              </a:ext>
+            </a:extLst>
+          </p:cNvPr>
+          <p:cNvPicPr>
+            <a:picLocks noChangeAspect="1"/>
+          </p:cNvPicPr>
+          <p:nvPr/>
+        </p:nvPicPr>
+        <p:blipFill>
+          <a:blip r:embed="rId2"/>
+          <a:stretch>
+            <a:fillRect/>
+          </a:stretch>
+        </p:blipFill>
+        <p:spPr>
+          <a:xfrm>
+            <a:off x="677334" y="2349998"/>
+            <a:ext cx="8688608" cy="1240041"/>
+          </a:xfrm>
+          <a:prstGeom prst="rect">
+            <a:avLst/>
+          </a:prstGeom>
+        </p:spPr>
+      </p:pic>
+      <p:pic>
+        <p:nvPicPr>
+          <p:cNvPr id="8" name="그림 7">
+            <a:extLst>
+              <a:ext uri="{FF2B5EF4-FFF2-40B4-BE49-F238E27FC236}">
+                <a16:creationId xmlns:a16="http://schemas.microsoft.com/office/drawing/2014/main" id="{558C4A3A-90EA-467C-9C7D-474B6FC5E21F}"/>
+              </a:ext>
+            </a:extLst>
+          </p:cNvPr>
+          <p:cNvPicPr>
+            <a:picLocks noChangeAspect="1"/>
+          </p:cNvPicPr>
+          <p:nvPr/>
+        </p:nvPicPr>
+        <p:blipFill>
+          <a:blip r:embed="rId3"/>
+          <a:stretch>
+            <a:fillRect/>
+          </a:stretch>
+        </p:blipFill>
+        <p:spPr>
+          <a:xfrm>
+            <a:off x="677334" y="4192552"/>
+            <a:ext cx="8688608" cy="849701"/>
+          </a:xfrm>
+          <a:prstGeom prst="rect">
+            <a:avLst/>
+          </a:prstGeom>
+        </p:spPr>
+      </p:pic>
+      <p:sp>
+        <p:nvSpPr>
+          <p:cNvPr id="10" name="직사각형 9">
+            <a:extLst>
+              <a:ext uri="{FF2B5EF4-FFF2-40B4-BE49-F238E27FC236}">
+                <a16:creationId xmlns:a16="http://schemas.microsoft.com/office/drawing/2014/main" id="{CE613BCA-8EEB-4C10-A502-75E707F8D291}"/>
+              </a:ext>
+            </a:extLst>
+          </p:cNvPr>
+          <p:cNvSpPr/>
+          <p:nvPr/>
+        </p:nvSpPr>
+        <p:spPr>
+          <a:xfrm>
+            <a:off x="677334" y="5189621"/>
+            <a:ext cx="10774860" cy="738664"/>
+          </a:xfrm>
+          <a:prstGeom prst="rect">
+            <a:avLst/>
+          </a:prstGeom>
+        </p:spPr>
+        <p:txBody>
+          <a:bodyPr wrap="square">
+            <a:spAutoFit/>
+          </a:bodyPr>
+          <a:lstStyle/>
+          <a:p>
+            <a:pPr marL="342900" lvl="0" indent="-342900" eaLnBrk="0" fontAlgn="base" latinLnBrk="0" hangingPunct="0">
+              <a:spcBef>
+                <a:spcPct val="0"/>
+              </a:spcBef>
+              <a:spcAft>
+                <a:spcPct val="0"/>
+              </a:spcAft>
+              <a:buFont typeface="+mj-lt"/>
+              <a:buAutoNum type="arabicPeriod"/>
+            </a:pPr>
+            <a:r>
+              <a:rPr lang="ko-KR" altLang="ko-KR" sz="1400" dirty="0">
+                <a:solidFill>
+                  <a:srgbClr val="404040"/>
+                </a:solidFill>
+                <a:latin typeface="Arial" panose="020B0604020202020204" pitchFamily="34" charset="0"/>
+              </a:rPr>
+              <a:t>첫 규칙은 명시적으로 어플리케이션에 있는 정적 파일에 대한 것</a:t>
+            </a:r>
+            <a:endParaRPr lang="en-US" altLang="ko-KR" sz="1400" dirty="0">
+              <a:solidFill>
+                <a:srgbClr val="404040"/>
+              </a:solidFill>
+              <a:latin typeface="Arial" panose="020B0604020202020204" pitchFamily="34" charset="0"/>
+            </a:endParaRPr>
+          </a:p>
+          <a:p>
+            <a:pPr marL="342900" lvl="0" indent="-342900" eaLnBrk="0" fontAlgn="base" latinLnBrk="0" hangingPunct="0">
+              <a:spcBef>
+                <a:spcPct val="0"/>
+              </a:spcBef>
+              <a:spcAft>
+                <a:spcPct val="0"/>
+              </a:spcAft>
+              <a:buFont typeface="+mj-lt"/>
+              <a:buAutoNum type="arabicPeriod"/>
+            </a:pPr>
+            <a:r>
+              <a:rPr lang="ko-KR" altLang="en-US" sz="1400" dirty="0">
+                <a:solidFill>
+                  <a:srgbClr val="404040"/>
+                </a:solidFill>
+                <a:latin typeface="Arial" panose="020B0604020202020204" pitchFamily="34" charset="0"/>
+              </a:rPr>
+              <a:t>그 다음 두 </a:t>
+            </a:r>
+            <a:r>
+              <a:rPr lang="ko-KR" altLang="ko-KR" sz="1400" dirty="0">
+                <a:solidFill>
+                  <a:srgbClr val="404040"/>
+                </a:solidFill>
+                <a:latin typeface="Arial" panose="020B0604020202020204" pitchFamily="34" charset="0"/>
+              </a:rPr>
+              <a:t>규칙은 </a:t>
+            </a:r>
+            <a:r>
+              <a:rPr lang="ko-KR" altLang="ko-KR" sz="1400" dirty="0" err="1">
+                <a:solidFill>
+                  <a:srgbClr val="404040"/>
+                </a:solidFill>
+                <a:latin typeface="Arial" panose="020B0604020202020204" pitchFamily="34" charset="0"/>
+              </a:rPr>
+              <a:t>simple_page</a:t>
+            </a:r>
+            <a:r>
+              <a:rPr lang="ko-KR" altLang="ko-KR" sz="1400" dirty="0">
+                <a:solidFill>
+                  <a:srgbClr val="404040"/>
+                </a:solidFill>
+                <a:latin typeface="Arial" panose="020B0604020202020204" pitchFamily="34" charset="0"/>
+              </a:rPr>
+              <a:t> </a:t>
+            </a:r>
+            <a:r>
+              <a:rPr lang="ko-KR" altLang="ko-KR" sz="1400" dirty="0" err="1">
+                <a:solidFill>
+                  <a:srgbClr val="404040"/>
+                </a:solidFill>
+                <a:latin typeface="Arial" panose="020B0604020202020204" pitchFamily="34" charset="0"/>
+              </a:rPr>
+              <a:t>블루프린트의</a:t>
+            </a:r>
+            <a:r>
+              <a:rPr lang="ko-KR" altLang="ko-KR" sz="1400" dirty="0">
+                <a:solidFill>
+                  <a:srgbClr val="404040"/>
+                </a:solidFill>
+                <a:latin typeface="Arial" panose="020B0604020202020204" pitchFamily="34" charset="0"/>
+              </a:rPr>
+              <a:t> </a:t>
+            </a:r>
+            <a:r>
+              <a:rPr lang="ko-KR" altLang="ko-KR" sz="1400" dirty="0" err="1">
+                <a:solidFill>
+                  <a:srgbClr val="404040"/>
+                </a:solidFill>
+                <a:latin typeface="Arial" panose="020B0604020202020204" pitchFamily="34" charset="0"/>
+              </a:rPr>
+              <a:t>show</a:t>
+            </a:r>
+            <a:r>
+              <a:rPr lang="ko-KR" altLang="ko-KR" sz="1400" dirty="0">
+                <a:solidFill>
+                  <a:srgbClr val="404040"/>
+                </a:solidFill>
+                <a:latin typeface="Arial" panose="020B0604020202020204" pitchFamily="34" charset="0"/>
+              </a:rPr>
+              <a:t> 함수에 대한 것 볼 수 있는 것 </a:t>
+            </a:r>
+            <a:r>
+              <a:rPr lang="ko-KR" altLang="ko-KR" sz="1400" dirty="0" err="1">
+                <a:solidFill>
+                  <a:srgbClr val="404040"/>
+                </a:solidFill>
+                <a:latin typeface="Arial" panose="020B0604020202020204" pitchFamily="34" charset="0"/>
+              </a:rPr>
+              <a:t>처럼</a:t>
+            </a:r>
+            <a:r>
+              <a:rPr lang="ko-KR" altLang="ko-KR" sz="1400" dirty="0">
+                <a:solidFill>
+                  <a:srgbClr val="404040"/>
+                </a:solidFill>
+                <a:latin typeface="Arial" panose="020B0604020202020204" pitchFamily="34" charset="0"/>
+              </a:rPr>
+              <a:t> </a:t>
+            </a:r>
+            <a:r>
+              <a:rPr lang="ko-KR" altLang="ko-KR" sz="1400" dirty="0" err="1">
+                <a:solidFill>
+                  <a:srgbClr val="404040"/>
+                </a:solidFill>
+                <a:latin typeface="Arial" panose="020B0604020202020204" pitchFamily="34" charset="0"/>
+              </a:rPr>
+              <a:t>블루프린트의</a:t>
+            </a:r>
+            <a:r>
+              <a:rPr lang="ko-KR" altLang="ko-KR" sz="1400" dirty="0">
+                <a:solidFill>
+                  <a:srgbClr val="404040"/>
+                </a:solidFill>
+                <a:latin typeface="Arial" panose="020B0604020202020204" pitchFamily="34" charset="0"/>
+              </a:rPr>
+              <a:t> 이름이 접두어로 붙어있고 점 (.) </a:t>
+            </a:r>
+            <a:r>
+              <a:rPr lang="ko-KR" altLang="ko-KR" sz="1400" dirty="0" err="1">
+                <a:solidFill>
+                  <a:srgbClr val="404040"/>
+                </a:solidFill>
+                <a:latin typeface="Arial" panose="020B0604020202020204" pitchFamily="34" charset="0"/>
+              </a:rPr>
+              <a:t>으로</a:t>
+            </a:r>
+            <a:r>
+              <a:rPr lang="ko-KR" altLang="ko-KR" sz="1400" dirty="0">
+                <a:solidFill>
+                  <a:srgbClr val="404040"/>
+                </a:solidFill>
+                <a:latin typeface="Arial" panose="020B0604020202020204" pitchFamily="34" charset="0"/>
+              </a:rPr>
+              <a:t> </a:t>
+            </a:r>
+            <a:r>
+              <a:rPr lang="ko-KR" altLang="ko-KR" sz="1400" dirty="0" err="1">
+                <a:solidFill>
+                  <a:srgbClr val="404040"/>
+                </a:solidFill>
+                <a:latin typeface="Arial" panose="020B0604020202020204" pitchFamily="34" charset="0"/>
+              </a:rPr>
+              <a:t>구분되있다</a:t>
+            </a:r>
+            <a:r>
+              <a:rPr lang="ko-KR" altLang="ko-KR" sz="1400" dirty="0">
+                <a:solidFill>
+                  <a:srgbClr val="404040"/>
+                </a:solidFill>
+                <a:latin typeface="Arial" panose="020B0604020202020204" pitchFamily="34" charset="0"/>
+              </a:rPr>
+              <a:t>. </a:t>
+            </a:r>
+          </a:p>
+        </p:txBody>
+      </p:sp>
+      <p:sp>
+        <p:nvSpPr>
+          <p:cNvPr id="11" name="Rectangle 1">
+            <a:extLst>
+              <a:ext uri="{FF2B5EF4-FFF2-40B4-BE49-F238E27FC236}">
+                <a16:creationId xmlns:a16="http://schemas.microsoft.com/office/drawing/2014/main" id="{7142701F-3B99-49E7-9BDB-A8DD917302EF}"/>
+              </a:ext>
+            </a:extLst>
+          </p:cNvPr>
+          <p:cNvSpPr>
+            <a:spLocks noChangeArrowheads="1"/>
+          </p:cNvSpPr>
+          <p:nvPr/>
+        </p:nvSpPr>
+        <p:spPr bwMode="auto">
+          <a:xfrm>
+            <a:off x="0" y="-184666"/>
+            <a:ext cx="184731" cy="369332"/>
+          </a:xfrm>
+          <a:prstGeom prst="rect">
+            <a:avLst/>
+          </a:prstGeom>
+          <a:solidFill>
+            <a:srgbClr val="FFFFFF"/>
+          </a:solidFill>
+          <a:ln>
+            <a:noFill/>
+          </a:ln>
+          <a:effectLst/>
+          <a:extLst>
+            <a:ext uri="{91240B29-F687-4F45-9708-019B960494DF}">
+              <a14:hiddenLine xmlns:a14="http://schemas.microsoft.com/office/drawing/2010/main" w="9525">
+                <a:solidFill>
+                  <a:schemeClr val="tx1"/>
+                </a:solidFill>
+                <a:miter lim="800000"/>
+                <a:headEnd/>
+                <a:tailEnd/>
+              </a14:hiddenLine>
+            </a:ext>
+            <a:ext uri="{AF507438-7753-43E0-B8FC-AC1667EBCBE1}">
+              <a14:hiddenEffects xmlns:a14="http://schemas.microsoft.com/office/drawing/2010/main">
+                <a:effectLst>
+                  <a:outerShdw dist="35921" dir="2700000" algn="ctr" rotWithShape="0">
+                    <a:schemeClr val="bg2"/>
+                  </a:outerShdw>
+                </a:effectLst>
+              </a14:hiddenEffects>
+            </a:ext>
+          </a:extLst>
+        </p:spPr>
+        <p:txBody>
+          <a:bodyPr vert="horz" wrap="none" lIns="91440" tIns="45720" rIns="91440" bIns="45720" numCol="1" anchor="ctr" anchorCtr="0" compatLnSpc="1">
+            <a:prstTxWarp prst="textNoShape">
+              <a:avLst/>
+            </a:prstTxWarp>
+            <a:spAutoFit/>
+          </a:bodyPr>
+          <a:lstStyle>
+            <a:lvl1pPr eaLnBrk="0" fontAlgn="base" hangingPunct="0">
+              <a:spcBef>
+                <a:spcPct val="0"/>
+              </a:spcBef>
+              <a:spcAft>
+                <a:spcPct val="0"/>
+              </a:spcAft>
+              <a:defRPr>
+                <a:solidFill>
+                  <a:schemeClr val="tx1"/>
+                </a:solidFill>
+                <a:latin typeface="Arial" panose="020B0604020202020204" pitchFamily="34" charset="0"/>
+              </a:defRPr>
+            </a:lvl1pPr>
+            <a:lvl2pPr eaLnBrk="0" fontAlgn="base" hangingPunct="0">
+              <a:spcBef>
+                <a:spcPct val="0"/>
+              </a:spcBef>
+              <a:spcAft>
+                <a:spcPct val="0"/>
+              </a:spcAft>
+              <a:defRPr>
+                <a:solidFill>
+                  <a:schemeClr val="tx1"/>
+                </a:solidFill>
+                <a:latin typeface="Arial" panose="020B0604020202020204" pitchFamily="34" charset="0"/>
+              </a:defRPr>
+            </a:lvl2pPr>
+            <a:lvl3pPr eaLnBrk="0" fontAlgn="base" hangingPunct="0">
+              <a:spcBef>
+                <a:spcPct val="0"/>
+              </a:spcBef>
+              <a:spcAft>
+                <a:spcPct val="0"/>
+              </a:spcAft>
+              <a:defRPr>
+                <a:solidFill>
+                  <a:schemeClr val="tx1"/>
+                </a:solidFill>
+                <a:latin typeface="Arial" panose="020B0604020202020204" pitchFamily="34" charset="0"/>
+              </a:defRPr>
+            </a:lvl3pPr>
+            <a:lvl4pPr eaLnBrk="0" fontAlgn="base" hangingPunct="0">
+              <a:spcBef>
+                <a:spcPct val="0"/>
+              </a:spcBef>
+              <a:spcAft>
+                <a:spcPct val="0"/>
+              </a:spcAft>
+              <a:defRPr>
+                <a:solidFill>
+                  <a:schemeClr val="tx1"/>
+                </a:solidFill>
+                <a:latin typeface="Arial" panose="020B0604020202020204" pitchFamily="34" charset="0"/>
+              </a:defRPr>
+            </a:lvl4pPr>
+            <a:lvl5pPr eaLnBrk="0" fontAlgn="base" hangingPunct="0">
+              <a:spcBef>
+                <a:spcPct val="0"/>
+              </a:spcBef>
+              <a:spcAft>
+                <a:spcPct val="0"/>
+              </a:spcAft>
+              <a:defRPr>
+                <a:solidFill>
+                  <a:schemeClr val="tx1"/>
+                </a:solidFill>
+                <a:latin typeface="Arial" panose="020B0604020202020204" pitchFamily="34" charset="0"/>
+              </a:defRPr>
+            </a:lvl5pPr>
+            <a:lvl6pPr eaLnBrk="0" fontAlgn="base" hangingPunct="0">
+              <a:spcBef>
+                <a:spcPct val="0"/>
+              </a:spcBef>
+              <a:spcAft>
+                <a:spcPct val="0"/>
+              </a:spcAft>
+              <a:defRPr>
+                <a:solidFill>
+                  <a:schemeClr val="tx1"/>
+                </a:solidFill>
+                <a:latin typeface="Arial" panose="020B0604020202020204" pitchFamily="34" charset="0"/>
+              </a:defRPr>
+            </a:lvl6pPr>
+            <a:lvl7pPr eaLnBrk="0" fontAlgn="base" hangingPunct="0">
+              <a:spcBef>
+                <a:spcPct val="0"/>
+              </a:spcBef>
+              <a:spcAft>
+                <a:spcPct val="0"/>
+              </a:spcAft>
+              <a:defRPr>
+                <a:solidFill>
+                  <a:schemeClr val="tx1"/>
+                </a:solidFill>
+                <a:latin typeface="Arial" panose="020B0604020202020204" pitchFamily="34" charset="0"/>
+              </a:defRPr>
+            </a:lvl7pPr>
+            <a:lvl8pPr eaLnBrk="0" fontAlgn="base" hangingPunct="0">
+              <a:spcBef>
+                <a:spcPct val="0"/>
+              </a:spcBef>
+              <a:spcAft>
+                <a:spcPct val="0"/>
+              </a:spcAft>
+              <a:defRPr>
+                <a:solidFill>
+                  <a:schemeClr val="tx1"/>
+                </a:solidFill>
+                <a:latin typeface="Arial" panose="020B0604020202020204" pitchFamily="34" charset="0"/>
+              </a:defRPr>
+            </a:lvl8pPr>
+            <a:lvl9pPr eaLnBrk="0" fontAlgn="base" hangingPunct="0">
+              <a:spcBef>
+                <a:spcPct val="0"/>
+              </a:spcBef>
+              <a:spcAft>
+                <a:spcPct val="0"/>
+              </a:spcAft>
+              <a:defRPr>
+                <a:solidFill>
+                  <a:schemeClr val="tx1"/>
+                </a:solidFill>
+                <a:latin typeface="Arial" panose="020B0604020202020204" pitchFamily="34" charset="0"/>
+              </a:defRPr>
+            </a:lvl9pPr>
+          </a:lstStyle>
+          <a:p>
+            <a:pPr marL="0" marR="0" lvl="0" indent="0" algn="l" defTabSz="914400" rtl="0" eaLnBrk="0" fontAlgn="base" latinLnBrk="0" hangingPunct="0">
+              <a:lnSpc>
+                <a:spcPct val="100000"/>
+              </a:lnSpc>
+              <a:spcBef>
+                <a:spcPct val="0"/>
+              </a:spcBef>
+              <a:spcAft>
+                <a:spcPct val="0"/>
+              </a:spcAft>
+              <a:buClrTx/>
+              <a:buSzTx/>
+              <a:buFontTx/>
+              <a:buNone/>
+              <a:tabLst/>
+            </a:pPr>
+            <a:endParaRPr kumimoji="0" lang="ko-KR" altLang="ko-KR" sz="1800" b="0" i="0" u="none" strike="noStrike" cap="none" normalizeH="0" baseline="0" dirty="0">
+              <a:ln>
+                <a:noFill/>
+              </a:ln>
+              <a:solidFill>
+                <a:schemeClr val="tx1"/>
+              </a:solidFill>
+              <a:effectLst/>
+              <a:latin typeface="Arial" panose="020B0604020202020204" pitchFamily="34" charset="0"/>
+            </a:endParaRPr>
+          </a:p>
+        </p:txBody>
+      </p:sp>
+    </p:spTree>
+    <p:extLst>
+      <p:ext uri="{BB962C8B-B14F-4D97-AF65-F5344CB8AC3E}">
+        <p14:creationId xmlns:p14="http://schemas.microsoft.com/office/powerpoint/2010/main" val="3286026614"/>
+      </p:ext>
+    </p:extLst>
+  </p:cSld>
+  <p:clrMapOvr>
+    <a:masterClrMapping/>
+  </p:clrMapOvr>
+</p:sld>
+</file>
+
+<file path=ppt/slides/slide6.xml><?xml version="1.0" encoding="utf-8"?>
+<p:sld xmlns:a="http://schemas.openxmlformats.org/drawingml/2006/main" xmlns:r="http://schemas.openxmlformats.org/officeDocument/2006/relationships" xmlns:p="http://schemas.openxmlformats.org/presentationml/2006/main">
+  <p:cSld>
+    <p:spTree>
+      <p:nvGrpSpPr>
+        <p:cNvPr id="1" name=""/>
+        <p:cNvGrpSpPr/>
+        <p:nvPr/>
+      </p:nvGrpSpPr>
+      <p:grpSpPr>
+        <a:xfrm>
+          <a:off x="0" y="0"/>
+          <a:ext cx="0" cy="0"/>
+          <a:chOff x="0" y="0"/>
+          <a:chExt cx="0" cy="0"/>
+        </a:xfrm>
+      </p:grpSpPr>
+      <p:sp>
+        <p:nvSpPr>
+          <p:cNvPr id="2" name="제목 1">
+            <a:extLst>
+              <a:ext uri="{FF2B5EF4-FFF2-40B4-BE49-F238E27FC236}">
+                <a16:creationId xmlns:a16="http://schemas.microsoft.com/office/drawing/2014/main" id="{2EC833C6-FAC3-442B-803D-3FB02DF07980}"/>
+              </a:ext>
+            </a:extLst>
+          </p:cNvPr>
+          <p:cNvSpPr>
+            <a:spLocks noGrp="1"/>
+          </p:cNvSpPr>
+          <p:nvPr>
+            <p:ph type="title"/>
+          </p:nvPr>
+        </p:nvSpPr>
+        <p:spPr>
+          <a:xfrm>
+            <a:off x="677334" y="609600"/>
+            <a:ext cx="8596668" cy="517864"/>
+          </a:xfrm>
+        </p:spPr>
+        <p:txBody>
+          <a:bodyPr>
+            <a:normAutofit fontScale="90000"/>
+          </a:bodyPr>
+          <a:lstStyle/>
+          <a:p>
+            <a:r>
+              <a:rPr lang="en-US" altLang="ko-KR" dirty="0"/>
+              <a:t>9. Pagination</a:t>
+            </a:r>
+            <a:endParaRPr lang="ko-KR" altLang="en-US" dirty="0"/>
+          </a:p>
+        </p:txBody>
+      </p:sp>
+      <p:sp>
+        <p:nvSpPr>
+          <p:cNvPr id="6" name="직사각형 5">
+            <a:extLst>
+              <a:ext uri="{FF2B5EF4-FFF2-40B4-BE49-F238E27FC236}">
+                <a16:creationId xmlns:a16="http://schemas.microsoft.com/office/drawing/2014/main" id="{6A60F032-B172-43E0-B147-16329887DE8F}"/>
+              </a:ext>
+            </a:extLst>
+          </p:cNvPr>
+          <p:cNvSpPr/>
+          <p:nvPr/>
+        </p:nvSpPr>
+        <p:spPr>
+          <a:xfrm>
+            <a:off x="677334" y="1894853"/>
+            <a:ext cx="10774860" cy="307777"/>
+          </a:xfrm>
+          <a:prstGeom prst="rect">
+            <a:avLst/>
+          </a:prstGeom>
+        </p:spPr>
+        <p:txBody>
+          <a:bodyPr wrap="square">
+            <a:spAutoFit/>
+          </a:bodyPr>
+          <a:lstStyle/>
+          <a:p>
+            <a:pPr marL="285750" lvl="0" indent="-285750" eaLnBrk="0" fontAlgn="base" latinLnBrk="0" hangingPunct="0">
+              <a:spcBef>
+                <a:spcPct val="0"/>
+              </a:spcBef>
+              <a:spcAft>
+                <a:spcPct val="0"/>
+              </a:spcAft>
+              <a:buFont typeface="Arial" panose="020B0604020202020204" pitchFamily="34" charset="0"/>
+              <a:buChar char="•"/>
+            </a:pPr>
+            <a:r>
+              <a:rPr lang="en-US" altLang="ko-KR" sz="1400" dirty="0">
+                <a:solidFill>
+                  <a:srgbClr val="404040"/>
+                </a:solidFill>
+                <a:latin typeface="Arial" panose="020B0604020202020204" pitchFamily="34" charset="0"/>
+              </a:rPr>
+              <a:t>Blueprint </a:t>
+            </a:r>
+            <a:r>
+              <a:rPr lang="ko-KR" altLang="en-US" sz="1400" dirty="0">
+                <a:solidFill>
+                  <a:srgbClr val="404040"/>
+                </a:solidFill>
+                <a:latin typeface="Arial" panose="020B0604020202020204" pitchFamily="34" charset="0"/>
+              </a:rPr>
+              <a:t>리소스 폴더</a:t>
+            </a:r>
+            <a:endParaRPr lang="ko-KR" altLang="ko-KR" sz="1400" dirty="0">
+              <a:solidFill>
+                <a:srgbClr val="404040"/>
+              </a:solidFill>
+              <a:latin typeface="Arial" panose="020B0604020202020204" pitchFamily="34" charset="0"/>
+            </a:endParaRPr>
+          </a:p>
+        </p:txBody>
+      </p:sp>
+      <p:sp>
+        <p:nvSpPr>
+          <p:cNvPr id="7" name="제목 1">
+            <a:extLst>
+              <a:ext uri="{FF2B5EF4-FFF2-40B4-BE49-F238E27FC236}">
+                <a16:creationId xmlns:a16="http://schemas.microsoft.com/office/drawing/2014/main" id="{453FF060-58F0-4366-9AA1-883792CE5955}"/>
+              </a:ext>
+            </a:extLst>
+          </p:cNvPr>
+          <p:cNvSpPr txBox="1">
+            <a:spLocks/>
+          </p:cNvSpPr>
+          <p:nvPr/>
+        </p:nvSpPr>
+        <p:spPr>
+          <a:xfrm>
+            <a:off x="1091421" y="1144214"/>
+            <a:ext cx="7768494" cy="517864"/>
+          </a:xfrm>
+          <a:prstGeom prst="rect">
+            <a:avLst/>
+          </a:prstGeom>
+        </p:spPr>
+        <p:txBody>
+          <a:bodyPr vert="horz" lIns="91440" tIns="45720" rIns="91440" bIns="45720" rtlCol="0" anchor="t">
+            <a:normAutofit fontScale="45000" lnSpcReduction="20000"/>
+          </a:bodyPr>
+          <a:lstStyle>
+            <a:lvl1pPr algn="l" defTabSz="457200" rtl="0" eaLnBrk="1" latinLnBrk="1" hangingPunct="1">
+              <a:spcBef>
+                <a:spcPct val="0"/>
+              </a:spcBef>
+              <a:buNone/>
+              <a:defRPr sz="3600" kern="1200">
+                <a:solidFill>
+                  <a:schemeClr val="accent1"/>
+                </a:solidFill>
+                <a:latin typeface="+mj-lt"/>
+                <a:ea typeface="+mj-ea"/>
+                <a:cs typeface="+mj-cs"/>
+              </a:defRPr>
+            </a:lvl1pPr>
+            <a:lvl2pPr eaLnBrk="1" latinLnBrk="1" hangingPunct="1">
+              <a:defRPr>
+                <a:solidFill>
+                  <a:schemeClr val="tx2"/>
+                </a:solidFill>
+              </a:defRPr>
+            </a:lvl2pPr>
+            <a:lvl3pPr eaLnBrk="1" latinLnBrk="1" hangingPunct="1">
+              <a:defRPr>
+                <a:solidFill>
+                  <a:schemeClr val="tx2"/>
+                </a:solidFill>
+              </a:defRPr>
+            </a:lvl3pPr>
+            <a:lvl4pPr eaLnBrk="1" latinLnBrk="1" hangingPunct="1">
+              <a:defRPr>
+                <a:solidFill>
+                  <a:schemeClr val="tx2"/>
+                </a:solidFill>
+              </a:defRPr>
+            </a:lvl4pPr>
+            <a:lvl5pPr eaLnBrk="1" latinLnBrk="1" hangingPunct="1">
+              <a:defRPr>
+                <a:solidFill>
+                  <a:schemeClr val="tx2"/>
+                </a:solidFill>
+              </a:defRPr>
+            </a:lvl5pPr>
+            <a:lvl6pPr eaLnBrk="1" latinLnBrk="1" hangingPunct="1">
+              <a:defRPr>
+                <a:solidFill>
+                  <a:schemeClr val="tx2"/>
+                </a:solidFill>
+              </a:defRPr>
+            </a:lvl6pPr>
+            <a:lvl7pPr eaLnBrk="1" latinLnBrk="1" hangingPunct="1">
+              <a:defRPr>
+                <a:solidFill>
+                  <a:schemeClr val="tx2"/>
+                </a:solidFill>
+              </a:defRPr>
+            </a:lvl7pPr>
+            <a:lvl8pPr eaLnBrk="1" latinLnBrk="1" hangingPunct="1">
+              <a:defRPr>
+                <a:solidFill>
+                  <a:schemeClr val="tx2"/>
+                </a:solidFill>
+              </a:defRPr>
+            </a:lvl8pPr>
+            <a:lvl9pPr eaLnBrk="1" latinLnBrk="1" hangingPunct="1">
+              <a:defRPr>
+                <a:solidFill>
+                  <a:schemeClr val="tx2"/>
+                </a:solidFill>
+              </a:defRPr>
+            </a:lvl9pPr>
+          </a:lstStyle>
+          <a:p>
+            <a:endParaRPr lang="en-US" altLang="ko-KR" dirty="0"/>
+          </a:p>
+          <a:p>
+            <a:r>
+              <a:rPr lang="en-US" altLang="ko-KR" dirty="0"/>
+              <a:t>Blueprint </a:t>
+            </a:r>
+            <a:r>
+              <a:rPr lang="ko-KR" altLang="en-US" dirty="0"/>
+              <a:t>리소스</a:t>
+            </a:r>
+            <a:endParaRPr lang="en-US" altLang="ko-KR" dirty="0"/>
+          </a:p>
+        </p:txBody>
+      </p:sp>
+      <p:sp>
+        <p:nvSpPr>
+          <p:cNvPr id="4" name="Rectangle 1">
+            <a:extLst>
+              <a:ext uri="{FF2B5EF4-FFF2-40B4-BE49-F238E27FC236}">
+                <a16:creationId xmlns:a16="http://schemas.microsoft.com/office/drawing/2014/main" id="{2E5C360F-E4DE-4330-86B1-C13C80502F25}"/>
+              </a:ext>
+            </a:extLst>
+          </p:cNvPr>
+          <p:cNvSpPr>
+            <a:spLocks noChangeArrowheads="1"/>
+          </p:cNvSpPr>
+          <p:nvPr/>
+        </p:nvSpPr>
+        <p:spPr bwMode="auto">
+          <a:xfrm>
+            <a:off x="0" y="43934"/>
+            <a:ext cx="184731" cy="369332"/>
+          </a:xfrm>
+          <a:prstGeom prst="rect">
+            <a:avLst/>
+          </a:prstGeom>
+          <a:solidFill>
+            <a:srgbClr val="FFFFFF"/>
+          </a:solidFill>
+          <a:ln>
+            <a:noFill/>
+          </a:ln>
+          <a:effectLst/>
+          <a:extLst>
+            <a:ext uri="{91240B29-F687-4F45-9708-019B960494DF}">
+              <a14:hiddenLine xmlns:a14="http://schemas.microsoft.com/office/drawing/2010/main" w="9525">
+                <a:solidFill>
+                  <a:schemeClr val="tx1"/>
+                </a:solidFill>
+                <a:miter lim="800000"/>
+                <a:headEnd/>
+                <a:tailEnd/>
+              </a14:hiddenLine>
+            </a:ext>
+            <a:ext uri="{AF507438-7753-43E0-B8FC-AC1667EBCBE1}">
+              <a14:hiddenEffects xmlns:a14="http://schemas.microsoft.com/office/drawing/2010/main">
+                <a:effectLst>
+                  <a:outerShdw dist="35921" dir="2700000" algn="ctr" rotWithShape="0">
+                    <a:schemeClr val="bg2"/>
+                  </a:outerShdw>
+                </a:effectLst>
+              </a14:hiddenEffects>
+            </a:ext>
+          </a:extLst>
+        </p:spPr>
+        <p:txBody>
+          <a:bodyPr vert="horz" wrap="none" lIns="91440" tIns="45720" rIns="91440" bIns="45720" numCol="1" anchor="ctr" anchorCtr="0" compatLnSpc="1">
+            <a:prstTxWarp prst="textNoShape">
+              <a:avLst/>
+            </a:prstTxWarp>
+            <a:spAutoFit/>
+          </a:bodyPr>
+          <a:lstStyle>
+            <a:lvl1pPr eaLnBrk="0" fontAlgn="base" hangingPunct="0">
+              <a:spcBef>
+                <a:spcPct val="0"/>
+              </a:spcBef>
+              <a:spcAft>
+                <a:spcPct val="0"/>
+              </a:spcAft>
+              <a:defRPr>
+                <a:solidFill>
+                  <a:schemeClr val="tx1"/>
+                </a:solidFill>
+                <a:latin typeface="Arial" panose="020B0604020202020204" pitchFamily="34" charset="0"/>
+              </a:defRPr>
+            </a:lvl1pPr>
+            <a:lvl2pPr eaLnBrk="0" fontAlgn="base" hangingPunct="0">
+              <a:spcBef>
+                <a:spcPct val="0"/>
+              </a:spcBef>
+              <a:spcAft>
+                <a:spcPct val="0"/>
+              </a:spcAft>
+              <a:defRPr>
+                <a:solidFill>
+                  <a:schemeClr val="tx1"/>
+                </a:solidFill>
+                <a:latin typeface="Arial" panose="020B0604020202020204" pitchFamily="34" charset="0"/>
+              </a:defRPr>
+            </a:lvl2pPr>
+            <a:lvl3pPr eaLnBrk="0" fontAlgn="base" hangingPunct="0">
+              <a:spcBef>
+                <a:spcPct val="0"/>
+              </a:spcBef>
+              <a:spcAft>
+                <a:spcPct val="0"/>
+              </a:spcAft>
+              <a:defRPr>
+                <a:solidFill>
+                  <a:schemeClr val="tx1"/>
+                </a:solidFill>
+                <a:latin typeface="Arial" panose="020B0604020202020204" pitchFamily="34" charset="0"/>
+              </a:defRPr>
+            </a:lvl3pPr>
+            <a:lvl4pPr eaLnBrk="0" fontAlgn="base" hangingPunct="0">
+              <a:spcBef>
+                <a:spcPct val="0"/>
+              </a:spcBef>
+              <a:spcAft>
+                <a:spcPct val="0"/>
+              </a:spcAft>
+              <a:defRPr>
+                <a:solidFill>
+                  <a:schemeClr val="tx1"/>
+                </a:solidFill>
+                <a:latin typeface="Arial" panose="020B0604020202020204" pitchFamily="34" charset="0"/>
+              </a:defRPr>
+            </a:lvl4pPr>
+            <a:lvl5pPr eaLnBrk="0" fontAlgn="base" hangingPunct="0">
+              <a:spcBef>
+                <a:spcPct val="0"/>
+              </a:spcBef>
+              <a:spcAft>
+                <a:spcPct val="0"/>
+              </a:spcAft>
+              <a:defRPr>
+                <a:solidFill>
+                  <a:schemeClr val="tx1"/>
+                </a:solidFill>
+                <a:latin typeface="Arial" panose="020B0604020202020204" pitchFamily="34" charset="0"/>
+              </a:defRPr>
+            </a:lvl5pPr>
+            <a:lvl6pPr eaLnBrk="0" fontAlgn="base" hangingPunct="0">
+              <a:spcBef>
+                <a:spcPct val="0"/>
+              </a:spcBef>
+              <a:spcAft>
+                <a:spcPct val="0"/>
+              </a:spcAft>
+              <a:defRPr>
+                <a:solidFill>
+                  <a:schemeClr val="tx1"/>
+                </a:solidFill>
+                <a:latin typeface="Arial" panose="020B0604020202020204" pitchFamily="34" charset="0"/>
+              </a:defRPr>
+            </a:lvl6pPr>
+            <a:lvl7pPr eaLnBrk="0" fontAlgn="base" hangingPunct="0">
+              <a:spcBef>
+                <a:spcPct val="0"/>
+              </a:spcBef>
+              <a:spcAft>
+                <a:spcPct val="0"/>
+              </a:spcAft>
+              <a:defRPr>
+                <a:solidFill>
+                  <a:schemeClr val="tx1"/>
+                </a:solidFill>
+                <a:latin typeface="Arial" panose="020B0604020202020204" pitchFamily="34" charset="0"/>
+              </a:defRPr>
+            </a:lvl7pPr>
+            <a:lvl8pPr eaLnBrk="0" fontAlgn="base" hangingPunct="0">
+              <a:spcBef>
+                <a:spcPct val="0"/>
+              </a:spcBef>
+              <a:spcAft>
+                <a:spcPct val="0"/>
+              </a:spcAft>
+              <a:defRPr>
+                <a:solidFill>
+                  <a:schemeClr val="tx1"/>
+                </a:solidFill>
+                <a:latin typeface="Arial" panose="020B0604020202020204" pitchFamily="34" charset="0"/>
+              </a:defRPr>
+            </a:lvl8pPr>
+            <a:lvl9pPr eaLnBrk="0" fontAlgn="base" hangingPunct="0">
+              <a:spcBef>
+                <a:spcPct val="0"/>
+              </a:spcBef>
+              <a:spcAft>
+                <a:spcPct val="0"/>
+              </a:spcAft>
+              <a:defRPr>
+                <a:solidFill>
+                  <a:schemeClr val="tx1"/>
+                </a:solidFill>
+                <a:latin typeface="Arial" panose="020B0604020202020204" pitchFamily="34" charset="0"/>
+              </a:defRPr>
+            </a:lvl9pPr>
+          </a:lstStyle>
+          <a:p>
+            <a:pPr marL="0" marR="0" lvl="0" indent="0" algn="l" defTabSz="914400" rtl="0" eaLnBrk="0" fontAlgn="base" latinLnBrk="0" hangingPunct="0">
+              <a:lnSpc>
+                <a:spcPct val="100000"/>
+              </a:lnSpc>
+              <a:spcBef>
+                <a:spcPct val="0"/>
+              </a:spcBef>
+              <a:spcAft>
+                <a:spcPct val="0"/>
+              </a:spcAft>
+              <a:buClrTx/>
+              <a:buSzTx/>
+              <a:buFontTx/>
+              <a:buNone/>
+              <a:tabLst/>
+            </a:pPr>
+            <a:endParaRPr kumimoji="0" lang="ko-KR" altLang="ko-KR" sz="1800" b="0" i="0" u="none" strike="noStrike" cap="none" normalizeH="0" baseline="0" dirty="0">
+              <a:ln>
+                <a:noFill/>
+              </a:ln>
+              <a:solidFill>
+                <a:schemeClr val="tx1"/>
+              </a:solidFill>
+              <a:effectLst/>
+              <a:latin typeface="Arial" panose="020B0604020202020204" pitchFamily="34" charset="0"/>
+            </a:endParaRPr>
+          </a:p>
+        </p:txBody>
+      </p:sp>
+      <p:sp>
+        <p:nvSpPr>
+          <p:cNvPr id="10" name="직사각형 9">
+            <a:extLst>
+              <a:ext uri="{FF2B5EF4-FFF2-40B4-BE49-F238E27FC236}">
+                <a16:creationId xmlns:a16="http://schemas.microsoft.com/office/drawing/2014/main" id="{CE613BCA-8EEB-4C10-A502-75E707F8D291}"/>
+              </a:ext>
+            </a:extLst>
+          </p:cNvPr>
+          <p:cNvSpPr/>
+          <p:nvPr/>
+        </p:nvSpPr>
+        <p:spPr>
+          <a:xfrm>
+            <a:off x="677334" y="2429467"/>
+            <a:ext cx="10774860" cy="1600438"/>
+          </a:xfrm>
+          <a:prstGeom prst="rect">
+            <a:avLst/>
+          </a:prstGeom>
+        </p:spPr>
+        <p:txBody>
+          <a:bodyPr wrap="square">
+            <a:spAutoFit/>
+          </a:bodyPr>
+          <a:lstStyle/>
+          <a:p>
+            <a:pPr marL="285750" lvl="0" indent="-285750" eaLnBrk="0" fontAlgn="base" latinLnBrk="0" hangingPunct="0">
+              <a:spcBef>
+                <a:spcPct val="0"/>
+              </a:spcBef>
+              <a:spcAft>
+                <a:spcPct val="0"/>
+              </a:spcAft>
+              <a:buFont typeface="Wingdings" panose="05000000000000000000" pitchFamily="2" charset="2"/>
+              <a:buChar char="ü"/>
+            </a:pPr>
+            <a:r>
+              <a:rPr lang="ko-KR" altLang="ko-KR" sz="1400" dirty="0">
+                <a:solidFill>
+                  <a:srgbClr val="404040"/>
+                </a:solidFill>
+                <a:latin typeface="Arial" panose="020B0604020202020204" pitchFamily="34" charset="0"/>
+              </a:rPr>
+              <a:t>보통 어플리케이션처럼, </a:t>
+            </a:r>
+            <a:r>
+              <a:rPr lang="ko-KR" altLang="ko-KR" sz="1400" dirty="0" err="1">
+                <a:solidFill>
+                  <a:srgbClr val="404040"/>
+                </a:solidFill>
+                <a:latin typeface="Arial" panose="020B0604020202020204" pitchFamily="34" charset="0"/>
+              </a:rPr>
+              <a:t>블루프린트는</a:t>
+            </a:r>
+            <a:r>
+              <a:rPr lang="ko-KR" altLang="ko-KR" sz="1400" dirty="0">
+                <a:solidFill>
+                  <a:srgbClr val="404040"/>
+                </a:solidFill>
+                <a:latin typeface="Arial" panose="020B0604020202020204" pitchFamily="34" charset="0"/>
+              </a:rPr>
+              <a:t> 폴더안에 포함되도록 </a:t>
+            </a:r>
+            <a:r>
+              <a:rPr lang="ko-KR" altLang="en-US" sz="1400" dirty="0">
+                <a:solidFill>
+                  <a:srgbClr val="404040"/>
+                </a:solidFill>
+                <a:latin typeface="Arial" panose="020B0604020202020204" pitchFamily="34" charset="0"/>
+              </a:rPr>
+              <a:t>한다</a:t>
+            </a:r>
+            <a:r>
+              <a:rPr lang="ko-KR" altLang="ko-KR" sz="1400" dirty="0">
+                <a:solidFill>
+                  <a:srgbClr val="404040"/>
+                </a:solidFill>
+                <a:latin typeface="Arial" panose="020B0604020202020204" pitchFamily="34" charset="0"/>
+              </a:rPr>
+              <a:t>.</a:t>
+            </a:r>
+            <a:endParaRPr lang="en-US" altLang="ko-KR" sz="1400" dirty="0">
+              <a:solidFill>
+                <a:srgbClr val="404040"/>
+              </a:solidFill>
+              <a:latin typeface="Arial" panose="020B0604020202020204" pitchFamily="34" charset="0"/>
+            </a:endParaRPr>
+          </a:p>
+          <a:p>
+            <a:pPr marL="285750" lvl="0" indent="-285750" eaLnBrk="0" fontAlgn="base" latinLnBrk="0" hangingPunct="0">
+              <a:spcBef>
+                <a:spcPct val="0"/>
+              </a:spcBef>
+              <a:spcAft>
+                <a:spcPct val="0"/>
+              </a:spcAft>
+              <a:buFont typeface="Wingdings" panose="05000000000000000000" pitchFamily="2" charset="2"/>
+              <a:buChar char="ü"/>
+            </a:pPr>
+            <a:r>
+              <a:rPr lang="ko-KR" altLang="ko-KR" sz="1400" dirty="0">
+                <a:solidFill>
+                  <a:srgbClr val="404040"/>
+                </a:solidFill>
+                <a:latin typeface="Arial" panose="020B0604020202020204" pitchFamily="34" charset="0"/>
+              </a:rPr>
+              <a:t>다수의 </a:t>
+            </a:r>
+            <a:r>
+              <a:rPr lang="ko-KR" altLang="ko-KR" sz="1400" dirty="0" err="1">
+                <a:solidFill>
+                  <a:srgbClr val="404040"/>
+                </a:solidFill>
+                <a:latin typeface="Arial" panose="020B0604020202020204" pitchFamily="34" charset="0"/>
+              </a:rPr>
+              <a:t>블루프린트</a:t>
+            </a:r>
+            <a:r>
+              <a:rPr lang="ko-KR" altLang="en-US" sz="1400" dirty="0" err="1">
+                <a:solidFill>
+                  <a:srgbClr val="404040"/>
+                </a:solidFill>
+                <a:latin typeface="Arial" panose="020B0604020202020204" pitchFamily="34" charset="0"/>
+              </a:rPr>
+              <a:t>들</a:t>
+            </a:r>
+            <a:r>
+              <a:rPr lang="ko-KR" altLang="ko-KR" sz="1400" dirty="0" err="1">
+                <a:solidFill>
+                  <a:srgbClr val="404040"/>
+                </a:solidFill>
+                <a:latin typeface="Arial" panose="020B0604020202020204" pitchFamily="34" charset="0"/>
+              </a:rPr>
+              <a:t>이</a:t>
+            </a:r>
+            <a:r>
+              <a:rPr lang="ko-KR" altLang="ko-KR" sz="1400" dirty="0">
+                <a:solidFill>
+                  <a:srgbClr val="404040"/>
+                </a:solidFill>
+                <a:latin typeface="Arial" panose="020B0604020202020204" pitchFamily="34" charset="0"/>
+              </a:rPr>
+              <a:t> 같은 폴더에서 제공될 수 있지만, 그런 경우가 될 필요도 없고 보통 권고하지 않는다.</a:t>
+            </a:r>
+          </a:p>
+          <a:p>
+            <a:pPr marL="285750" lvl="0" indent="-285750" eaLnBrk="0" fontAlgn="base" latinLnBrk="0" hangingPunct="0">
+              <a:spcBef>
+                <a:spcPct val="0"/>
+              </a:spcBef>
+              <a:spcAft>
+                <a:spcPct val="0"/>
+              </a:spcAft>
+              <a:buFont typeface="Wingdings" panose="05000000000000000000" pitchFamily="2" charset="2"/>
+              <a:buChar char="ü"/>
+            </a:pPr>
+            <a:r>
+              <a:rPr lang="ko-KR" altLang="ko-KR" sz="1400" dirty="0">
+                <a:solidFill>
+                  <a:srgbClr val="404040"/>
+                </a:solidFill>
+                <a:latin typeface="Arial" panose="020B0604020202020204" pitchFamily="34" charset="0"/>
+              </a:rPr>
+              <a:t>폴더는 보통 __</a:t>
+            </a:r>
+            <a:r>
+              <a:rPr lang="ko-KR" altLang="ko-KR" sz="1400" dirty="0" err="1">
+                <a:solidFill>
+                  <a:srgbClr val="404040"/>
+                </a:solidFill>
+                <a:latin typeface="Arial" panose="020B0604020202020204" pitchFamily="34" charset="0"/>
+              </a:rPr>
+              <a:t>name</a:t>
+            </a:r>
+            <a:r>
+              <a:rPr lang="ko-KR" altLang="ko-KR" sz="1400" dirty="0">
+                <a:solidFill>
+                  <a:srgbClr val="404040"/>
+                </a:solidFill>
+                <a:latin typeface="Arial" panose="020B0604020202020204" pitchFamily="34" charset="0"/>
+              </a:rPr>
+              <a:t>__ 인 </a:t>
+            </a:r>
+            <a:r>
+              <a:rPr lang="ko-KR" altLang="ko-KR" sz="1400" dirty="0" err="1">
+                <a:solidFill>
+                  <a:srgbClr val="404040"/>
+                </a:solidFill>
+                <a:latin typeface="Arial" panose="020B0604020202020204" pitchFamily="34" charset="0"/>
+              </a:rPr>
+              <a:t>Blueprint</a:t>
+            </a:r>
+            <a:r>
+              <a:rPr lang="ko-KR" altLang="ko-KR" sz="1400" dirty="0">
+                <a:solidFill>
+                  <a:srgbClr val="404040"/>
+                </a:solidFill>
+                <a:latin typeface="Arial" panose="020B0604020202020204" pitchFamily="34" charset="0"/>
+              </a:rPr>
+              <a:t> 에 두번째 인자로 생각된다. </a:t>
+            </a:r>
+            <a:endParaRPr lang="en-US" altLang="ko-KR" sz="1400" dirty="0">
+              <a:solidFill>
+                <a:srgbClr val="404040"/>
+              </a:solidFill>
+              <a:latin typeface="Arial" panose="020B0604020202020204" pitchFamily="34" charset="0"/>
+            </a:endParaRPr>
+          </a:p>
+          <a:p>
+            <a:pPr marL="285750" lvl="0" indent="-285750" eaLnBrk="0" fontAlgn="base" latinLnBrk="0" hangingPunct="0">
+              <a:spcBef>
+                <a:spcPct val="0"/>
+              </a:spcBef>
+              <a:spcAft>
+                <a:spcPct val="0"/>
+              </a:spcAft>
+              <a:buFont typeface="Wingdings" panose="05000000000000000000" pitchFamily="2" charset="2"/>
+              <a:buChar char="ü"/>
+            </a:pPr>
+            <a:r>
+              <a:rPr lang="ko-KR" altLang="ko-KR" sz="1400" dirty="0">
+                <a:solidFill>
+                  <a:srgbClr val="404040"/>
+                </a:solidFill>
+                <a:latin typeface="Arial" panose="020B0604020202020204" pitchFamily="34" charset="0"/>
+              </a:rPr>
+              <a:t>이 인자는 어떤 논리적인 파이썬 모듈이나 패키지가 </a:t>
+            </a:r>
+            <a:r>
+              <a:rPr lang="ko-KR" altLang="ko-KR" sz="1400" dirty="0" err="1">
+                <a:solidFill>
+                  <a:srgbClr val="404040"/>
+                </a:solidFill>
+                <a:latin typeface="Arial" panose="020B0604020202020204" pitchFamily="34" charset="0"/>
+              </a:rPr>
+              <a:t>블루프린트과</a:t>
+            </a:r>
+            <a:r>
+              <a:rPr lang="ko-KR" altLang="ko-KR" sz="1400" dirty="0">
+                <a:solidFill>
+                  <a:srgbClr val="404040"/>
+                </a:solidFill>
+                <a:latin typeface="Arial" panose="020B0604020202020204" pitchFamily="34" charset="0"/>
+              </a:rPr>
+              <a:t> 상응되는지 알려준다. </a:t>
+            </a:r>
+            <a:endParaRPr lang="en-US" altLang="ko-KR" sz="1400" dirty="0">
+              <a:solidFill>
+                <a:srgbClr val="404040"/>
+              </a:solidFill>
+              <a:latin typeface="Arial" panose="020B0604020202020204" pitchFamily="34" charset="0"/>
+            </a:endParaRPr>
+          </a:p>
+          <a:p>
+            <a:pPr marL="285750" lvl="0" indent="-285750" eaLnBrk="0" fontAlgn="base" latinLnBrk="0" hangingPunct="0">
+              <a:spcBef>
+                <a:spcPct val="0"/>
+              </a:spcBef>
+              <a:spcAft>
+                <a:spcPct val="0"/>
+              </a:spcAft>
+              <a:buFont typeface="Wingdings" panose="05000000000000000000" pitchFamily="2" charset="2"/>
+              <a:buChar char="ü"/>
+            </a:pPr>
+            <a:r>
+              <a:rPr lang="ko-KR" altLang="ko-KR" sz="1400" dirty="0">
+                <a:solidFill>
+                  <a:srgbClr val="404040"/>
+                </a:solidFill>
+                <a:latin typeface="Arial" panose="020B0604020202020204" pitchFamily="34" charset="0"/>
+              </a:rPr>
+              <a:t>그것이 실제 파이썬 패키지를 가리킨다면 그 패키지 (파일 시스템의 폴더인) 는 리소스 폴더다. </a:t>
+            </a:r>
+            <a:endParaRPr lang="en-US" altLang="ko-KR" sz="1400" dirty="0">
+              <a:solidFill>
+                <a:srgbClr val="404040"/>
+              </a:solidFill>
+              <a:latin typeface="Arial" panose="020B0604020202020204" pitchFamily="34" charset="0"/>
+            </a:endParaRPr>
+          </a:p>
+          <a:p>
+            <a:pPr marL="285750" lvl="0" indent="-285750" eaLnBrk="0" fontAlgn="base" latinLnBrk="0" hangingPunct="0">
+              <a:spcBef>
+                <a:spcPct val="0"/>
+              </a:spcBef>
+              <a:spcAft>
+                <a:spcPct val="0"/>
+              </a:spcAft>
+              <a:buFont typeface="Wingdings" panose="05000000000000000000" pitchFamily="2" charset="2"/>
+              <a:buChar char="ü"/>
+            </a:pPr>
+            <a:r>
+              <a:rPr lang="ko-KR" altLang="ko-KR" sz="1400" dirty="0">
+                <a:solidFill>
+                  <a:srgbClr val="404040"/>
+                </a:solidFill>
+                <a:latin typeface="Arial" panose="020B0604020202020204" pitchFamily="34" charset="0"/>
+              </a:rPr>
+              <a:t>그것이 모듈이라면, 모듈이 </a:t>
+            </a:r>
+            <a:r>
+              <a:rPr lang="ko-KR" altLang="ko-KR" sz="1400" dirty="0" err="1">
+                <a:solidFill>
+                  <a:srgbClr val="404040"/>
+                </a:solidFill>
+                <a:latin typeface="Arial" panose="020B0604020202020204" pitchFamily="34" charset="0"/>
+              </a:rPr>
+              <a:t>포함되있는</a:t>
+            </a:r>
+            <a:r>
+              <a:rPr lang="ko-KR" altLang="ko-KR" sz="1400" dirty="0">
+                <a:solidFill>
+                  <a:srgbClr val="404040"/>
+                </a:solidFill>
+                <a:latin typeface="Arial" panose="020B0604020202020204" pitchFamily="34" charset="0"/>
+              </a:rPr>
+              <a:t> 패키지는 리소스 폴더가 될 것이다. 리소스 폴더가 </a:t>
+            </a:r>
+            <a:r>
+              <a:rPr lang="ko-KR" altLang="ko-KR" sz="1400" dirty="0" err="1">
+                <a:solidFill>
+                  <a:srgbClr val="404040"/>
+                </a:solidFill>
+                <a:latin typeface="Arial" panose="020B0604020202020204" pitchFamily="34" charset="0"/>
+              </a:rPr>
+              <a:t>어떤것인지</a:t>
+            </a:r>
+            <a:r>
+              <a:rPr lang="ko-KR" altLang="ko-KR" sz="1400" dirty="0">
+                <a:solidFill>
+                  <a:srgbClr val="404040"/>
+                </a:solidFill>
+                <a:latin typeface="Arial" panose="020B0604020202020204" pitchFamily="34" charset="0"/>
+              </a:rPr>
+              <a:t> 보기 위해서는 </a:t>
+            </a:r>
+            <a:r>
+              <a:rPr lang="ko-KR" altLang="ko-KR" sz="1400" dirty="0" err="1">
+                <a:solidFill>
+                  <a:srgbClr val="404040"/>
+                </a:solidFill>
+                <a:latin typeface="Arial" panose="020B0604020202020204" pitchFamily="34" charset="0"/>
+              </a:rPr>
+              <a:t>Blueprint.root_path</a:t>
+            </a:r>
+            <a:r>
+              <a:rPr lang="ko-KR" altLang="ko-KR" sz="1400" dirty="0">
+                <a:solidFill>
+                  <a:srgbClr val="404040"/>
+                </a:solidFill>
+                <a:latin typeface="Arial" panose="020B0604020202020204" pitchFamily="34" charset="0"/>
+              </a:rPr>
+              <a:t> 속성에 접근할 수 있다:</a:t>
+            </a:r>
+          </a:p>
+        </p:txBody>
+      </p:sp>
+      <p:sp>
+        <p:nvSpPr>
+          <p:cNvPr id="3" name="Rectangle 1">
+            <a:extLst>
+              <a:ext uri="{FF2B5EF4-FFF2-40B4-BE49-F238E27FC236}">
+                <a16:creationId xmlns:a16="http://schemas.microsoft.com/office/drawing/2014/main" id="{53D05D85-305B-4F39-B277-AB8E60136C2E}"/>
+              </a:ext>
+            </a:extLst>
+          </p:cNvPr>
+          <p:cNvSpPr>
+            <a:spLocks noChangeArrowheads="1"/>
+          </p:cNvSpPr>
+          <p:nvPr/>
+        </p:nvSpPr>
+        <p:spPr bwMode="auto">
+          <a:xfrm>
+            <a:off x="0" y="43934"/>
+            <a:ext cx="184731" cy="369332"/>
+          </a:xfrm>
+          <a:prstGeom prst="rect">
+            <a:avLst/>
+          </a:prstGeom>
+          <a:solidFill>
+            <a:srgbClr val="FFFFFF"/>
+          </a:solidFill>
+          <a:ln>
+            <a:noFill/>
+          </a:ln>
+          <a:effectLst/>
+          <a:extLst>
+            <a:ext uri="{91240B29-F687-4F45-9708-019B960494DF}">
+              <a14:hiddenLine xmlns:a14="http://schemas.microsoft.com/office/drawing/2010/main" w="9525">
+                <a:solidFill>
+                  <a:schemeClr val="tx1"/>
+                </a:solidFill>
+                <a:miter lim="800000"/>
+                <a:headEnd/>
+                <a:tailEnd/>
+              </a14:hiddenLine>
+            </a:ext>
+            <a:ext uri="{AF507438-7753-43E0-B8FC-AC1667EBCBE1}">
+              <a14:hiddenEffects xmlns:a14="http://schemas.microsoft.com/office/drawing/2010/main">
+                <a:effectLst>
+                  <a:outerShdw dist="35921" dir="2700000" algn="ctr" rotWithShape="0">
+                    <a:schemeClr val="bg2"/>
+                  </a:outerShdw>
+                </a:effectLst>
+              </a14:hiddenEffects>
+            </a:ext>
+          </a:extLst>
+        </p:spPr>
+        <p:txBody>
+          <a:bodyPr vert="horz" wrap="none" lIns="91440" tIns="45720" rIns="91440" bIns="45720" numCol="1" anchor="ctr" anchorCtr="0" compatLnSpc="1">
+            <a:prstTxWarp prst="textNoShape">
+              <a:avLst/>
+            </a:prstTxWarp>
+            <a:spAutoFit/>
+          </a:bodyPr>
+          <a:lstStyle>
+            <a:lvl1pPr eaLnBrk="0" fontAlgn="base" hangingPunct="0">
+              <a:spcBef>
+                <a:spcPct val="0"/>
+              </a:spcBef>
+              <a:spcAft>
+                <a:spcPct val="0"/>
+              </a:spcAft>
+              <a:defRPr>
+                <a:solidFill>
+                  <a:schemeClr val="tx1"/>
+                </a:solidFill>
+                <a:latin typeface="Arial" panose="020B0604020202020204" pitchFamily="34" charset="0"/>
+              </a:defRPr>
+            </a:lvl1pPr>
+            <a:lvl2pPr eaLnBrk="0" fontAlgn="base" hangingPunct="0">
+              <a:spcBef>
+                <a:spcPct val="0"/>
+              </a:spcBef>
+              <a:spcAft>
+                <a:spcPct val="0"/>
+              </a:spcAft>
+              <a:defRPr>
+                <a:solidFill>
+                  <a:schemeClr val="tx1"/>
+                </a:solidFill>
+                <a:latin typeface="Arial" panose="020B0604020202020204" pitchFamily="34" charset="0"/>
+              </a:defRPr>
+            </a:lvl2pPr>
+            <a:lvl3pPr eaLnBrk="0" fontAlgn="base" hangingPunct="0">
+              <a:spcBef>
+                <a:spcPct val="0"/>
+              </a:spcBef>
+              <a:spcAft>
+                <a:spcPct val="0"/>
+              </a:spcAft>
+              <a:defRPr>
+                <a:solidFill>
+                  <a:schemeClr val="tx1"/>
+                </a:solidFill>
+                <a:latin typeface="Arial" panose="020B0604020202020204" pitchFamily="34" charset="0"/>
+              </a:defRPr>
+            </a:lvl3pPr>
+            <a:lvl4pPr eaLnBrk="0" fontAlgn="base" hangingPunct="0">
+              <a:spcBef>
+                <a:spcPct val="0"/>
+              </a:spcBef>
+              <a:spcAft>
+                <a:spcPct val="0"/>
+              </a:spcAft>
+              <a:defRPr>
+                <a:solidFill>
+                  <a:schemeClr val="tx1"/>
+                </a:solidFill>
+                <a:latin typeface="Arial" panose="020B0604020202020204" pitchFamily="34" charset="0"/>
+              </a:defRPr>
+            </a:lvl4pPr>
+            <a:lvl5pPr eaLnBrk="0" fontAlgn="base" hangingPunct="0">
+              <a:spcBef>
+                <a:spcPct val="0"/>
+              </a:spcBef>
+              <a:spcAft>
+                <a:spcPct val="0"/>
+              </a:spcAft>
+              <a:defRPr>
+                <a:solidFill>
+                  <a:schemeClr val="tx1"/>
+                </a:solidFill>
+                <a:latin typeface="Arial" panose="020B0604020202020204" pitchFamily="34" charset="0"/>
+              </a:defRPr>
+            </a:lvl5pPr>
+            <a:lvl6pPr eaLnBrk="0" fontAlgn="base" hangingPunct="0">
+              <a:spcBef>
+                <a:spcPct val="0"/>
+              </a:spcBef>
+              <a:spcAft>
+                <a:spcPct val="0"/>
+              </a:spcAft>
+              <a:defRPr>
+                <a:solidFill>
+                  <a:schemeClr val="tx1"/>
+                </a:solidFill>
+                <a:latin typeface="Arial" panose="020B0604020202020204" pitchFamily="34" charset="0"/>
+              </a:defRPr>
+            </a:lvl6pPr>
+            <a:lvl7pPr eaLnBrk="0" fontAlgn="base" hangingPunct="0">
+              <a:spcBef>
+                <a:spcPct val="0"/>
+              </a:spcBef>
+              <a:spcAft>
+                <a:spcPct val="0"/>
+              </a:spcAft>
+              <a:defRPr>
+                <a:solidFill>
+                  <a:schemeClr val="tx1"/>
+                </a:solidFill>
+                <a:latin typeface="Arial" panose="020B0604020202020204" pitchFamily="34" charset="0"/>
+              </a:defRPr>
+            </a:lvl7pPr>
+            <a:lvl8pPr eaLnBrk="0" fontAlgn="base" hangingPunct="0">
+              <a:spcBef>
+                <a:spcPct val="0"/>
+              </a:spcBef>
+              <a:spcAft>
+                <a:spcPct val="0"/>
+              </a:spcAft>
+              <a:defRPr>
+                <a:solidFill>
+                  <a:schemeClr val="tx1"/>
+                </a:solidFill>
+                <a:latin typeface="Arial" panose="020B0604020202020204" pitchFamily="34" charset="0"/>
+              </a:defRPr>
+            </a:lvl8pPr>
+            <a:lvl9pPr eaLnBrk="0" fontAlgn="base" hangingPunct="0">
+              <a:spcBef>
+                <a:spcPct val="0"/>
+              </a:spcBef>
+              <a:spcAft>
+                <a:spcPct val="0"/>
+              </a:spcAft>
+              <a:defRPr>
+                <a:solidFill>
+                  <a:schemeClr val="tx1"/>
+                </a:solidFill>
+                <a:latin typeface="Arial" panose="020B0604020202020204" pitchFamily="34" charset="0"/>
+              </a:defRPr>
+            </a:lvl9pPr>
+          </a:lstStyle>
+          <a:p>
+            <a:pPr marL="0" marR="0" lvl="0" indent="0" algn="l" defTabSz="914400" rtl="0" eaLnBrk="0" fontAlgn="base" latinLnBrk="0" hangingPunct="0">
+              <a:lnSpc>
+                <a:spcPct val="100000"/>
+              </a:lnSpc>
+              <a:spcBef>
+                <a:spcPct val="0"/>
+              </a:spcBef>
+              <a:spcAft>
+                <a:spcPct val="0"/>
+              </a:spcAft>
+              <a:buClrTx/>
+              <a:buSzTx/>
+              <a:buFontTx/>
+              <a:buNone/>
+              <a:tabLst/>
+            </a:pPr>
+            <a:endParaRPr kumimoji="0" lang="ko-KR" altLang="ko-KR" sz="1800" b="0" i="0" u="none" strike="noStrike" cap="none" normalizeH="0" baseline="0" dirty="0">
+              <a:ln>
+                <a:noFill/>
+              </a:ln>
+              <a:solidFill>
+                <a:schemeClr val="tx1"/>
+              </a:solidFill>
+              <a:effectLst/>
+              <a:latin typeface="Arial" panose="020B0604020202020204" pitchFamily="34" charset="0"/>
+            </a:endParaRPr>
+          </a:p>
+        </p:txBody>
+      </p:sp>
+      <p:pic>
+        <p:nvPicPr>
+          <p:cNvPr id="14" name="그림 13">
+            <a:extLst>
+              <a:ext uri="{FF2B5EF4-FFF2-40B4-BE49-F238E27FC236}">
+                <a16:creationId xmlns:a16="http://schemas.microsoft.com/office/drawing/2014/main" id="{75BA5905-8130-4FED-95E7-D615217831AD}"/>
+              </a:ext>
+            </a:extLst>
+          </p:cNvPr>
+          <p:cNvPicPr>
+            <a:picLocks noChangeAspect="1"/>
+          </p:cNvPicPr>
+          <p:nvPr/>
+        </p:nvPicPr>
+        <p:blipFill>
+          <a:blip r:embed="rId2"/>
+          <a:stretch>
+            <a:fillRect/>
+          </a:stretch>
+        </p:blipFill>
+        <p:spPr>
+          <a:xfrm>
+            <a:off x="677335" y="4098976"/>
+            <a:ext cx="8596668" cy="684763"/>
+          </a:xfrm>
+          <a:prstGeom prst="rect">
+            <a:avLst/>
+          </a:prstGeom>
+        </p:spPr>
+      </p:pic>
+    </p:spTree>
+    <p:extLst>
+      <p:ext uri="{BB962C8B-B14F-4D97-AF65-F5344CB8AC3E}">
+        <p14:creationId xmlns:p14="http://schemas.microsoft.com/office/powerpoint/2010/main" val="2179863134"/>
+      </p:ext>
+    </p:extLst>
+  </p:cSld>
+  <p:clrMapOvr>
+    <a:masterClrMapping/>
+  </p:clrMapOvr>
+</p:sld>
+</file>
+
+<file path=ppt/slides/slide7.xml><?xml version="1.0" encoding="utf-8"?>
+<p:sld xmlns:a="http://schemas.openxmlformats.org/drawingml/2006/main" xmlns:r="http://schemas.openxmlformats.org/officeDocument/2006/relationships" xmlns:p="http://schemas.openxmlformats.org/presentationml/2006/main">
+  <p:cSld>
+    <p:spTree>
+      <p:nvGrpSpPr>
+        <p:cNvPr id="1" name=""/>
+        <p:cNvGrpSpPr/>
+        <p:nvPr/>
+      </p:nvGrpSpPr>
+      <p:grpSpPr>
+        <a:xfrm>
+          <a:off x="0" y="0"/>
+          <a:ext cx="0" cy="0"/>
+          <a:chOff x="0" y="0"/>
+          <a:chExt cx="0" cy="0"/>
+        </a:xfrm>
+      </p:grpSpPr>
+      <p:sp>
+        <p:nvSpPr>
+          <p:cNvPr id="2" name="제목 1">
+            <a:extLst>
+              <a:ext uri="{FF2B5EF4-FFF2-40B4-BE49-F238E27FC236}">
+                <a16:creationId xmlns:a16="http://schemas.microsoft.com/office/drawing/2014/main" id="{2EC833C6-FAC3-442B-803D-3FB02DF07980}"/>
+              </a:ext>
+            </a:extLst>
+          </p:cNvPr>
+          <p:cNvSpPr>
+            <a:spLocks noGrp="1"/>
+          </p:cNvSpPr>
+          <p:nvPr>
+            <p:ph type="title"/>
+          </p:nvPr>
+        </p:nvSpPr>
+        <p:spPr>
+          <a:xfrm>
+            <a:off x="677334" y="609600"/>
+            <a:ext cx="8596668" cy="517864"/>
+          </a:xfrm>
+        </p:spPr>
+        <p:txBody>
+          <a:bodyPr>
+            <a:normAutofit fontScale="90000"/>
+          </a:bodyPr>
+          <a:lstStyle/>
+          <a:p>
+            <a:r>
+              <a:rPr lang="en-US" altLang="ko-KR" dirty="0"/>
+              <a:t>9. Pagination</a:t>
+            </a:r>
+            <a:endParaRPr lang="ko-KR" altLang="en-US" dirty="0"/>
+          </a:p>
+        </p:txBody>
+      </p:sp>
+      <p:sp>
+        <p:nvSpPr>
+          <p:cNvPr id="6" name="직사각형 5">
+            <a:extLst>
+              <a:ext uri="{FF2B5EF4-FFF2-40B4-BE49-F238E27FC236}">
+                <a16:creationId xmlns:a16="http://schemas.microsoft.com/office/drawing/2014/main" id="{6A60F032-B172-43E0-B147-16329887DE8F}"/>
+              </a:ext>
+            </a:extLst>
+          </p:cNvPr>
+          <p:cNvSpPr/>
+          <p:nvPr/>
+        </p:nvSpPr>
+        <p:spPr>
+          <a:xfrm>
+            <a:off x="677334" y="1894853"/>
+            <a:ext cx="10774860" cy="307777"/>
+          </a:xfrm>
+          <a:prstGeom prst="rect">
+            <a:avLst/>
+          </a:prstGeom>
+        </p:spPr>
+        <p:txBody>
+          <a:bodyPr wrap="square">
+            <a:spAutoFit/>
+          </a:bodyPr>
+          <a:lstStyle/>
+          <a:p>
+            <a:pPr marL="285750" lvl="0" indent="-285750" eaLnBrk="0" fontAlgn="base" latinLnBrk="0" hangingPunct="0">
+              <a:spcBef>
+                <a:spcPct val="0"/>
+              </a:spcBef>
+              <a:spcAft>
+                <a:spcPct val="0"/>
+              </a:spcAft>
+              <a:buFont typeface="Arial" panose="020B0604020202020204" pitchFamily="34" charset="0"/>
+              <a:buChar char="•"/>
+            </a:pPr>
+            <a:r>
+              <a:rPr lang="ko-KR" altLang="en-US" sz="1400" dirty="0">
+                <a:solidFill>
+                  <a:srgbClr val="404040"/>
+                </a:solidFill>
+                <a:latin typeface="Arial" panose="020B0604020202020204" pitchFamily="34" charset="0"/>
+              </a:rPr>
+              <a:t>정적 파일</a:t>
+            </a:r>
+            <a:endParaRPr lang="ko-KR" altLang="ko-KR" sz="1400" dirty="0">
+              <a:solidFill>
+                <a:srgbClr val="404040"/>
+              </a:solidFill>
+              <a:latin typeface="Arial" panose="020B0604020202020204" pitchFamily="34" charset="0"/>
+            </a:endParaRPr>
+          </a:p>
+        </p:txBody>
+      </p:sp>
+      <p:sp>
+        <p:nvSpPr>
+          <p:cNvPr id="7" name="제목 1">
+            <a:extLst>
+              <a:ext uri="{FF2B5EF4-FFF2-40B4-BE49-F238E27FC236}">
+                <a16:creationId xmlns:a16="http://schemas.microsoft.com/office/drawing/2014/main" id="{453FF060-58F0-4366-9AA1-883792CE5955}"/>
+              </a:ext>
+            </a:extLst>
+          </p:cNvPr>
+          <p:cNvSpPr txBox="1">
+            <a:spLocks/>
+          </p:cNvSpPr>
+          <p:nvPr/>
+        </p:nvSpPr>
+        <p:spPr>
+          <a:xfrm>
+            <a:off x="1091421" y="1144214"/>
+            <a:ext cx="7768494" cy="517864"/>
+          </a:xfrm>
+          <a:prstGeom prst="rect">
+            <a:avLst/>
+          </a:prstGeom>
+        </p:spPr>
+        <p:txBody>
+          <a:bodyPr vert="horz" lIns="91440" tIns="45720" rIns="91440" bIns="45720" rtlCol="0" anchor="t">
+            <a:normAutofit fontScale="45000" lnSpcReduction="20000"/>
+          </a:bodyPr>
+          <a:lstStyle>
+            <a:lvl1pPr algn="l" defTabSz="457200" rtl="0" eaLnBrk="1" latinLnBrk="1" hangingPunct="1">
+              <a:spcBef>
+                <a:spcPct val="0"/>
+              </a:spcBef>
+              <a:buNone/>
+              <a:defRPr sz="3600" kern="1200">
+                <a:solidFill>
+                  <a:schemeClr val="accent1"/>
+                </a:solidFill>
+                <a:latin typeface="+mj-lt"/>
+                <a:ea typeface="+mj-ea"/>
+                <a:cs typeface="+mj-cs"/>
+              </a:defRPr>
+            </a:lvl1pPr>
+            <a:lvl2pPr eaLnBrk="1" latinLnBrk="1" hangingPunct="1">
+              <a:defRPr>
+                <a:solidFill>
+                  <a:schemeClr val="tx2"/>
+                </a:solidFill>
+              </a:defRPr>
+            </a:lvl2pPr>
+            <a:lvl3pPr eaLnBrk="1" latinLnBrk="1" hangingPunct="1">
+              <a:defRPr>
+                <a:solidFill>
+                  <a:schemeClr val="tx2"/>
+                </a:solidFill>
+              </a:defRPr>
+            </a:lvl3pPr>
+            <a:lvl4pPr eaLnBrk="1" latinLnBrk="1" hangingPunct="1">
+              <a:defRPr>
+                <a:solidFill>
+                  <a:schemeClr val="tx2"/>
+                </a:solidFill>
+              </a:defRPr>
+            </a:lvl4pPr>
+            <a:lvl5pPr eaLnBrk="1" latinLnBrk="1" hangingPunct="1">
+              <a:defRPr>
+                <a:solidFill>
+                  <a:schemeClr val="tx2"/>
+                </a:solidFill>
+              </a:defRPr>
+            </a:lvl5pPr>
+            <a:lvl6pPr eaLnBrk="1" latinLnBrk="1" hangingPunct="1">
+              <a:defRPr>
+                <a:solidFill>
+                  <a:schemeClr val="tx2"/>
+                </a:solidFill>
+              </a:defRPr>
+            </a:lvl6pPr>
+            <a:lvl7pPr eaLnBrk="1" latinLnBrk="1" hangingPunct="1">
+              <a:defRPr>
+                <a:solidFill>
+                  <a:schemeClr val="tx2"/>
+                </a:solidFill>
+              </a:defRPr>
+            </a:lvl7pPr>
+            <a:lvl8pPr eaLnBrk="1" latinLnBrk="1" hangingPunct="1">
+              <a:defRPr>
+                <a:solidFill>
+                  <a:schemeClr val="tx2"/>
+                </a:solidFill>
+              </a:defRPr>
+            </a:lvl8pPr>
+            <a:lvl9pPr eaLnBrk="1" latinLnBrk="1" hangingPunct="1">
+              <a:defRPr>
+                <a:solidFill>
+                  <a:schemeClr val="tx2"/>
+                </a:solidFill>
+              </a:defRPr>
+            </a:lvl9pPr>
+          </a:lstStyle>
+          <a:p>
+            <a:endParaRPr lang="en-US" altLang="ko-KR" dirty="0"/>
+          </a:p>
+          <a:p>
+            <a:r>
+              <a:rPr lang="en-US" altLang="ko-KR" dirty="0"/>
+              <a:t>Blueprint </a:t>
+            </a:r>
+            <a:r>
+              <a:rPr lang="ko-KR" altLang="en-US" dirty="0"/>
+              <a:t>리소스</a:t>
+            </a:r>
+            <a:endParaRPr lang="en-US" altLang="ko-KR" dirty="0"/>
+          </a:p>
+        </p:txBody>
+      </p:sp>
+      <p:sp>
+        <p:nvSpPr>
+          <p:cNvPr id="4" name="Rectangle 1">
+            <a:extLst>
+              <a:ext uri="{FF2B5EF4-FFF2-40B4-BE49-F238E27FC236}">
+                <a16:creationId xmlns:a16="http://schemas.microsoft.com/office/drawing/2014/main" id="{2E5C360F-E4DE-4330-86B1-C13C80502F25}"/>
+              </a:ext>
+            </a:extLst>
+          </p:cNvPr>
+          <p:cNvSpPr>
+            <a:spLocks noChangeArrowheads="1"/>
+          </p:cNvSpPr>
+          <p:nvPr/>
+        </p:nvSpPr>
+        <p:spPr bwMode="auto">
+          <a:xfrm>
+            <a:off x="0" y="43934"/>
+            <a:ext cx="184731" cy="369332"/>
+          </a:xfrm>
+          <a:prstGeom prst="rect">
+            <a:avLst/>
+          </a:prstGeom>
+          <a:solidFill>
+            <a:srgbClr val="FFFFFF"/>
+          </a:solidFill>
+          <a:ln>
+            <a:noFill/>
+          </a:ln>
+          <a:effectLst/>
+          <a:extLst>
+            <a:ext uri="{91240B29-F687-4F45-9708-019B960494DF}">
+              <a14:hiddenLine xmlns:a14="http://schemas.microsoft.com/office/drawing/2010/main" w="9525">
+                <a:solidFill>
+                  <a:schemeClr val="tx1"/>
+                </a:solidFill>
+                <a:miter lim="800000"/>
+                <a:headEnd/>
+                <a:tailEnd/>
+              </a14:hiddenLine>
+            </a:ext>
+            <a:ext uri="{AF507438-7753-43E0-B8FC-AC1667EBCBE1}">
+              <a14:hiddenEffects xmlns:a14="http://schemas.microsoft.com/office/drawing/2010/main">
+                <a:effectLst>
+                  <a:outerShdw dist="35921" dir="2700000" algn="ctr" rotWithShape="0">
+                    <a:schemeClr val="bg2"/>
+                  </a:outerShdw>
+                </a:effectLst>
+              </a14:hiddenEffects>
+            </a:ext>
+          </a:extLst>
+        </p:spPr>
+        <p:txBody>
+          <a:bodyPr vert="horz" wrap="none" lIns="91440" tIns="45720" rIns="91440" bIns="45720" numCol="1" anchor="ctr" anchorCtr="0" compatLnSpc="1">
+            <a:prstTxWarp prst="textNoShape">
+              <a:avLst/>
+            </a:prstTxWarp>
+            <a:spAutoFit/>
+          </a:bodyPr>
+          <a:lstStyle>
+            <a:lvl1pPr eaLnBrk="0" fontAlgn="base" hangingPunct="0">
+              <a:spcBef>
+                <a:spcPct val="0"/>
+              </a:spcBef>
+              <a:spcAft>
+                <a:spcPct val="0"/>
+              </a:spcAft>
+              <a:defRPr>
+                <a:solidFill>
+                  <a:schemeClr val="tx1"/>
+                </a:solidFill>
+                <a:latin typeface="Arial" panose="020B0604020202020204" pitchFamily="34" charset="0"/>
+              </a:defRPr>
+            </a:lvl1pPr>
+            <a:lvl2pPr eaLnBrk="0" fontAlgn="base" hangingPunct="0">
+              <a:spcBef>
+                <a:spcPct val="0"/>
+              </a:spcBef>
+              <a:spcAft>
+                <a:spcPct val="0"/>
+              </a:spcAft>
+              <a:defRPr>
+                <a:solidFill>
+                  <a:schemeClr val="tx1"/>
+                </a:solidFill>
+                <a:latin typeface="Arial" panose="020B0604020202020204" pitchFamily="34" charset="0"/>
+              </a:defRPr>
+            </a:lvl2pPr>
+            <a:lvl3pPr eaLnBrk="0" fontAlgn="base" hangingPunct="0">
+              <a:spcBef>
+                <a:spcPct val="0"/>
+              </a:spcBef>
+              <a:spcAft>
+                <a:spcPct val="0"/>
+              </a:spcAft>
+              <a:defRPr>
+                <a:solidFill>
+                  <a:schemeClr val="tx1"/>
+                </a:solidFill>
+                <a:latin typeface="Arial" panose="020B0604020202020204" pitchFamily="34" charset="0"/>
+              </a:defRPr>
+            </a:lvl3pPr>
+            <a:lvl4pPr eaLnBrk="0" fontAlgn="base" hangingPunct="0">
+              <a:spcBef>
+                <a:spcPct val="0"/>
+              </a:spcBef>
+              <a:spcAft>
+                <a:spcPct val="0"/>
+              </a:spcAft>
+              <a:defRPr>
+                <a:solidFill>
+                  <a:schemeClr val="tx1"/>
+                </a:solidFill>
+                <a:latin typeface="Arial" panose="020B0604020202020204" pitchFamily="34" charset="0"/>
+              </a:defRPr>
+            </a:lvl4pPr>
+            <a:lvl5pPr eaLnBrk="0" fontAlgn="base" hangingPunct="0">
+              <a:spcBef>
+                <a:spcPct val="0"/>
+              </a:spcBef>
+              <a:spcAft>
+                <a:spcPct val="0"/>
+              </a:spcAft>
+              <a:defRPr>
+                <a:solidFill>
+                  <a:schemeClr val="tx1"/>
+                </a:solidFill>
+                <a:latin typeface="Arial" panose="020B0604020202020204" pitchFamily="34" charset="0"/>
+              </a:defRPr>
+            </a:lvl5pPr>
+            <a:lvl6pPr eaLnBrk="0" fontAlgn="base" hangingPunct="0">
+              <a:spcBef>
+                <a:spcPct val="0"/>
+              </a:spcBef>
+              <a:spcAft>
+                <a:spcPct val="0"/>
+              </a:spcAft>
+              <a:defRPr>
+                <a:solidFill>
+                  <a:schemeClr val="tx1"/>
+                </a:solidFill>
+                <a:latin typeface="Arial" panose="020B0604020202020204" pitchFamily="34" charset="0"/>
+              </a:defRPr>
+            </a:lvl6pPr>
+            <a:lvl7pPr eaLnBrk="0" fontAlgn="base" hangingPunct="0">
+              <a:spcBef>
+                <a:spcPct val="0"/>
+              </a:spcBef>
+              <a:spcAft>
+                <a:spcPct val="0"/>
+              </a:spcAft>
+              <a:defRPr>
+                <a:solidFill>
+                  <a:schemeClr val="tx1"/>
+                </a:solidFill>
+                <a:latin typeface="Arial" panose="020B0604020202020204" pitchFamily="34" charset="0"/>
+              </a:defRPr>
+            </a:lvl7pPr>
+            <a:lvl8pPr eaLnBrk="0" fontAlgn="base" hangingPunct="0">
+              <a:spcBef>
+                <a:spcPct val="0"/>
+              </a:spcBef>
+              <a:spcAft>
+                <a:spcPct val="0"/>
+              </a:spcAft>
+              <a:defRPr>
+                <a:solidFill>
+                  <a:schemeClr val="tx1"/>
+                </a:solidFill>
+                <a:latin typeface="Arial" panose="020B0604020202020204" pitchFamily="34" charset="0"/>
+              </a:defRPr>
+            </a:lvl8pPr>
+            <a:lvl9pPr eaLnBrk="0" fontAlgn="base" hangingPunct="0">
+              <a:spcBef>
+                <a:spcPct val="0"/>
+              </a:spcBef>
+              <a:spcAft>
+                <a:spcPct val="0"/>
+              </a:spcAft>
+              <a:defRPr>
+                <a:solidFill>
+                  <a:schemeClr val="tx1"/>
+                </a:solidFill>
+                <a:latin typeface="Arial" panose="020B0604020202020204" pitchFamily="34" charset="0"/>
+              </a:defRPr>
+            </a:lvl9pPr>
+          </a:lstStyle>
+          <a:p>
+            <a:pPr marL="0" marR="0" lvl="0" indent="0" algn="l" defTabSz="914400" rtl="0" eaLnBrk="0" fontAlgn="base" latinLnBrk="0" hangingPunct="0">
+              <a:lnSpc>
+                <a:spcPct val="100000"/>
+              </a:lnSpc>
+              <a:spcBef>
+                <a:spcPct val="0"/>
+              </a:spcBef>
+              <a:spcAft>
+                <a:spcPct val="0"/>
+              </a:spcAft>
+              <a:buClrTx/>
+              <a:buSzTx/>
+              <a:buFontTx/>
+              <a:buNone/>
+              <a:tabLst/>
+            </a:pPr>
+            <a:endParaRPr kumimoji="0" lang="ko-KR" altLang="ko-KR" sz="1800" b="0" i="0" u="none" strike="noStrike" cap="none" normalizeH="0" baseline="0" dirty="0">
+              <a:ln>
+                <a:noFill/>
+              </a:ln>
+              <a:solidFill>
+                <a:schemeClr val="tx1"/>
+              </a:solidFill>
+              <a:effectLst/>
+              <a:latin typeface="Arial" panose="020B0604020202020204" pitchFamily="34" charset="0"/>
+            </a:endParaRPr>
+          </a:p>
+        </p:txBody>
+      </p:sp>
+      <p:sp>
+        <p:nvSpPr>
+          <p:cNvPr id="10" name="직사각형 9">
+            <a:extLst>
+              <a:ext uri="{FF2B5EF4-FFF2-40B4-BE49-F238E27FC236}">
+                <a16:creationId xmlns:a16="http://schemas.microsoft.com/office/drawing/2014/main" id="{CE613BCA-8EEB-4C10-A502-75E707F8D291}"/>
+              </a:ext>
+            </a:extLst>
+          </p:cNvPr>
+          <p:cNvSpPr/>
+          <p:nvPr/>
+        </p:nvSpPr>
+        <p:spPr>
+          <a:xfrm>
+            <a:off x="677334" y="2429467"/>
+            <a:ext cx="10774860" cy="738664"/>
+          </a:xfrm>
+          <a:prstGeom prst="rect">
+            <a:avLst/>
+          </a:prstGeom>
+        </p:spPr>
+        <p:txBody>
+          <a:bodyPr wrap="square">
+            <a:spAutoFit/>
+          </a:bodyPr>
+          <a:lstStyle/>
+          <a:p>
+            <a:pPr marL="285750" lvl="0" indent="-285750" eaLnBrk="0" fontAlgn="base" latinLnBrk="0" hangingPunct="0">
+              <a:spcBef>
+                <a:spcPct val="0"/>
+              </a:spcBef>
+              <a:spcAft>
+                <a:spcPct val="0"/>
+              </a:spcAft>
+              <a:buFont typeface="Wingdings" panose="05000000000000000000" pitchFamily="2" charset="2"/>
+              <a:buChar char="ü"/>
+            </a:pPr>
+            <a:r>
+              <a:rPr lang="ko-KR" altLang="en-US" sz="1400" dirty="0" err="1">
+                <a:solidFill>
+                  <a:srgbClr val="404040"/>
+                </a:solidFill>
+                <a:latin typeface="Arial" panose="020B0604020202020204" pitchFamily="34" charset="0"/>
+              </a:rPr>
+              <a:t>블루프린트는</a:t>
+            </a:r>
+            <a:r>
+              <a:rPr lang="ko-KR" altLang="en-US" sz="1400" dirty="0">
+                <a:solidFill>
+                  <a:srgbClr val="404040"/>
+                </a:solidFill>
+                <a:latin typeface="Arial" panose="020B0604020202020204" pitchFamily="34" charset="0"/>
+              </a:rPr>
+              <a:t> </a:t>
+            </a:r>
+            <a:r>
+              <a:rPr lang="en-US" altLang="ko-KR" sz="1400" dirty="0" err="1">
+                <a:solidFill>
+                  <a:srgbClr val="404040"/>
+                </a:solidFill>
+                <a:latin typeface="Arial" panose="020B0604020202020204" pitchFamily="34" charset="0"/>
+              </a:rPr>
+              <a:t>static_folder</a:t>
+            </a:r>
+            <a:r>
+              <a:rPr lang="ko-KR" altLang="en-US" sz="1400" dirty="0">
+                <a:solidFill>
+                  <a:srgbClr val="404040"/>
+                </a:solidFill>
+                <a:latin typeface="Arial" panose="020B0604020202020204" pitchFamily="34" charset="0"/>
+              </a:rPr>
+              <a:t> 키워드 인자를 통해서 파일시스템에 있는 폴더에 경로를 제공하여 정적 파일을 가진 폴더를 노출할 수 있다</a:t>
+            </a:r>
+            <a:r>
+              <a:rPr lang="en-US" altLang="ko-KR" sz="1400" dirty="0">
+                <a:solidFill>
+                  <a:srgbClr val="404040"/>
+                </a:solidFill>
+                <a:latin typeface="Arial" panose="020B0604020202020204" pitchFamily="34" charset="0"/>
+              </a:rPr>
+              <a:t>. </a:t>
+            </a:r>
+          </a:p>
+          <a:p>
+            <a:pPr marL="285750" lvl="0" indent="-285750" eaLnBrk="0" fontAlgn="base" latinLnBrk="0" hangingPunct="0">
+              <a:spcBef>
+                <a:spcPct val="0"/>
+              </a:spcBef>
+              <a:spcAft>
+                <a:spcPct val="0"/>
+              </a:spcAft>
+              <a:buFont typeface="Wingdings" panose="05000000000000000000" pitchFamily="2" charset="2"/>
+              <a:buChar char="ü"/>
+            </a:pPr>
+            <a:r>
+              <a:rPr lang="ko-KR" altLang="en-US" sz="1400" dirty="0">
+                <a:solidFill>
+                  <a:srgbClr val="404040"/>
+                </a:solidFill>
+                <a:latin typeface="Arial" panose="020B0604020202020204" pitchFamily="34" charset="0"/>
+              </a:rPr>
+              <a:t>그것은 절대 경로이거나 </a:t>
+            </a:r>
+            <a:r>
+              <a:rPr lang="ko-KR" altLang="en-US" sz="1400" dirty="0" err="1">
+                <a:solidFill>
+                  <a:srgbClr val="404040"/>
+                </a:solidFill>
+                <a:latin typeface="Arial" panose="020B0604020202020204" pitchFamily="34" charset="0"/>
+              </a:rPr>
+              <a:t>블루프린트</a:t>
+            </a:r>
+            <a:r>
+              <a:rPr lang="ko-KR" altLang="en-US" sz="1400" dirty="0">
+                <a:solidFill>
+                  <a:srgbClr val="404040"/>
+                </a:solidFill>
+                <a:latin typeface="Arial" panose="020B0604020202020204" pitchFamily="34" charset="0"/>
+              </a:rPr>
+              <a:t> 폴더에 대해 상대 경로일 수 있다</a:t>
+            </a:r>
+            <a:r>
+              <a:rPr lang="en-US" altLang="ko-KR" sz="1400" dirty="0">
+                <a:solidFill>
+                  <a:srgbClr val="404040"/>
+                </a:solidFill>
+                <a:latin typeface="Arial" panose="020B0604020202020204" pitchFamily="34" charset="0"/>
+              </a:rPr>
+              <a:t>:</a:t>
+            </a:r>
+            <a:endParaRPr lang="ko-KR" altLang="ko-KR" sz="1400" dirty="0">
+              <a:solidFill>
+                <a:srgbClr val="404040"/>
+              </a:solidFill>
+              <a:latin typeface="Arial" panose="020B0604020202020204" pitchFamily="34" charset="0"/>
+            </a:endParaRPr>
+          </a:p>
+        </p:txBody>
+      </p:sp>
+      <p:sp>
+        <p:nvSpPr>
+          <p:cNvPr id="3" name="Rectangle 1">
+            <a:extLst>
+              <a:ext uri="{FF2B5EF4-FFF2-40B4-BE49-F238E27FC236}">
+                <a16:creationId xmlns:a16="http://schemas.microsoft.com/office/drawing/2014/main" id="{53D05D85-305B-4F39-B277-AB8E60136C2E}"/>
+              </a:ext>
+            </a:extLst>
+          </p:cNvPr>
+          <p:cNvSpPr>
+            <a:spLocks noChangeArrowheads="1"/>
+          </p:cNvSpPr>
+          <p:nvPr/>
+        </p:nvSpPr>
+        <p:spPr bwMode="auto">
+          <a:xfrm>
+            <a:off x="0" y="43934"/>
+            <a:ext cx="184731" cy="369332"/>
+          </a:xfrm>
+          <a:prstGeom prst="rect">
+            <a:avLst/>
+          </a:prstGeom>
+          <a:solidFill>
+            <a:srgbClr val="FFFFFF"/>
+          </a:solidFill>
+          <a:ln>
+            <a:noFill/>
+          </a:ln>
+          <a:effectLst/>
+          <a:extLst>
+            <a:ext uri="{91240B29-F687-4F45-9708-019B960494DF}">
+              <a14:hiddenLine xmlns:a14="http://schemas.microsoft.com/office/drawing/2010/main" w="9525">
+                <a:solidFill>
+                  <a:schemeClr val="tx1"/>
+                </a:solidFill>
+                <a:miter lim="800000"/>
+                <a:headEnd/>
+                <a:tailEnd/>
+              </a14:hiddenLine>
+            </a:ext>
+            <a:ext uri="{AF507438-7753-43E0-B8FC-AC1667EBCBE1}">
+              <a14:hiddenEffects xmlns:a14="http://schemas.microsoft.com/office/drawing/2010/main">
+                <a:effectLst>
+                  <a:outerShdw dist="35921" dir="2700000" algn="ctr" rotWithShape="0">
+                    <a:schemeClr val="bg2"/>
+                  </a:outerShdw>
+                </a:effectLst>
+              </a14:hiddenEffects>
+            </a:ext>
+          </a:extLst>
+        </p:spPr>
+        <p:txBody>
+          <a:bodyPr vert="horz" wrap="none" lIns="91440" tIns="45720" rIns="91440" bIns="45720" numCol="1" anchor="ctr" anchorCtr="0" compatLnSpc="1">
+            <a:prstTxWarp prst="textNoShape">
+              <a:avLst/>
+            </a:prstTxWarp>
+            <a:spAutoFit/>
+          </a:bodyPr>
+          <a:lstStyle>
+            <a:lvl1pPr eaLnBrk="0" fontAlgn="base" hangingPunct="0">
+              <a:spcBef>
+                <a:spcPct val="0"/>
+              </a:spcBef>
+              <a:spcAft>
+                <a:spcPct val="0"/>
+              </a:spcAft>
+              <a:defRPr>
+                <a:solidFill>
+                  <a:schemeClr val="tx1"/>
+                </a:solidFill>
+                <a:latin typeface="Arial" panose="020B0604020202020204" pitchFamily="34" charset="0"/>
+              </a:defRPr>
+            </a:lvl1pPr>
+            <a:lvl2pPr eaLnBrk="0" fontAlgn="base" hangingPunct="0">
+              <a:spcBef>
+                <a:spcPct val="0"/>
+              </a:spcBef>
+              <a:spcAft>
+                <a:spcPct val="0"/>
+              </a:spcAft>
+              <a:defRPr>
+                <a:solidFill>
+                  <a:schemeClr val="tx1"/>
+                </a:solidFill>
+                <a:latin typeface="Arial" panose="020B0604020202020204" pitchFamily="34" charset="0"/>
+              </a:defRPr>
+            </a:lvl2pPr>
+            <a:lvl3pPr eaLnBrk="0" fontAlgn="base" hangingPunct="0">
+              <a:spcBef>
+                <a:spcPct val="0"/>
+              </a:spcBef>
+              <a:spcAft>
+                <a:spcPct val="0"/>
+              </a:spcAft>
+              <a:defRPr>
+                <a:solidFill>
+                  <a:schemeClr val="tx1"/>
+                </a:solidFill>
+                <a:latin typeface="Arial" panose="020B0604020202020204" pitchFamily="34" charset="0"/>
+              </a:defRPr>
+            </a:lvl3pPr>
+            <a:lvl4pPr eaLnBrk="0" fontAlgn="base" hangingPunct="0">
+              <a:spcBef>
+                <a:spcPct val="0"/>
+              </a:spcBef>
+              <a:spcAft>
+                <a:spcPct val="0"/>
+              </a:spcAft>
+              <a:defRPr>
+                <a:solidFill>
+                  <a:schemeClr val="tx1"/>
+                </a:solidFill>
+                <a:latin typeface="Arial" panose="020B0604020202020204" pitchFamily="34" charset="0"/>
+              </a:defRPr>
+            </a:lvl4pPr>
+            <a:lvl5pPr eaLnBrk="0" fontAlgn="base" hangingPunct="0">
+              <a:spcBef>
+                <a:spcPct val="0"/>
+              </a:spcBef>
+              <a:spcAft>
+                <a:spcPct val="0"/>
+              </a:spcAft>
+              <a:defRPr>
+                <a:solidFill>
+                  <a:schemeClr val="tx1"/>
+                </a:solidFill>
+                <a:latin typeface="Arial" panose="020B0604020202020204" pitchFamily="34" charset="0"/>
+              </a:defRPr>
+            </a:lvl5pPr>
+            <a:lvl6pPr eaLnBrk="0" fontAlgn="base" hangingPunct="0">
+              <a:spcBef>
+                <a:spcPct val="0"/>
+              </a:spcBef>
+              <a:spcAft>
+                <a:spcPct val="0"/>
+              </a:spcAft>
+              <a:defRPr>
+                <a:solidFill>
+                  <a:schemeClr val="tx1"/>
+                </a:solidFill>
+                <a:latin typeface="Arial" panose="020B0604020202020204" pitchFamily="34" charset="0"/>
+              </a:defRPr>
+            </a:lvl6pPr>
+            <a:lvl7pPr eaLnBrk="0" fontAlgn="base" hangingPunct="0">
+              <a:spcBef>
+                <a:spcPct val="0"/>
+              </a:spcBef>
+              <a:spcAft>
+                <a:spcPct val="0"/>
+              </a:spcAft>
+              <a:defRPr>
+                <a:solidFill>
+                  <a:schemeClr val="tx1"/>
+                </a:solidFill>
+                <a:latin typeface="Arial" panose="020B0604020202020204" pitchFamily="34" charset="0"/>
+              </a:defRPr>
+            </a:lvl7pPr>
+            <a:lvl8pPr eaLnBrk="0" fontAlgn="base" hangingPunct="0">
+              <a:spcBef>
+                <a:spcPct val="0"/>
+              </a:spcBef>
+              <a:spcAft>
+                <a:spcPct val="0"/>
+              </a:spcAft>
+              <a:defRPr>
+                <a:solidFill>
+                  <a:schemeClr val="tx1"/>
+                </a:solidFill>
+                <a:latin typeface="Arial" panose="020B0604020202020204" pitchFamily="34" charset="0"/>
+              </a:defRPr>
+            </a:lvl8pPr>
+            <a:lvl9pPr eaLnBrk="0" fontAlgn="base" hangingPunct="0">
+              <a:spcBef>
+                <a:spcPct val="0"/>
+              </a:spcBef>
+              <a:spcAft>
+                <a:spcPct val="0"/>
+              </a:spcAft>
+              <a:defRPr>
+                <a:solidFill>
+                  <a:schemeClr val="tx1"/>
+                </a:solidFill>
+                <a:latin typeface="Arial" panose="020B0604020202020204" pitchFamily="34" charset="0"/>
+              </a:defRPr>
+            </a:lvl9pPr>
+          </a:lstStyle>
+          <a:p>
+            <a:pPr marL="0" marR="0" lvl="0" indent="0" algn="l" defTabSz="914400" rtl="0" eaLnBrk="0" fontAlgn="base" latinLnBrk="0" hangingPunct="0">
+              <a:lnSpc>
+                <a:spcPct val="100000"/>
+              </a:lnSpc>
+              <a:spcBef>
+                <a:spcPct val="0"/>
+              </a:spcBef>
+              <a:spcAft>
+                <a:spcPct val="0"/>
+              </a:spcAft>
+              <a:buClrTx/>
+              <a:buSzTx/>
+              <a:buFontTx/>
+              <a:buNone/>
+              <a:tabLst/>
+            </a:pPr>
+            <a:endParaRPr kumimoji="0" lang="ko-KR" altLang="ko-KR" sz="1800" b="0" i="0" u="none" strike="noStrike" cap="none" normalizeH="0" baseline="0" dirty="0">
+              <a:ln>
+                <a:noFill/>
+              </a:ln>
+              <a:solidFill>
+                <a:schemeClr val="tx1"/>
+              </a:solidFill>
+              <a:effectLst/>
+              <a:latin typeface="Arial" panose="020B0604020202020204" pitchFamily="34" charset="0"/>
+            </a:endParaRPr>
+          </a:p>
+        </p:txBody>
+      </p:sp>
+      <p:pic>
+        <p:nvPicPr>
+          <p:cNvPr id="5" name="그림 4">
+            <a:extLst>
+              <a:ext uri="{FF2B5EF4-FFF2-40B4-BE49-F238E27FC236}">
+                <a16:creationId xmlns:a16="http://schemas.microsoft.com/office/drawing/2014/main" id="{78D7154B-B45A-4EC4-8B2D-F9C730673A95}"/>
+              </a:ext>
+            </a:extLst>
+          </p:cNvPr>
+          <p:cNvPicPr>
+            <a:picLocks noChangeAspect="1"/>
+          </p:cNvPicPr>
+          <p:nvPr/>
+        </p:nvPicPr>
+        <p:blipFill>
+          <a:blip r:embed="rId2"/>
+          <a:stretch>
+            <a:fillRect/>
+          </a:stretch>
+        </p:blipFill>
+        <p:spPr>
+          <a:xfrm>
+            <a:off x="677334" y="3352527"/>
+            <a:ext cx="8596668" cy="483511"/>
+          </a:xfrm>
+          <a:prstGeom prst="rect">
+            <a:avLst/>
+          </a:prstGeom>
+        </p:spPr>
+      </p:pic>
+      <p:sp>
+        <p:nvSpPr>
+          <p:cNvPr id="11" name="직사각형 10">
+            <a:extLst>
+              <a:ext uri="{FF2B5EF4-FFF2-40B4-BE49-F238E27FC236}">
+                <a16:creationId xmlns:a16="http://schemas.microsoft.com/office/drawing/2014/main" id="{6DB319FE-0064-4F2A-8D87-7F84693B8AD5}"/>
+              </a:ext>
+            </a:extLst>
+          </p:cNvPr>
+          <p:cNvSpPr/>
+          <p:nvPr/>
+        </p:nvSpPr>
+        <p:spPr>
+          <a:xfrm>
+            <a:off x="677334" y="4020434"/>
+            <a:ext cx="10774860" cy="738664"/>
+          </a:xfrm>
+          <a:prstGeom prst="rect">
+            <a:avLst/>
+          </a:prstGeom>
+        </p:spPr>
+        <p:txBody>
+          <a:bodyPr wrap="square">
+            <a:spAutoFit/>
+          </a:bodyPr>
+          <a:lstStyle/>
+          <a:p>
+            <a:pPr marL="285750" lvl="0" indent="-285750" eaLnBrk="0" fontAlgn="base" latinLnBrk="0" hangingPunct="0">
+              <a:spcBef>
+                <a:spcPct val="0"/>
+              </a:spcBef>
+              <a:spcAft>
+                <a:spcPct val="0"/>
+              </a:spcAft>
+              <a:buFont typeface="Wingdings" panose="05000000000000000000" pitchFamily="2" charset="2"/>
+              <a:buChar char="ü"/>
+            </a:pPr>
+            <a:r>
+              <a:rPr lang="ko-KR" altLang="ko-KR" sz="1400" dirty="0">
+                <a:solidFill>
+                  <a:srgbClr val="404040"/>
+                </a:solidFill>
+                <a:latin typeface="Arial" panose="020B0604020202020204" pitchFamily="34" charset="0"/>
+              </a:rPr>
+              <a:t>기본값으로 경로의 가장 오른쪽 부분이 웹에 노출되는 곳이다. </a:t>
+            </a:r>
+            <a:endParaRPr lang="en-US" altLang="ko-KR" sz="1400" dirty="0">
+              <a:solidFill>
+                <a:srgbClr val="404040"/>
+              </a:solidFill>
+              <a:latin typeface="Arial" panose="020B0604020202020204" pitchFamily="34" charset="0"/>
+            </a:endParaRPr>
+          </a:p>
+          <a:p>
+            <a:pPr marL="285750" lvl="0" indent="-285750" eaLnBrk="0" fontAlgn="base" latinLnBrk="0" hangingPunct="0">
+              <a:spcBef>
+                <a:spcPct val="0"/>
+              </a:spcBef>
+              <a:spcAft>
+                <a:spcPct val="0"/>
+              </a:spcAft>
+              <a:buFont typeface="Wingdings" panose="05000000000000000000" pitchFamily="2" charset="2"/>
+              <a:buChar char="ü"/>
+            </a:pPr>
+            <a:r>
+              <a:rPr lang="ko-KR" altLang="ko-KR" sz="1400" dirty="0">
+                <a:solidFill>
+                  <a:srgbClr val="404040"/>
+                </a:solidFill>
+                <a:latin typeface="Arial" panose="020B0604020202020204" pitchFamily="34" charset="0"/>
+              </a:rPr>
+              <a:t>폴더는 여기서 </a:t>
+            </a:r>
+            <a:r>
+              <a:rPr lang="ko-KR" altLang="ko-KR" sz="1400" dirty="0" err="1">
+                <a:solidFill>
+                  <a:srgbClr val="404040"/>
+                </a:solidFill>
+                <a:latin typeface="Arial" panose="020B0604020202020204" pitchFamily="34" charset="0"/>
+              </a:rPr>
+              <a:t>static</a:t>
+            </a:r>
+            <a:r>
+              <a:rPr lang="ko-KR" altLang="ko-KR" sz="1400" dirty="0">
+                <a:solidFill>
+                  <a:srgbClr val="404040"/>
+                </a:solidFill>
+                <a:latin typeface="Arial" panose="020B0604020202020204" pitchFamily="34" charset="0"/>
+              </a:rPr>
+              <a:t> 이라고 불리기 때문에 </a:t>
+            </a:r>
+            <a:r>
+              <a:rPr lang="ko-KR" altLang="ko-KR" sz="1400" dirty="0" err="1">
+                <a:solidFill>
+                  <a:srgbClr val="404040"/>
+                </a:solidFill>
+                <a:latin typeface="Arial" panose="020B0604020202020204" pitchFamily="34" charset="0"/>
+              </a:rPr>
+              <a:t>블루프린트</a:t>
+            </a:r>
+            <a:r>
+              <a:rPr lang="ko-KR" altLang="ko-KR" sz="1400" dirty="0">
+                <a:solidFill>
+                  <a:srgbClr val="404040"/>
+                </a:solidFill>
+                <a:latin typeface="Arial" panose="020B0604020202020204" pitchFamily="34" charset="0"/>
+              </a:rPr>
+              <a:t> 위치 + </a:t>
+            </a:r>
+            <a:r>
+              <a:rPr lang="ko-KR" altLang="ko-KR" sz="1400" dirty="0" err="1">
+                <a:solidFill>
+                  <a:srgbClr val="404040"/>
+                </a:solidFill>
+                <a:latin typeface="Arial" panose="020B0604020202020204" pitchFamily="34" charset="0"/>
+              </a:rPr>
+              <a:t>static</a:t>
+            </a:r>
+            <a:r>
+              <a:rPr lang="ko-KR" altLang="ko-KR" sz="1400" dirty="0">
+                <a:solidFill>
+                  <a:srgbClr val="404040"/>
+                </a:solidFill>
+                <a:latin typeface="Arial" panose="020B0604020202020204" pitchFamily="34" charset="0"/>
+              </a:rPr>
+              <a:t> </a:t>
+            </a:r>
+            <a:r>
+              <a:rPr lang="ko-KR" altLang="ko-KR" sz="1400" dirty="0" err="1">
+                <a:solidFill>
+                  <a:srgbClr val="404040"/>
+                </a:solidFill>
+                <a:latin typeface="Arial" panose="020B0604020202020204" pitchFamily="34" charset="0"/>
+              </a:rPr>
+              <a:t>으로</a:t>
+            </a:r>
+            <a:r>
+              <a:rPr lang="ko-KR" altLang="ko-KR" sz="1400" dirty="0">
+                <a:solidFill>
+                  <a:srgbClr val="404040"/>
+                </a:solidFill>
+                <a:latin typeface="Arial" panose="020B0604020202020204" pitchFamily="34" charset="0"/>
+              </a:rPr>
+              <a:t> 될 것이다. </a:t>
+            </a:r>
+            <a:endParaRPr lang="en-US" altLang="ko-KR" sz="1400" dirty="0">
+              <a:solidFill>
+                <a:srgbClr val="404040"/>
+              </a:solidFill>
+              <a:latin typeface="Arial" panose="020B0604020202020204" pitchFamily="34" charset="0"/>
+            </a:endParaRPr>
+          </a:p>
+          <a:p>
+            <a:pPr marL="285750" lvl="0" indent="-285750" eaLnBrk="0" fontAlgn="base" latinLnBrk="0" hangingPunct="0">
+              <a:spcBef>
+                <a:spcPct val="0"/>
+              </a:spcBef>
+              <a:spcAft>
+                <a:spcPct val="0"/>
+              </a:spcAft>
+              <a:buFont typeface="Wingdings" panose="05000000000000000000" pitchFamily="2" charset="2"/>
+              <a:buChar char="ü"/>
+            </a:pPr>
+            <a:r>
+              <a:rPr lang="ko-KR" altLang="ko-KR" sz="1400" dirty="0" err="1">
+                <a:solidFill>
+                  <a:srgbClr val="404040"/>
+                </a:solidFill>
+                <a:latin typeface="Arial" panose="020B0604020202020204" pitchFamily="34" charset="0"/>
+              </a:rPr>
+              <a:t>블루프린트이</a:t>
+            </a:r>
+            <a:r>
+              <a:rPr lang="ko-KR" altLang="ko-KR" sz="1400" dirty="0">
+                <a:solidFill>
+                  <a:srgbClr val="404040"/>
+                </a:solidFill>
+                <a:latin typeface="Arial" panose="020B0604020202020204" pitchFamily="34" charset="0"/>
+              </a:rPr>
+              <a:t> /</a:t>
+            </a:r>
+            <a:r>
+              <a:rPr lang="ko-KR" altLang="ko-KR" sz="1400" dirty="0" err="1">
+                <a:solidFill>
+                  <a:srgbClr val="404040"/>
+                </a:solidFill>
+                <a:latin typeface="Arial" panose="020B0604020202020204" pitchFamily="34" charset="0"/>
+              </a:rPr>
+              <a:t>admin</a:t>
+            </a:r>
+            <a:r>
+              <a:rPr lang="ko-KR" altLang="ko-KR" sz="1400" dirty="0">
+                <a:solidFill>
+                  <a:srgbClr val="404040"/>
+                </a:solidFill>
+                <a:latin typeface="Arial" panose="020B0604020202020204" pitchFamily="34" charset="0"/>
+              </a:rPr>
+              <a:t> </a:t>
+            </a:r>
+            <a:r>
+              <a:rPr lang="ko-KR" altLang="ko-KR" sz="1400" dirty="0" err="1">
+                <a:solidFill>
+                  <a:srgbClr val="404040"/>
+                </a:solidFill>
+                <a:latin typeface="Arial" panose="020B0604020202020204" pitchFamily="34" charset="0"/>
+              </a:rPr>
+              <a:t>으로</a:t>
+            </a:r>
+            <a:r>
+              <a:rPr lang="ko-KR" altLang="ko-KR" sz="1400" dirty="0">
+                <a:solidFill>
+                  <a:srgbClr val="404040"/>
+                </a:solidFill>
+                <a:latin typeface="Arial" panose="020B0604020202020204" pitchFamily="34" charset="0"/>
+              </a:rPr>
+              <a:t> </a:t>
+            </a:r>
+            <a:r>
+              <a:rPr lang="ko-KR" altLang="ko-KR" sz="1400" dirty="0" err="1">
+                <a:solidFill>
+                  <a:srgbClr val="404040"/>
+                </a:solidFill>
+                <a:latin typeface="Arial" panose="020B0604020202020204" pitchFamily="34" charset="0"/>
+              </a:rPr>
+              <a:t>등록되있다고</a:t>
+            </a:r>
+            <a:r>
+              <a:rPr lang="ko-KR" altLang="ko-KR" sz="1400" dirty="0">
+                <a:solidFill>
+                  <a:srgbClr val="404040"/>
+                </a:solidFill>
+                <a:latin typeface="Arial" panose="020B0604020202020204" pitchFamily="34" charset="0"/>
+              </a:rPr>
+              <a:t> 하면 정적 폴더는 /</a:t>
+            </a:r>
+            <a:r>
+              <a:rPr lang="ko-KR" altLang="ko-KR" sz="1400" dirty="0" err="1">
+                <a:solidFill>
+                  <a:srgbClr val="404040"/>
+                </a:solidFill>
+                <a:latin typeface="Arial" panose="020B0604020202020204" pitchFamily="34" charset="0"/>
+              </a:rPr>
+              <a:t>admin</a:t>
+            </a:r>
+            <a:r>
+              <a:rPr lang="ko-KR" altLang="ko-KR" sz="1400" dirty="0">
+                <a:solidFill>
+                  <a:srgbClr val="404040"/>
+                </a:solidFill>
+                <a:latin typeface="Arial" panose="020B0604020202020204" pitchFamily="34" charset="0"/>
+              </a:rPr>
+              <a:t>/</a:t>
+            </a:r>
+            <a:r>
+              <a:rPr lang="ko-KR" altLang="ko-KR" sz="1400" dirty="0" err="1">
+                <a:solidFill>
+                  <a:srgbClr val="404040"/>
+                </a:solidFill>
+                <a:latin typeface="Arial" panose="020B0604020202020204" pitchFamily="34" charset="0"/>
+              </a:rPr>
+              <a:t>static</a:t>
+            </a:r>
+            <a:r>
+              <a:rPr lang="ko-KR" altLang="ko-KR" sz="1400" dirty="0">
+                <a:solidFill>
+                  <a:srgbClr val="404040"/>
+                </a:solidFill>
+                <a:latin typeface="Arial" panose="020B0604020202020204" pitchFamily="34" charset="0"/>
+              </a:rPr>
+              <a:t> </a:t>
+            </a:r>
+            <a:r>
+              <a:rPr lang="ko-KR" altLang="ko-KR" sz="1400" dirty="0" err="1">
+                <a:solidFill>
+                  <a:srgbClr val="404040"/>
+                </a:solidFill>
+                <a:latin typeface="Arial" panose="020B0604020202020204" pitchFamily="34" charset="0"/>
+              </a:rPr>
+              <a:t>으로</a:t>
+            </a:r>
+            <a:r>
+              <a:rPr lang="ko-KR" altLang="ko-KR" sz="1400" dirty="0">
+                <a:solidFill>
+                  <a:srgbClr val="404040"/>
+                </a:solidFill>
+                <a:latin typeface="Arial" panose="020B0604020202020204" pitchFamily="34" charset="0"/>
+              </a:rPr>
+              <a:t> 될 것이다. </a:t>
+            </a:r>
+          </a:p>
+        </p:txBody>
+      </p:sp>
+      <p:sp>
+        <p:nvSpPr>
+          <p:cNvPr id="8" name="Rectangle 1">
+            <a:extLst>
+              <a:ext uri="{FF2B5EF4-FFF2-40B4-BE49-F238E27FC236}">
+                <a16:creationId xmlns:a16="http://schemas.microsoft.com/office/drawing/2014/main" id="{5A6BE8A8-E18A-446D-9429-29A69832AACA}"/>
+              </a:ext>
+            </a:extLst>
+          </p:cNvPr>
+          <p:cNvSpPr>
+            <a:spLocks noChangeArrowheads="1"/>
+          </p:cNvSpPr>
+          <p:nvPr/>
+        </p:nvSpPr>
+        <p:spPr bwMode="auto">
+          <a:xfrm>
+            <a:off x="0" y="-184666"/>
+            <a:ext cx="184731" cy="369332"/>
+          </a:xfrm>
+          <a:prstGeom prst="rect">
+            <a:avLst/>
+          </a:prstGeom>
+          <a:solidFill>
+            <a:srgbClr val="FFFFFF"/>
+          </a:solidFill>
+          <a:ln>
+            <a:noFill/>
+          </a:ln>
+          <a:effectLst/>
+          <a:extLst>
+            <a:ext uri="{91240B29-F687-4F45-9708-019B960494DF}">
+              <a14:hiddenLine xmlns:a14="http://schemas.microsoft.com/office/drawing/2010/main" w="9525">
+                <a:solidFill>
+                  <a:schemeClr val="tx1"/>
+                </a:solidFill>
+                <a:miter lim="800000"/>
+                <a:headEnd/>
+                <a:tailEnd/>
+              </a14:hiddenLine>
+            </a:ext>
+            <a:ext uri="{AF507438-7753-43E0-B8FC-AC1667EBCBE1}">
+              <a14:hiddenEffects xmlns:a14="http://schemas.microsoft.com/office/drawing/2010/main">
+                <a:effectLst>
+                  <a:outerShdw dist="35921" dir="2700000" algn="ctr" rotWithShape="0">
+                    <a:schemeClr val="bg2"/>
+                  </a:outerShdw>
+                </a:effectLst>
+              </a14:hiddenEffects>
+            </a:ext>
+          </a:extLst>
+        </p:spPr>
+        <p:txBody>
+          <a:bodyPr vert="horz" wrap="none" lIns="91440" tIns="45720" rIns="91440" bIns="45720" numCol="1" anchor="ctr" anchorCtr="0" compatLnSpc="1">
+            <a:prstTxWarp prst="textNoShape">
+              <a:avLst/>
+            </a:prstTxWarp>
+            <a:spAutoFit/>
+          </a:bodyPr>
+          <a:lstStyle>
+            <a:lvl1pPr eaLnBrk="0" fontAlgn="base" hangingPunct="0">
+              <a:spcBef>
+                <a:spcPct val="0"/>
+              </a:spcBef>
+              <a:spcAft>
+                <a:spcPct val="0"/>
+              </a:spcAft>
+              <a:defRPr>
+                <a:solidFill>
+                  <a:schemeClr val="tx1"/>
+                </a:solidFill>
+                <a:latin typeface="Arial" panose="020B0604020202020204" pitchFamily="34" charset="0"/>
+              </a:defRPr>
+            </a:lvl1pPr>
+            <a:lvl2pPr eaLnBrk="0" fontAlgn="base" hangingPunct="0">
+              <a:spcBef>
+                <a:spcPct val="0"/>
+              </a:spcBef>
+              <a:spcAft>
+                <a:spcPct val="0"/>
+              </a:spcAft>
+              <a:defRPr>
+                <a:solidFill>
+                  <a:schemeClr val="tx1"/>
+                </a:solidFill>
+                <a:latin typeface="Arial" panose="020B0604020202020204" pitchFamily="34" charset="0"/>
+              </a:defRPr>
+            </a:lvl2pPr>
+            <a:lvl3pPr eaLnBrk="0" fontAlgn="base" hangingPunct="0">
+              <a:spcBef>
+                <a:spcPct val="0"/>
+              </a:spcBef>
+              <a:spcAft>
+                <a:spcPct val="0"/>
+              </a:spcAft>
+              <a:defRPr>
+                <a:solidFill>
+                  <a:schemeClr val="tx1"/>
+                </a:solidFill>
+                <a:latin typeface="Arial" panose="020B0604020202020204" pitchFamily="34" charset="0"/>
+              </a:defRPr>
+            </a:lvl3pPr>
+            <a:lvl4pPr eaLnBrk="0" fontAlgn="base" hangingPunct="0">
+              <a:spcBef>
+                <a:spcPct val="0"/>
+              </a:spcBef>
+              <a:spcAft>
+                <a:spcPct val="0"/>
+              </a:spcAft>
+              <a:defRPr>
+                <a:solidFill>
+                  <a:schemeClr val="tx1"/>
+                </a:solidFill>
+                <a:latin typeface="Arial" panose="020B0604020202020204" pitchFamily="34" charset="0"/>
+              </a:defRPr>
+            </a:lvl4pPr>
+            <a:lvl5pPr eaLnBrk="0" fontAlgn="base" hangingPunct="0">
+              <a:spcBef>
+                <a:spcPct val="0"/>
+              </a:spcBef>
+              <a:spcAft>
+                <a:spcPct val="0"/>
+              </a:spcAft>
+              <a:defRPr>
+                <a:solidFill>
+                  <a:schemeClr val="tx1"/>
+                </a:solidFill>
+                <a:latin typeface="Arial" panose="020B0604020202020204" pitchFamily="34" charset="0"/>
+              </a:defRPr>
+            </a:lvl5pPr>
+            <a:lvl6pPr eaLnBrk="0" fontAlgn="base" hangingPunct="0">
+              <a:spcBef>
+                <a:spcPct val="0"/>
+              </a:spcBef>
+              <a:spcAft>
+                <a:spcPct val="0"/>
+              </a:spcAft>
+              <a:defRPr>
+                <a:solidFill>
+                  <a:schemeClr val="tx1"/>
+                </a:solidFill>
+                <a:latin typeface="Arial" panose="020B0604020202020204" pitchFamily="34" charset="0"/>
+              </a:defRPr>
+            </a:lvl6pPr>
+            <a:lvl7pPr eaLnBrk="0" fontAlgn="base" hangingPunct="0">
+              <a:spcBef>
+                <a:spcPct val="0"/>
+              </a:spcBef>
+              <a:spcAft>
+                <a:spcPct val="0"/>
+              </a:spcAft>
+              <a:defRPr>
+                <a:solidFill>
+                  <a:schemeClr val="tx1"/>
+                </a:solidFill>
+                <a:latin typeface="Arial" panose="020B0604020202020204" pitchFamily="34" charset="0"/>
+              </a:defRPr>
+            </a:lvl7pPr>
+            <a:lvl8pPr eaLnBrk="0" fontAlgn="base" hangingPunct="0">
+              <a:spcBef>
+                <a:spcPct val="0"/>
+              </a:spcBef>
+              <a:spcAft>
+                <a:spcPct val="0"/>
+              </a:spcAft>
+              <a:defRPr>
+                <a:solidFill>
+                  <a:schemeClr val="tx1"/>
+                </a:solidFill>
+                <a:latin typeface="Arial" panose="020B0604020202020204" pitchFamily="34" charset="0"/>
+              </a:defRPr>
+            </a:lvl8pPr>
+            <a:lvl9pPr eaLnBrk="0" fontAlgn="base" hangingPunct="0">
+              <a:spcBef>
+                <a:spcPct val="0"/>
+              </a:spcBef>
+              <a:spcAft>
+                <a:spcPct val="0"/>
+              </a:spcAft>
+              <a:defRPr>
+                <a:solidFill>
+                  <a:schemeClr val="tx1"/>
+                </a:solidFill>
+                <a:latin typeface="Arial" panose="020B0604020202020204" pitchFamily="34" charset="0"/>
+              </a:defRPr>
+            </a:lvl9pPr>
+          </a:lstStyle>
+          <a:p>
+            <a:pPr marL="0" marR="0" lvl="0" indent="0" algn="l" defTabSz="914400" rtl="0" eaLnBrk="0" fontAlgn="base" latinLnBrk="0" hangingPunct="0">
+              <a:lnSpc>
+                <a:spcPct val="100000"/>
+              </a:lnSpc>
+              <a:spcBef>
+                <a:spcPct val="0"/>
+              </a:spcBef>
+              <a:spcAft>
+                <a:spcPct val="0"/>
+              </a:spcAft>
+              <a:buClrTx/>
+              <a:buSzTx/>
+              <a:buFontTx/>
+              <a:buNone/>
+              <a:tabLst/>
+            </a:pPr>
+            <a:endParaRPr kumimoji="0" lang="ko-KR" altLang="ko-KR" sz="1800" b="0" i="0" u="none" strike="noStrike" cap="none" normalizeH="0" baseline="0" dirty="0">
+              <a:ln>
+                <a:noFill/>
+              </a:ln>
+              <a:solidFill>
+                <a:schemeClr val="tx1"/>
+              </a:solidFill>
+              <a:effectLst/>
+              <a:latin typeface="Arial" panose="020B0604020202020204" pitchFamily="34" charset="0"/>
+            </a:endParaRPr>
+          </a:p>
+        </p:txBody>
+      </p:sp>
+      <p:sp>
+        <p:nvSpPr>
+          <p:cNvPr id="12" name="직사각형 11">
+            <a:extLst>
+              <a:ext uri="{FF2B5EF4-FFF2-40B4-BE49-F238E27FC236}">
+                <a16:creationId xmlns:a16="http://schemas.microsoft.com/office/drawing/2014/main" id="{B332599A-54AE-4B98-85E4-C4039DA27EDF}"/>
+              </a:ext>
+            </a:extLst>
+          </p:cNvPr>
+          <p:cNvSpPr/>
+          <p:nvPr/>
+        </p:nvSpPr>
+        <p:spPr>
+          <a:xfrm>
+            <a:off x="677334" y="4943494"/>
+            <a:ext cx="10774860" cy="307777"/>
+          </a:xfrm>
+          <a:prstGeom prst="rect">
+            <a:avLst/>
+          </a:prstGeom>
+        </p:spPr>
+        <p:txBody>
+          <a:bodyPr wrap="square">
+            <a:spAutoFit/>
+          </a:bodyPr>
+          <a:lstStyle/>
+          <a:p>
+            <a:pPr marL="285750" lvl="0" indent="-285750" eaLnBrk="0" fontAlgn="base" latinLnBrk="0" hangingPunct="0">
+              <a:spcBef>
+                <a:spcPct val="0"/>
+              </a:spcBef>
+              <a:spcAft>
+                <a:spcPct val="0"/>
+              </a:spcAft>
+              <a:buFont typeface="Wingdings" panose="05000000000000000000" pitchFamily="2" charset="2"/>
+              <a:buChar char="ü"/>
+            </a:pPr>
+            <a:r>
+              <a:rPr lang="ko-KR" altLang="en-US" sz="1400" dirty="0">
+                <a:solidFill>
+                  <a:srgbClr val="404040"/>
+                </a:solidFill>
+                <a:latin typeface="Arial" panose="020B0604020202020204" pitchFamily="34" charset="0"/>
+              </a:rPr>
+              <a:t>끝점은 </a:t>
+            </a:r>
+            <a:r>
+              <a:rPr lang="en-US" altLang="ko-KR" sz="1400" dirty="0" err="1">
+                <a:solidFill>
+                  <a:srgbClr val="404040"/>
+                </a:solidFill>
+                <a:latin typeface="Arial" panose="020B0604020202020204" pitchFamily="34" charset="0"/>
+              </a:rPr>
+              <a:t>bluepirnt_name.static</a:t>
+            </a:r>
+            <a:r>
+              <a:rPr lang="ko-KR" altLang="en-US" sz="1400" dirty="0">
+                <a:solidFill>
+                  <a:srgbClr val="404040"/>
+                </a:solidFill>
+                <a:latin typeface="Arial" panose="020B0604020202020204" pitchFamily="34" charset="0"/>
+              </a:rPr>
+              <a:t> 으로 되고 여러분은 어플리케이션의 정적 폴더에 한 것 처럼 그 끝점에 </a:t>
+            </a:r>
+            <a:r>
+              <a:rPr lang="en-US" altLang="ko-KR" sz="1400" dirty="0">
+                <a:solidFill>
+                  <a:srgbClr val="404040"/>
+                </a:solidFill>
+                <a:latin typeface="Arial" panose="020B0604020202020204" pitchFamily="34" charset="0"/>
+              </a:rPr>
+              <a:t>URL</a:t>
+            </a:r>
+            <a:r>
+              <a:rPr lang="ko-KR" altLang="en-US" sz="1400" dirty="0">
+                <a:solidFill>
+                  <a:srgbClr val="404040"/>
+                </a:solidFill>
+                <a:latin typeface="Arial" panose="020B0604020202020204" pitchFamily="34" charset="0"/>
+              </a:rPr>
+              <a:t>을 생성할 수 있다</a:t>
+            </a:r>
+            <a:r>
+              <a:rPr lang="en-US" altLang="ko-KR" sz="1400" dirty="0">
+                <a:solidFill>
+                  <a:srgbClr val="404040"/>
+                </a:solidFill>
+                <a:latin typeface="Arial" panose="020B0604020202020204" pitchFamily="34" charset="0"/>
+              </a:rPr>
+              <a:t>:</a:t>
+            </a:r>
+            <a:endParaRPr lang="ko-KR" altLang="ko-KR" sz="1400" dirty="0">
+              <a:solidFill>
+                <a:srgbClr val="404040"/>
+              </a:solidFill>
+              <a:latin typeface="Arial" panose="020B0604020202020204" pitchFamily="34" charset="0"/>
+            </a:endParaRPr>
+          </a:p>
+        </p:txBody>
+      </p:sp>
+      <p:pic>
+        <p:nvPicPr>
+          <p:cNvPr id="9" name="그림 8">
+            <a:extLst>
+              <a:ext uri="{FF2B5EF4-FFF2-40B4-BE49-F238E27FC236}">
+                <a16:creationId xmlns:a16="http://schemas.microsoft.com/office/drawing/2014/main" id="{C1AEE592-A2F2-4545-9805-F37014EF1726}"/>
+              </a:ext>
+            </a:extLst>
+          </p:cNvPr>
+          <p:cNvPicPr>
+            <a:picLocks noChangeAspect="1"/>
+          </p:cNvPicPr>
+          <p:nvPr/>
+        </p:nvPicPr>
+        <p:blipFill>
+          <a:blip r:embed="rId3"/>
+          <a:stretch>
+            <a:fillRect/>
+          </a:stretch>
+        </p:blipFill>
+        <p:spPr>
+          <a:xfrm>
+            <a:off x="677334" y="5435667"/>
+            <a:ext cx="8596668" cy="510041"/>
+          </a:xfrm>
+          <a:prstGeom prst="rect">
+            <a:avLst/>
+          </a:prstGeom>
+        </p:spPr>
+      </p:pic>
+    </p:spTree>
+    <p:extLst>
+      <p:ext uri="{BB962C8B-B14F-4D97-AF65-F5344CB8AC3E}">
+        <p14:creationId xmlns:p14="http://schemas.microsoft.com/office/powerpoint/2010/main" val="3382132546"/>
+      </p:ext>
+    </p:extLst>
+  </p:cSld>
+  <p:clrMapOvr>
+    <a:masterClrMapping/>
+  </p:clrMapOvr>
+</p:sld>
+</file>
+
+<file path=ppt/slides/slide8.xml><?xml version="1.0" encoding="utf-8"?>
+<p:sld xmlns:a="http://schemas.openxmlformats.org/drawingml/2006/main" xmlns:r="http://schemas.openxmlformats.org/officeDocument/2006/relationships" xmlns:p="http://schemas.openxmlformats.org/presentationml/2006/main">
+  <p:cSld>
+    <p:spTree>
+      <p:nvGrpSpPr>
+        <p:cNvPr id="1" name=""/>
+        <p:cNvGrpSpPr/>
+        <p:nvPr/>
+      </p:nvGrpSpPr>
+      <p:grpSpPr>
+        <a:xfrm>
+          <a:off x="0" y="0"/>
+          <a:ext cx="0" cy="0"/>
+          <a:chOff x="0" y="0"/>
+          <a:chExt cx="0" cy="0"/>
+        </a:xfrm>
+      </p:grpSpPr>
+      <p:sp>
+        <p:nvSpPr>
+          <p:cNvPr id="2" name="제목 1">
+            <a:extLst>
+              <a:ext uri="{FF2B5EF4-FFF2-40B4-BE49-F238E27FC236}">
+                <a16:creationId xmlns:a16="http://schemas.microsoft.com/office/drawing/2014/main" id="{2EC833C6-FAC3-442B-803D-3FB02DF07980}"/>
+              </a:ext>
+            </a:extLst>
+          </p:cNvPr>
+          <p:cNvSpPr>
+            <a:spLocks noGrp="1"/>
+          </p:cNvSpPr>
+          <p:nvPr>
+            <p:ph type="title"/>
+          </p:nvPr>
+        </p:nvSpPr>
+        <p:spPr>
+          <a:xfrm>
+            <a:off x="677334" y="609600"/>
+            <a:ext cx="8596668" cy="517864"/>
+          </a:xfrm>
+        </p:spPr>
+        <p:txBody>
+          <a:bodyPr>
+            <a:normAutofit fontScale="90000"/>
+          </a:bodyPr>
+          <a:lstStyle/>
+          <a:p>
+            <a:r>
+              <a:rPr lang="en-US" altLang="ko-KR" dirty="0"/>
+              <a:t>9. Pagination</a:t>
+            </a:r>
+            <a:endParaRPr lang="ko-KR" altLang="en-US" dirty="0"/>
+          </a:p>
+        </p:txBody>
+      </p:sp>
+      <p:sp>
+        <p:nvSpPr>
+          <p:cNvPr id="6" name="직사각형 5">
+            <a:extLst>
+              <a:ext uri="{FF2B5EF4-FFF2-40B4-BE49-F238E27FC236}">
+                <a16:creationId xmlns:a16="http://schemas.microsoft.com/office/drawing/2014/main" id="{6A60F032-B172-43E0-B147-16329887DE8F}"/>
+              </a:ext>
+            </a:extLst>
+          </p:cNvPr>
+          <p:cNvSpPr/>
+          <p:nvPr/>
+        </p:nvSpPr>
+        <p:spPr>
+          <a:xfrm>
+            <a:off x="677334" y="1894853"/>
+            <a:ext cx="10774860" cy="307777"/>
+          </a:xfrm>
+          <a:prstGeom prst="rect">
+            <a:avLst/>
+          </a:prstGeom>
+        </p:spPr>
+        <p:txBody>
+          <a:bodyPr wrap="square">
+            <a:spAutoFit/>
+          </a:bodyPr>
+          <a:lstStyle/>
+          <a:p>
+            <a:pPr marL="285750" lvl="0" indent="-285750" eaLnBrk="0" fontAlgn="base" latinLnBrk="0" hangingPunct="0">
+              <a:spcBef>
+                <a:spcPct val="0"/>
+              </a:spcBef>
+              <a:spcAft>
+                <a:spcPct val="0"/>
+              </a:spcAft>
+              <a:buFont typeface="Arial" panose="020B0604020202020204" pitchFamily="34" charset="0"/>
+              <a:buChar char="•"/>
+            </a:pPr>
+            <a:r>
+              <a:rPr lang="en-US" altLang="ko-KR" sz="1400" dirty="0">
+                <a:solidFill>
+                  <a:srgbClr val="404040"/>
+                </a:solidFill>
+                <a:latin typeface="Arial" panose="020B0604020202020204" pitchFamily="34" charset="0"/>
+              </a:rPr>
+              <a:t>Template</a:t>
+            </a:r>
+            <a:endParaRPr lang="ko-KR" altLang="ko-KR" sz="1400" dirty="0">
+              <a:solidFill>
+                <a:srgbClr val="404040"/>
+              </a:solidFill>
+              <a:latin typeface="Arial" panose="020B0604020202020204" pitchFamily="34" charset="0"/>
+            </a:endParaRPr>
+          </a:p>
+        </p:txBody>
+      </p:sp>
+      <p:sp>
+        <p:nvSpPr>
+          <p:cNvPr id="7" name="제목 1">
+            <a:extLst>
+              <a:ext uri="{FF2B5EF4-FFF2-40B4-BE49-F238E27FC236}">
+                <a16:creationId xmlns:a16="http://schemas.microsoft.com/office/drawing/2014/main" id="{453FF060-58F0-4366-9AA1-883792CE5955}"/>
+              </a:ext>
+            </a:extLst>
+          </p:cNvPr>
+          <p:cNvSpPr txBox="1">
+            <a:spLocks/>
+          </p:cNvSpPr>
+          <p:nvPr/>
+        </p:nvSpPr>
+        <p:spPr>
+          <a:xfrm>
+            <a:off x="1091421" y="1144214"/>
+            <a:ext cx="7768494" cy="517864"/>
+          </a:xfrm>
+          <a:prstGeom prst="rect">
+            <a:avLst/>
+          </a:prstGeom>
+        </p:spPr>
+        <p:txBody>
+          <a:bodyPr vert="horz" lIns="91440" tIns="45720" rIns="91440" bIns="45720" rtlCol="0" anchor="t">
+            <a:normAutofit fontScale="45000" lnSpcReduction="20000"/>
+          </a:bodyPr>
+          <a:lstStyle>
+            <a:lvl1pPr algn="l" defTabSz="457200" rtl="0" eaLnBrk="1" latinLnBrk="1" hangingPunct="1">
+              <a:spcBef>
+                <a:spcPct val="0"/>
+              </a:spcBef>
+              <a:buNone/>
+              <a:defRPr sz="3600" kern="1200">
+                <a:solidFill>
+                  <a:schemeClr val="accent1"/>
+                </a:solidFill>
+                <a:latin typeface="+mj-lt"/>
+                <a:ea typeface="+mj-ea"/>
+                <a:cs typeface="+mj-cs"/>
+              </a:defRPr>
+            </a:lvl1pPr>
+            <a:lvl2pPr eaLnBrk="1" latinLnBrk="1" hangingPunct="1">
+              <a:defRPr>
+                <a:solidFill>
+                  <a:schemeClr val="tx2"/>
+                </a:solidFill>
+              </a:defRPr>
+            </a:lvl2pPr>
+            <a:lvl3pPr eaLnBrk="1" latinLnBrk="1" hangingPunct="1">
+              <a:defRPr>
+                <a:solidFill>
+                  <a:schemeClr val="tx2"/>
+                </a:solidFill>
+              </a:defRPr>
+            </a:lvl3pPr>
+            <a:lvl4pPr eaLnBrk="1" latinLnBrk="1" hangingPunct="1">
+              <a:defRPr>
+                <a:solidFill>
+                  <a:schemeClr val="tx2"/>
+                </a:solidFill>
+              </a:defRPr>
+            </a:lvl4pPr>
+            <a:lvl5pPr eaLnBrk="1" latinLnBrk="1" hangingPunct="1">
+              <a:defRPr>
+                <a:solidFill>
+                  <a:schemeClr val="tx2"/>
+                </a:solidFill>
+              </a:defRPr>
+            </a:lvl5pPr>
+            <a:lvl6pPr eaLnBrk="1" latinLnBrk="1" hangingPunct="1">
+              <a:defRPr>
+                <a:solidFill>
+                  <a:schemeClr val="tx2"/>
+                </a:solidFill>
+              </a:defRPr>
+            </a:lvl6pPr>
+            <a:lvl7pPr eaLnBrk="1" latinLnBrk="1" hangingPunct="1">
+              <a:defRPr>
+                <a:solidFill>
+                  <a:schemeClr val="tx2"/>
+                </a:solidFill>
+              </a:defRPr>
+            </a:lvl7pPr>
+            <a:lvl8pPr eaLnBrk="1" latinLnBrk="1" hangingPunct="1">
+              <a:defRPr>
+                <a:solidFill>
+                  <a:schemeClr val="tx2"/>
+                </a:solidFill>
+              </a:defRPr>
+            </a:lvl8pPr>
+            <a:lvl9pPr eaLnBrk="1" latinLnBrk="1" hangingPunct="1">
+              <a:defRPr>
+                <a:solidFill>
+                  <a:schemeClr val="tx2"/>
+                </a:solidFill>
+              </a:defRPr>
+            </a:lvl9pPr>
+          </a:lstStyle>
+          <a:p>
+            <a:endParaRPr lang="en-US" altLang="ko-KR" dirty="0"/>
+          </a:p>
+          <a:p>
+            <a:r>
+              <a:rPr lang="en-US" altLang="ko-KR" dirty="0"/>
+              <a:t>Blueprint </a:t>
+            </a:r>
+            <a:r>
+              <a:rPr lang="ko-KR" altLang="en-US" dirty="0"/>
+              <a:t>리소스</a:t>
+            </a:r>
+            <a:endParaRPr lang="en-US" altLang="ko-KR" dirty="0"/>
+          </a:p>
+        </p:txBody>
+      </p:sp>
+      <p:sp>
+        <p:nvSpPr>
+          <p:cNvPr id="4" name="Rectangle 1">
+            <a:extLst>
+              <a:ext uri="{FF2B5EF4-FFF2-40B4-BE49-F238E27FC236}">
+                <a16:creationId xmlns:a16="http://schemas.microsoft.com/office/drawing/2014/main" id="{2E5C360F-E4DE-4330-86B1-C13C80502F25}"/>
+              </a:ext>
+            </a:extLst>
+          </p:cNvPr>
+          <p:cNvSpPr>
+            <a:spLocks noChangeArrowheads="1"/>
+          </p:cNvSpPr>
+          <p:nvPr/>
+        </p:nvSpPr>
+        <p:spPr bwMode="auto">
+          <a:xfrm>
+            <a:off x="0" y="43934"/>
+            <a:ext cx="184731" cy="369332"/>
+          </a:xfrm>
+          <a:prstGeom prst="rect">
+            <a:avLst/>
+          </a:prstGeom>
+          <a:solidFill>
+            <a:srgbClr val="FFFFFF"/>
+          </a:solidFill>
+          <a:ln>
+            <a:noFill/>
+          </a:ln>
+          <a:effectLst/>
+          <a:extLst>
+            <a:ext uri="{91240B29-F687-4F45-9708-019B960494DF}">
+              <a14:hiddenLine xmlns:a14="http://schemas.microsoft.com/office/drawing/2010/main" w="9525">
+                <a:solidFill>
+                  <a:schemeClr val="tx1"/>
+                </a:solidFill>
+                <a:miter lim="800000"/>
+                <a:headEnd/>
+                <a:tailEnd/>
+              </a14:hiddenLine>
+            </a:ext>
+            <a:ext uri="{AF507438-7753-43E0-B8FC-AC1667EBCBE1}">
+              <a14:hiddenEffects xmlns:a14="http://schemas.microsoft.com/office/drawing/2010/main">
+                <a:effectLst>
+                  <a:outerShdw dist="35921" dir="2700000" algn="ctr" rotWithShape="0">
+                    <a:schemeClr val="bg2"/>
+                  </a:outerShdw>
+                </a:effectLst>
+              </a14:hiddenEffects>
+            </a:ext>
+          </a:extLst>
+        </p:spPr>
+        <p:txBody>
+          <a:bodyPr vert="horz" wrap="none" lIns="91440" tIns="45720" rIns="91440" bIns="45720" numCol="1" anchor="ctr" anchorCtr="0" compatLnSpc="1">
+            <a:prstTxWarp prst="textNoShape">
+              <a:avLst/>
+            </a:prstTxWarp>
+            <a:spAutoFit/>
+          </a:bodyPr>
+          <a:lstStyle>
+            <a:lvl1pPr eaLnBrk="0" fontAlgn="base" hangingPunct="0">
+              <a:spcBef>
+                <a:spcPct val="0"/>
+              </a:spcBef>
+              <a:spcAft>
+                <a:spcPct val="0"/>
+              </a:spcAft>
+              <a:defRPr>
+                <a:solidFill>
+                  <a:schemeClr val="tx1"/>
+                </a:solidFill>
+                <a:latin typeface="Arial" panose="020B0604020202020204" pitchFamily="34" charset="0"/>
+              </a:defRPr>
+            </a:lvl1pPr>
+            <a:lvl2pPr eaLnBrk="0" fontAlgn="base" hangingPunct="0">
+              <a:spcBef>
+                <a:spcPct val="0"/>
+              </a:spcBef>
+              <a:spcAft>
+                <a:spcPct val="0"/>
+              </a:spcAft>
+              <a:defRPr>
+                <a:solidFill>
+                  <a:schemeClr val="tx1"/>
+                </a:solidFill>
+                <a:latin typeface="Arial" panose="020B0604020202020204" pitchFamily="34" charset="0"/>
+              </a:defRPr>
+            </a:lvl2pPr>
+            <a:lvl3pPr eaLnBrk="0" fontAlgn="base" hangingPunct="0">
+              <a:spcBef>
+                <a:spcPct val="0"/>
+              </a:spcBef>
+              <a:spcAft>
+                <a:spcPct val="0"/>
+              </a:spcAft>
+              <a:defRPr>
+                <a:solidFill>
+                  <a:schemeClr val="tx1"/>
+                </a:solidFill>
+                <a:latin typeface="Arial" panose="020B0604020202020204" pitchFamily="34" charset="0"/>
+              </a:defRPr>
+            </a:lvl3pPr>
+            <a:lvl4pPr eaLnBrk="0" fontAlgn="base" hangingPunct="0">
+              <a:spcBef>
+                <a:spcPct val="0"/>
+              </a:spcBef>
+              <a:spcAft>
+                <a:spcPct val="0"/>
+              </a:spcAft>
+              <a:defRPr>
+                <a:solidFill>
+                  <a:schemeClr val="tx1"/>
+                </a:solidFill>
+                <a:latin typeface="Arial" panose="020B0604020202020204" pitchFamily="34" charset="0"/>
+              </a:defRPr>
+            </a:lvl4pPr>
+            <a:lvl5pPr eaLnBrk="0" fontAlgn="base" hangingPunct="0">
+              <a:spcBef>
+                <a:spcPct val="0"/>
+              </a:spcBef>
+              <a:spcAft>
+                <a:spcPct val="0"/>
+              </a:spcAft>
+              <a:defRPr>
+                <a:solidFill>
+                  <a:schemeClr val="tx1"/>
+                </a:solidFill>
+                <a:latin typeface="Arial" panose="020B0604020202020204" pitchFamily="34" charset="0"/>
+              </a:defRPr>
+            </a:lvl5pPr>
+            <a:lvl6pPr eaLnBrk="0" fontAlgn="base" hangingPunct="0">
+              <a:spcBef>
+                <a:spcPct val="0"/>
+              </a:spcBef>
+              <a:spcAft>
+                <a:spcPct val="0"/>
+              </a:spcAft>
+              <a:defRPr>
+                <a:solidFill>
+                  <a:schemeClr val="tx1"/>
+                </a:solidFill>
+                <a:latin typeface="Arial" panose="020B0604020202020204" pitchFamily="34" charset="0"/>
+              </a:defRPr>
+            </a:lvl6pPr>
+            <a:lvl7pPr eaLnBrk="0" fontAlgn="base" hangingPunct="0">
+              <a:spcBef>
+                <a:spcPct val="0"/>
+              </a:spcBef>
+              <a:spcAft>
+                <a:spcPct val="0"/>
+              </a:spcAft>
+              <a:defRPr>
+                <a:solidFill>
+                  <a:schemeClr val="tx1"/>
+                </a:solidFill>
+                <a:latin typeface="Arial" panose="020B0604020202020204" pitchFamily="34" charset="0"/>
+              </a:defRPr>
+            </a:lvl7pPr>
+            <a:lvl8pPr eaLnBrk="0" fontAlgn="base" hangingPunct="0">
+              <a:spcBef>
+                <a:spcPct val="0"/>
+              </a:spcBef>
+              <a:spcAft>
+                <a:spcPct val="0"/>
+              </a:spcAft>
+              <a:defRPr>
+                <a:solidFill>
+                  <a:schemeClr val="tx1"/>
+                </a:solidFill>
+                <a:latin typeface="Arial" panose="020B0604020202020204" pitchFamily="34" charset="0"/>
+              </a:defRPr>
+            </a:lvl8pPr>
+            <a:lvl9pPr eaLnBrk="0" fontAlgn="base" hangingPunct="0">
+              <a:spcBef>
+                <a:spcPct val="0"/>
+              </a:spcBef>
+              <a:spcAft>
+                <a:spcPct val="0"/>
+              </a:spcAft>
+              <a:defRPr>
+                <a:solidFill>
+                  <a:schemeClr val="tx1"/>
+                </a:solidFill>
+                <a:latin typeface="Arial" panose="020B0604020202020204" pitchFamily="34" charset="0"/>
+              </a:defRPr>
+            </a:lvl9pPr>
+          </a:lstStyle>
+          <a:p>
+            <a:pPr marL="0" marR="0" lvl="0" indent="0" algn="l" defTabSz="914400" rtl="0" eaLnBrk="0" fontAlgn="base" latinLnBrk="0" hangingPunct="0">
+              <a:lnSpc>
+                <a:spcPct val="100000"/>
+              </a:lnSpc>
+              <a:spcBef>
+                <a:spcPct val="0"/>
+              </a:spcBef>
+              <a:spcAft>
+                <a:spcPct val="0"/>
+              </a:spcAft>
+              <a:buClrTx/>
+              <a:buSzTx/>
+              <a:buFontTx/>
+              <a:buNone/>
+              <a:tabLst/>
+            </a:pPr>
+            <a:endParaRPr kumimoji="0" lang="ko-KR" altLang="ko-KR" sz="1800" b="0" i="0" u="none" strike="noStrike" cap="none" normalizeH="0" baseline="0" dirty="0">
+              <a:ln>
+                <a:noFill/>
+              </a:ln>
+              <a:solidFill>
+                <a:schemeClr val="tx1"/>
+              </a:solidFill>
+              <a:effectLst/>
+              <a:latin typeface="Arial" panose="020B0604020202020204" pitchFamily="34" charset="0"/>
+            </a:endParaRPr>
+          </a:p>
+        </p:txBody>
+      </p:sp>
+      <p:sp>
+        <p:nvSpPr>
+          <p:cNvPr id="10" name="직사각형 9">
+            <a:extLst>
+              <a:ext uri="{FF2B5EF4-FFF2-40B4-BE49-F238E27FC236}">
+                <a16:creationId xmlns:a16="http://schemas.microsoft.com/office/drawing/2014/main" id="{CE613BCA-8EEB-4C10-A502-75E707F8D291}"/>
+              </a:ext>
+            </a:extLst>
+          </p:cNvPr>
+          <p:cNvSpPr/>
+          <p:nvPr/>
+        </p:nvSpPr>
+        <p:spPr>
+          <a:xfrm>
+            <a:off x="677334" y="2429467"/>
+            <a:ext cx="10774860" cy="307777"/>
+          </a:xfrm>
+          <a:prstGeom prst="rect">
+            <a:avLst/>
+          </a:prstGeom>
+        </p:spPr>
+        <p:txBody>
+          <a:bodyPr wrap="square">
+            <a:spAutoFit/>
+          </a:bodyPr>
+          <a:lstStyle/>
+          <a:p>
+            <a:pPr lvl="0" eaLnBrk="0" fontAlgn="base" latinLnBrk="0" hangingPunct="0">
+              <a:spcBef>
+                <a:spcPct val="0"/>
+              </a:spcBef>
+              <a:spcAft>
+                <a:spcPct val="0"/>
+              </a:spcAft>
+            </a:pPr>
+            <a:r>
+              <a:rPr lang="ko-KR" altLang="ko-KR" sz="1400" dirty="0" err="1">
+                <a:solidFill>
+                  <a:srgbClr val="404040"/>
+                </a:solidFill>
+                <a:latin typeface="Arial" panose="020B0604020202020204" pitchFamily="34" charset="0"/>
+              </a:rPr>
+              <a:t>블루프린트</a:t>
+            </a:r>
+            <a:r>
+              <a:rPr lang="ko-KR" altLang="ko-KR" sz="1400" dirty="0">
+                <a:solidFill>
+                  <a:srgbClr val="404040"/>
+                </a:solidFill>
+                <a:latin typeface="Arial" panose="020B0604020202020204" pitchFamily="34" charset="0"/>
+              </a:rPr>
+              <a:t> 템플릿을 노출하게 하고 싶다면 </a:t>
+            </a:r>
+            <a:r>
+              <a:rPr lang="ko-KR" altLang="ko-KR" sz="1400" dirty="0" err="1">
+                <a:solidFill>
+                  <a:srgbClr val="404040"/>
+                </a:solidFill>
+                <a:latin typeface="Arial" panose="020B0604020202020204" pitchFamily="34" charset="0"/>
+              </a:rPr>
+              <a:t>Blueprint</a:t>
+            </a:r>
+            <a:r>
+              <a:rPr lang="ko-KR" altLang="ko-KR" sz="1400" dirty="0">
+                <a:solidFill>
+                  <a:srgbClr val="404040"/>
+                </a:solidFill>
+                <a:latin typeface="Arial" panose="020B0604020202020204" pitchFamily="34" charset="0"/>
+              </a:rPr>
+              <a:t> 생성자에 </a:t>
+            </a:r>
+            <a:r>
+              <a:rPr lang="ko-KR" altLang="ko-KR" sz="1400" dirty="0" err="1">
+                <a:solidFill>
+                  <a:srgbClr val="404040"/>
+                </a:solidFill>
+                <a:latin typeface="Arial" panose="020B0604020202020204" pitchFamily="34" charset="0"/>
+              </a:rPr>
+              <a:t>template_folder</a:t>
+            </a:r>
+            <a:r>
+              <a:rPr lang="ko-KR" altLang="ko-KR" sz="1400" dirty="0">
+                <a:solidFill>
+                  <a:srgbClr val="404040"/>
+                </a:solidFill>
+                <a:latin typeface="Arial" panose="020B0604020202020204" pitchFamily="34" charset="0"/>
+              </a:rPr>
+              <a:t> 인자를 제공하여 노출할 수 있다: </a:t>
+            </a:r>
+          </a:p>
+        </p:txBody>
+      </p:sp>
+      <p:sp>
+        <p:nvSpPr>
+          <p:cNvPr id="3" name="Rectangle 1">
+            <a:extLst>
+              <a:ext uri="{FF2B5EF4-FFF2-40B4-BE49-F238E27FC236}">
+                <a16:creationId xmlns:a16="http://schemas.microsoft.com/office/drawing/2014/main" id="{53D05D85-305B-4F39-B277-AB8E60136C2E}"/>
+              </a:ext>
+            </a:extLst>
+          </p:cNvPr>
+          <p:cNvSpPr>
+            <a:spLocks noChangeArrowheads="1"/>
+          </p:cNvSpPr>
+          <p:nvPr/>
+        </p:nvSpPr>
+        <p:spPr bwMode="auto">
+          <a:xfrm>
+            <a:off x="0" y="43934"/>
+            <a:ext cx="184731" cy="369332"/>
+          </a:xfrm>
+          <a:prstGeom prst="rect">
+            <a:avLst/>
+          </a:prstGeom>
+          <a:solidFill>
+            <a:srgbClr val="FFFFFF"/>
+          </a:solidFill>
+          <a:ln>
+            <a:noFill/>
+          </a:ln>
+          <a:effectLst/>
+          <a:extLst>
+            <a:ext uri="{91240B29-F687-4F45-9708-019B960494DF}">
+              <a14:hiddenLine xmlns:a14="http://schemas.microsoft.com/office/drawing/2010/main" w="9525">
+                <a:solidFill>
+                  <a:schemeClr val="tx1"/>
+                </a:solidFill>
+                <a:miter lim="800000"/>
+                <a:headEnd/>
+                <a:tailEnd/>
+              </a14:hiddenLine>
+            </a:ext>
+            <a:ext uri="{AF507438-7753-43E0-B8FC-AC1667EBCBE1}">
+              <a14:hiddenEffects xmlns:a14="http://schemas.microsoft.com/office/drawing/2010/main">
+                <a:effectLst>
+                  <a:outerShdw dist="35921" dir="2700000" algn="ctr" rotWithShape="0">
+                    <a:schemeClr val="bg2"/>
+                  </a:outerShdw>
+                </a:effectLst>
+              </a14:hiddenEffects>
+            </a:ext>
+          </a:extLst>
+        </p:spPr>
+        <p:txBody>
+          <a:bodyPr vert="horz" wrap="none" lIns="91440" tIns="45720" rIns="91440" bIns="45720" numCol="1" anchor="ctr" anchorCtr="0" compatLnSpc="1">
+            <a:prstTxWarp prst="textNoShape">
+              <a:avLst/>
+            </a:prstTxWarp>
+            <a:spAutoFit/>
+          </a:bodyPr>
+          <a:lstStyle>
+            <a:lvl1pPr eaLnBrk="0" fontAlgn="base" hangingPunct="0">
+              <a:spcBef>
+                <a:spcPct val="0"/>
+              </a:spcBef>
+              <a:spcAft>
+                <a:spcPct val="0"/>
+              </a:spcAft>
+              <a:defRPr>
+                <a:solidFill>
+                  <a:schemeClr val="tx1"/>
+                </a:solidFill>
+                <a:latin typeface="Arial" panose="020B0604020202020204" pitchFamily="34" charset="0"/>
+              </a:defRPr>
+            </a:lvl1pPr>
+            <a:lvl2pPr eaLnBrk="0" fontAlgn="base" hangingPunct="0">
+              <a:spcBef>
+                <a:spcPct val="0"/>
+              </a:spcBef>
+              <a:spcAft>
+                <a:spcPct val="0"/>
+              </a:spcAft>
+              <a:defRPr>
+                <a:solidFill>
+                  <a:schemeClr val="tx1"/>
+                </a:solidFill>
+                <a:latin typeface="Arial" panose="020B0604020202020204" pitchFamily="34" charset="0"/>
+              </a:defRPr>
+            </a:lvl2pPr>
+            <a:lvl3pPr eaLnBrk="0" fontAlgn="base" hangingPunct="0">
+              <a:spcBef>
+                <a:spcPct val="0"/>
+              </a:spcBef>
+              <a:spcAft>
+                <a:spcPct val="0"/>
+              </a:spcAft>
+              <a:defRPr>
+                <a:solidFill>
+                  <a:schemeClr val="tx1"/>
+                </a:solidFill>
+                <a:latin typeface="Arial" panose="020B0604020202020204" pitchFamily="34" charset="0"/>
+              </a:defRPr>
+            </a:lvl3pPr>
+            <a:lvl4pPr eaLnBrk="0" fontAlgn="base" hangingPunct="0">
+              <a:spcBef>
+                <a:spcPct val="0"/>
+              </a:spcBef>
+              <a:spcAft>
+                <a:spcPct val="0"/>
+              </a:spcAft>
+              <a:defRPr>
+                <a:solidFill>
+                  <a:schemeClr val="tx1"/>
+                </a:solidFill>
+                <a:latin typeface="Arial" panose="020B0604020202020204" pitchFamily="34" charset="0"/>
+              </a:defRPr>
+            </a:lvl4pPr>
+            <a:lvl5pPr eaLnBrk="0" fontAlgn="base" hangingPunct="0">
+              <a:spcBef>
+                <a:spcPct val="0"/>
+              </a:spcBef>
+              <a:spcAft>
+                <a:spcPct val="0"/>
+              </a:spcAft>
+              <a:defRPr>
+                <a:solidFill>
+                  <a:schemeClr val="tx1"/>
+                </a:solidFill>
+                <a:latin typeface="Arial" panose="020B0604020202020204" pitchFamily="34" charset="0"/>
+              </a:defRPr>
+            </a:lvl5pPr>
+            <a:lvl6pPr eaLnBrk="0" fontAlgn="base" hangingPunct="0">
+              <a:spcBef>
+                <a:spcPct val="0"/>
+              </a:spcBef>
+              <a:spcAft>
+                <a:spcPct val="0"/>
+              </a:spcAft>
+              <a:defRPr>
+                <a:solidFill>
+                  <a:schemeClr val="tx1"/>
+                </a:solidFill>
+                <a:latin typeface="Arial" panose="020B0604020202020204" pitchFamily="34" charset="0"/>
+              </a:defRPr>
+            </a:lvl6pPr>
+            <a:lvl7pPr eaLnBrk="0" fontAlgn="base" hangingPunct="0">
+              <a:spcBef>
+                <a:spcPct val="0"/>
+              </a:spcBef>
+              <a:spcAft>
+                <a:spcPct val="0"/>
+              </a:spcAft>
+              <a:defRPr>
+                <a:solidFill>
+                  <a:schemeClr val="tx1"/>
+                </a:solidFill>
+                <a:latin typeface="Arial" panose="020B0604020202020204" pitchFamily="34" charset="0"/>
+              </a:defRPr>
+            </a:lvl7pPr>
+            <a:lvl8pPr eaLnBrk="0" fontAlgn="base" hangingPunct="0">
+              <a:spcBef>
+                <a:spcPct val="0"/>
+              </a:spcBef>
+              <a:spcAft>
+                <a:spcPct val="0"/>
+              </a:spcAft>
+              <a:defRPr>
+                <a:solidFill>
+                  <a:schemeClr val="tx1"/>
+                </a:solidFill>
+                <a:latin typeface="Arial" panose="020B0604020202020204" pitchFamily="34" charset="0"/>
+              </a:defRPr>
+            </a:lvl8pPr>
+            <a:lvl9pPr eaLnBrk="0" fontAlgn="base" hangingPunct="0">
+              <a:spcBef>
+                <a:spcPct val="0"/>
+              </a:spcBef>
+              <a:spcAft>
+                <a:spcPct val="0"/>
+              </a:spcAft>
+              <a:defRPr>
+                <a:solidFill>
+                  <a:schemeClr val="tx1"/>
+                </a:solidFill>
+                <a:latin typeface="Arial" panose="020B0604020202020204" pitchFamily="34" charset="0"/>
+              </a:defRPr>
+            </a:lvl9pPr>
+          </a:lstStyle>
+          <a:p>
+            <a:pPr marL="0" marR="0" lvl="0" indent="0" algn="l" defTabSz="914400" rtl="0" eaLnBrk="0" fontAlgn="base" latinLnBrk="0" hangingPunct="0">
+              <a:lnSpc>
+                <a:spcPct val="100000"/>
+              </a:lnSpc>
+              <a:spcBef>
+                <a:spcPct val="0"/>
+              </a:spcBef>
+              <a:spcAft>
+                <a:spcPct val="0"/>
+              </a:spcAft>
+              <a:buClrTx/>
+              <a:buSzTx/>
+              <a:buFontTx/>
+              <a:buNone/>
+              <a:tabLst/>
+            </a:pPr>
+            <a:endParaRPr kumimoji="0" lang="ko-KR" altLang="ko-KR" sz="1800" b="0" i="0" u="none" strike="noStrike" cap="none" normalizeH="0" baseline="0" dirty="0">
+              <a:ln>
+                <a:noFill/>
+              </a:ln>
+              <a:solidFill>
+                <a:schemeClr val="tx1"/>
+              </a:solidFill>
+              <a:effectLst/>
+              <a:latin typeface="Arial" panose="020B0604020202020204" pitchFamily="34" charset="0"/>
+            </a:endParaRPr>
+          </a:p>
+        </p:txBody>
+      </p:sp>
+      <p:sp>
+        <p:nvSpPr>
+          <p:cNvPr id="11" name="직사각형 10">
+            <a:extLst>
+              <a:ext uri="{FF2B5EF4-FFF2-40B4-BE49-F238E27FC236}">
+                <a16:creationId xmlns:a16="http://schemas.microsoft.com/office/drawing/2014/main" id="{6DB319FE-0064-4F2A-8D87-7F84693B8AD5}"/>
+              </a:ext>
+            </a:extLst>
+          </p:cNvPr>
+          <p:cNvSpPr/>
+          <p:nvPr/>
+        </p:nvSpPr>
+        <p:spPr>
+          <a:xfrm>
+            <a:off x="677334" y="3720520"/>
+            <a:ext cx="10774860" cy="738664"/>
+          </a:xfrm>
+          <a:prstGeom prst="rect">
+            <a:avLst/>
+          </a:prstGeom>
+        </p:spPr>
+        <p:txBody>
+          <a:bodyPr wrap="square">
+            <a:spAutoFit/>
+          </a:bodyPr>
+          <a:lstStyle/>
+          <a:p>
+            <a:pPr marL="285750" lvl="0" indent="-285750" eaLnBrk="0" fontAlgn="base" latinLnBrk="0" hangingPunct="0">
+              <a:spcBef>
+                <a:spcPct val="0"/>
+              </a:spcBef>
+              <a:spcAft>
+                <a:spcPct val="0"/>
+              </a:spcAft>
+              <a:buFont typeface="Wingdings" panose="05000000000000000000" pitchFamily="2" charset="2"/>
+              <a:buChar char="ü"/>
+            </a:pPr>
+            <a:r>
+              <a:rPr lang="ko-KR" altLang="en-US" sz="1400" dirty="0">
+                <a:solidFill>
+                  <a:srgbClr val="404040"/>
+                </a:solidFill>
+                <a:latin typeface="Arial" panose="020B0604020202020204" pitchFamily="34" charset="0"/>
+              </a:rPr>
+              <a:t>정적 파일에 관해서</a:t>
+            </a:r>
+            <a:r>
+              <a:rPr lang="en-US" altLang="ko-KR" sz="1400" dirty="0">
+                <a:solidFill>
+                  <a:srgbClr val="404040"/>
+                </a:solidFill>
+                <a:latin typeface="Arial" panose="020B0604020202020204" pitchFamily="34" charset="0"/>
+              </a:rPr>
+              <a:t>, </a:t>
+            </a:r>
+            <a:r>
+              <a:rPr lang="ko-KR" altLang="en-US" sz="1400" dirty="0">
+                <a:solidFill>
+                  <a:srgbClr val="404040"/>
+                </a:solidFill>
+                <a:latin typeface="Arial" panose="020B0604020202020204" pitchFamily="34" charset="0"/>
+              </a:rPr>
+              <a:t>그 경로는 절대 경로일 수 있고 </a:t>
+            </a:r>
+            <a:r>
+              <a:rPr lang="ko-KR" altLang="ko-KR" sz="1400" dirty="0" err="1">
+                <a:solidFill>
+                  <a:srgbClr val="404040"/>
+                </a:solidFill>
+                <a:latin typeface="Arial" panose="020B0604020202020204" pitchFamily="34" charset="0"/>
+              </a:rPr>
+              <a:t>Blueprint</a:t>
+            </a:r>
+            <a:r>
+              <a:rPr lang="ko-KR" altLang="en-US" sz="1400" dirty="0">
+                <a:solidFill>
+                  <a:srgbClr val="404040"/>
+                </a:solidFill>
+                <a:latin typeface="Arial" panose="020B0604020202020204" pitchFamily="34" charset="0"/>
+              </a:rPr>
+              <a:t> 리소스 폴더 대비 상대적일 수 있다</a:t>
+            </a:r>
+            <a:r>
+              <a:rPr lang="en-US" altLang="ko-KR" sz="1400" dirty="0">
+                <a:solidFill>
+                  <a:srgbClr val="404040"/>
+                </a:solidFill>
+                <a:latin typeface="Arial" panose="020B0604020202020204" pitchFamily="34" charset="0"/>
+              </a:rPr>
+              <a:t>. </a:t>
+            </a:r>
+          </a:p>
+          <a:p>
+            <a:pPr marL="285750" lvl="0" indent="-285750" eaLnBrk="0" fontAlgn="base" latinLnBrk="0" hangingPunct="0">
+              <a:spcBef>
+                <a:spcPct val="0"/>
+              </a:spcBef>
+              <a:spcAft>
+                <a:spcPct val="0"/>
+              </a:spcAft>
+              <a:buFont typeface="Wingdings" panose="05000000000000000000" pitchFamily="2" charset="2"/>
+              <a:buChar char="ü"/>
+            </a:pPr>
+            <a:r>
+              <a:rPr lang="ko-KR" altLang="en-US" sz="1400" dirty="0">
+                <a:solidFill>
+                  <a:srgbClr val="404040"/>
+                </a:solidFill>
+                <a:latin typeface="Arial" panose="020B0604020202020204" pitchFamily="34" charset="0"/>
+              </a:rPr>
+              <a:t>템플릿 폴더는 템플릿 검색경로에 추가되지만 실제 어플리케이션의 템플릿 폴더보다 낮은 우선순위를 갖는다</a:t>
+            </a:r>
+            <a:r>
+              <a:rPr lang="en-US" altLang="ko-KR" sz="1400" dirty="0">
+                <a:solidFill>
+                  <a:srgbClr val="404040"/>
+                </a:solidFill>
+                <a:latin typeface="Arial" panose="020B0604020202020204" pitchFamily="34" charset="0"/>
+              </a:rPr>
+              <a:t>. </a:t>
+            </a:r>
+          </a:p>
+          <a:p>
+            <a:pPr marL="285750" lvl="0" indent="-285750" eaLnBrk="0" fontAlgn="base" latinLnBrk="0" hangingPunct="0">
+              <a:spcBef>
+                <a:spcPct val="0"/>
+              </a:spcBef>
+              <a:spcAft>
+                <a:spcPct val="0"/>
+              </a:spcAft>
+              <a:buFont typeface="Wingdings" panose="05000000000000000000" pitchFamily="2" charset="2"/>
+              <a:buChar char="ü"/>
+            </a:pPr>
+            <a:r>
+              <a:rPr lang="ko-KR" altLang="en-US" sz="1400" dirty="0">
+                <a:solidFill>
+                  <a:srgbClr val="404040"/>
+                </a:solidFill>
+                <a:latin typeface="Arial" panose="020B0604020202020204" pitchFamily="34" charset="0"/>
+              </a:rPr>
+              <a:t>이런 방식으로 </a:t>
+            </a:r>
+            <a:r>
+              <a:rPr lang="ko-KR" altLang="en-US" sz="1400" dirty="0" err="1">
+                <a:solidFill>
+                  <a:srgbClr val="404040"/>
+                </a:solidFill>
+                <a:latin typeface="Arial" panose="020B0604020202020204" pitchFamily="34" charset="0"/>
+              </a:rPr>
+              <a:t>블루프린트가</a:t>
+            </a:r>
+            <a:r>
+              <a:rPr lang="ko-KR" altLang="en-US" sz="1400" dirty="0">
+                <a:solidFill>
+                  <a:srgbClr val="404040"/>
+                </a:solidFill>
+                <a:latin typeface="Arial" panose="020B0604020202020204" pitchFamily="34" charset="0"/>
+              </a:rPr>
+              <a:t> 실제 어플리케이션에서 제공하는 템플릿을 쉽게 </a:t>
+            </a:r>
+            <a:r>
+              <a:rPr lang="ko-KR" altLang="en-US" sz="1400" dirty="0" err="1">
+                <a:solidFill>
+                  <a:srgbClr val="404040"/>
+                </a:solidFill>
+                <a:latin typeface="Arial" panose="020B0604020202020204" pitchFamily="34" charset="0"/>
+              </a:rPr>
+              <a:t>오버라이드</a:t>
+            </a:r>
+            <a:r>
+              <a:rPr lang="ko-KR" altLang="en-US" sz="1400" dirty="0">
+                <a:solidFill>
+                  <a:srgbClr val="404040"/>
+                </a:solidFill>
+                <a:latin typeface="Arial" panose="020B0604020202020204" pitchFamily="34" charset="0"/>
+              </a:rPr>
+              <a:t> 할 수 있다</a:t>
+            </a:r>
+            <a:r>
+              <a:rPr lang="en-US" altLang="ko-KR" sz="1400" dirty="0">
+                <a:solidFill>
+                  <a:srgbClr val="404040"/>
+                </a:solidFill>
+                <a:latin typeface="Arial" panose="020B0604020202020204" pitchFamily="34" charset="0"/>
+              </a:rPr>
+              <a:t>.</a:t>
+            </a:r>
+            <a:endParaRPr lang="ko-KR" altLang="ko-KR" sz="1400" dirty="0">
+              <a:solidFill>
+                <a:srgbClr val="404040"/>
+              </a:solidFill>
+              <a:latin typeface="Arial" panose="020B0604020202020204" pitchFamily="34" charset="0"/>
+            </a:endParaRPr>
+          </a:p>
+        </p:txBody>
+      </p:sp>
+      <p:sp>
+        <p:nvSpPr>
+          <p:cNvPr id="12" name="직사각형 11">
+            <a:extLst>
+              <a:ext uri="{FF2B5EF4-FFF2-40B4-BE49-F238E27FC236}">
+                <a16:creationId xmlns:a16="http://schemas.microsoft.com/office/drawing/2014/main" id="{B332599A-54AE-4B98-85E4-C4039DA27EDF}"/>
+              </a:ext>
+            </a:extLst>
+          </p:cNvPr>
+          <p:cNvSpPr/>
+          <p:nvPr/>
+        </p:nvSpPr>
+        <p:spPr>
+          <a:xfrm>
+            <a:off x="677334" y="4665032"/>
+            <a:ext cx="10774860" cy="954107"/>
+          </a:xfrm>
+          <a:prstGeom prst="rect">
+            <a:avLst/>
+          </a:prstGeom>
+        </p:spPr>
+        <p:txBody>
+          <a:bodyPr wrap="square">
+            <a:spAutoFit/>
+          </a:bodyPr>
+          <a:lstStyle/>
+          <a:p>
+            <a:pPr marL="285750" lvl="0" indent="-285750" eaLnBrk="0" fontAlgn="base" latinLnBrk="0" hangingPunct="0">
+              <a:spcBef>
+                <a:spcPct val="0"/>
+              </a:spcBef>
+              <a:spcAft>
+                <a:spcPct val="0"/>
+              </a:spcAft>
+              <a:buFont typeface="Wingdings" panose="05000000000000000000" pitchFamily="2" charset="2"/>
+              <a:buChar char="ü"/>
+            </a:pPr>
+            <a:r>
+              <a:rPr lang="ko-KR" altLang="ko-KR" sz="1400" dirty="0">
+                <a:solidFill>
+                  <a:srgbClr val="404040"/>
+                </a:solidFill>
+                <a:latin typeface="Arial" panose="020B0604020202020204" pitchFamily="34" charset="0"/>
+              </a:rPr>
+              <a:t>그러므로 </a:t>
+            </a:r>
+            <a:r>
+              <a:rPr lang="ko-KR" altLang="ko-KR" sz="1400" dirty="0" err="1">
+                <a:solidFill>
+                  <a:srgbClr val="404040"/>
+                </a:solidFill>
+                <a:latin typeface="Arial" panose="020B0604020202020204" pitchFamily="34" charset="0"/>
+              </a:rPr>
+              <a:t>yourapplication</a:t>
+            </a:r>
+            <a:r>
+              <a:rPr lang="ko-KR" altLang="ko-KR" sz="1400" dirty="0">
+                <a:solidFill>
+                  <a:srgbClr val="404040"/>
+                </a:solidFill>
+                <a:latin typeface="Arial" panose="020B0604020202020204" pitchFamily="34" charset="0"/>
+              </a:rPr>
+              <a:t>/</a:t>
+            </a:r>
+            <a:r>
+              <a:rPr lang="ko-KR" altLang="ko-KR" sz="1400" dirty="0" err="1">
+                <a:solidFill>
+                  <a:srgbClr val="404040"/>
+                </a:solidFill>
+                <a:latin typeface="Arial" panose="020B0604020202020204" pitchFamily="34" charset="0"/>
+              </a:rPr>
+              <a:t>admin</a:t>
+            </a:r>
+            <a:r>
+              <a:rPr lang="ko-KR" altLang="ko-KR" sz="1400" dirty="0">
+                <a:solidFill>
+                  <a:srgbClr val="404040"/>
+                </a:solidFill>
+                <a:latin typeface="Arial" panose="020B0604020202020204" pitchFamily="34" charset="0"/>
+              </a:rPr>
+              <a:t> 폴더에 </a:t>
+            </a:r>
+            <a:r>
+              <a:rPr lang="ko-KR" altLang="ko-KR" sz="1400" dirty="0" err="1">
+                <a:solidFill>
+                  <a:srgbClr val="404040"/>
+                </a:solidFill>
+                <a:latin typeface="Arial" panose="020B0604020202020204" pitchFamily="34" charset="0"/>
+              </a:rPr>
+              <a:t>Blueprint</a:t>
+            </a:r>
+            <a:r>
+              <a:rPr lang="ko-KR" altLang="ko-KR" sz="1400" dirty="0">
+                <a:solidFill>
+                  <a:srgbClr val="404040"/>
+                </a:solidFill>
+                <a:latin typeface="Arial" panose="020B0604020202020204" pitchFamily="34" charset="0"/>
+              </a:rPr>
+              <a:t> </a:t>
+            </a:r>
+            <a:r>
+              <a:rPr lang="ko-KR" altLang="en-US" sz="1400" dirty="0">
+                <a:solidFill>
+                  <a:srgbClr val="404040"/>
+                </a:solidFill>
+                <a:latin typeface="Arial" panose="020B0604020202020204" pitchFamily="34" charset="0"/>
+              </a:rPr>
+              <a:t>가</a:t>
+            </a:r>
+            <a:r>
+              <a:rPr lang="ko-KR" altLang="ko-KR" sz="1400" dirty="0">
+                <a:solidFill>
+                  <a:srgbClr val="404040"/>
+                </a:solidFill>
+                <a:latin typeface="Arial" panose="020B0604020202020204" pitchFamily="34" charset="0"/>
+              </a:rPr>
+              <a:t> 있고 </a:t>
+            </a:r>
+            <a:endParaRPr lang="en-US" altLang="ko-KR" sz="1400" dirty="0">
+              <a:solidFill>
+                <a:srgbClr val="404040"/>
+              </a:solidFill>
+              <a:latin typeface="Arial" panose="020B0604020202020204" pitchFamily="34" charset="0"/>
+            </a:endParaRPr>
+          </a:p>
+          <a:p>
+            <a:pPr marL="285750" lvl="0" indent="-285750" eaLnBrk="0" fontAlgn="base" latinLnBrk="0" hangingPunct="0">
+              <a:spcBef>
+                <a:spcPct val="0"/>
+              </a:spcBef>
+              <a:spcAft>
+                <a:spcPct val="0"/>
+              </a:spcAft>
+              <a:buFont typeface="Wingdings" panose="05000000000000000000" pitchFamily="2" charset="2"/>
+              <a:buChar char="ü"/>
+            </a:pPr>
+            <a:r>
+              <a:rPr lang="ko-KR" altLang="ko-KR" sz="1400" dirty="0">
+                <a:solidFill>
+                  <a:srgbClr val="404040"/>
+                </a:solidFill>
+                <a:latin typeface="Arial" panose="020B0604020202020204" pitchFamily="34" charset="0"/>
+              </a:rPr>
+              <a:t>'</a:t>
+            </a:r>
+            <a:r>
+              <a:rPr lang="ko-KR" altLang="ko-KR" sz="1400" dirty="0" err="1">
+                <a:solidFill>
+                  <a:srgbClr val="404040"/>
+                </a:solidFill>
+                <a:latin typeface="Arial" panose="020B0604020202020204" pitchFamily="34" charset="0"/>
+              </a:rPr>
+              <a:t>admin</a:t>
+            </a:r>
+            <a:r>
+              <a:rPr lang="ko-KR" altLang="ko-KR" sz="1400" dirty="0">
+                <a:solidFill>
+                  <a:srgbClr val="404040"/>
+                </a:solidFill>
+                <a:latin typeface="Arial" panose="020B0604020202020204" pitchFamily="34" charset="0"/>
+              </a:rPr>
+              <a:t>/</a:t>
+            </a:r>
+            <a:r>
+              <a:rPr lang="ko-KR" altLang="ko-KR" sz="1400" dirty="0" err="1">
+                <a:solidFill>
+                  <a:srgbClr val="404040"/>
+                </a:solidFill>
+                <a:latin typeface="Arial" panose="020B0604020202020204" pitchFamily="34" charset="0"/>
+              </a:rPr>
+              <a:t>index.html</a:t>
+            </a:r>
+            <a:r>
+              <a:rPr lang="ko-KR" altLang="ko-KR" sz="1400" dirty="0">
+                <a:solidFill>
+                  <a:srgbClr val="404040"/>
+                </a:solidFill>
+                <a:latin typeface="Arial" panose="020B0604020202020204" pitchFamily="34" charset="0"/>
+              </a:rPr>
+              <a:t>' </a:t>
+            </a:r>
+            <a:r>
+              <a:rPr lang="ko-KR" altLang="ko-KR" sz="1400" dirty="0" err="1">
+                <a:solidFill>
+                  <a:srgbClr val="404040"/>
+                </a:solidFill>
+                <a:latin typeface="Arial" panose="020B0604020202020204" pitchFamily="34" charset="0"/>
+              </a:rPr>
+              <a:t>를</a:t>
+            </a:r>
+            <a:r>
+              <a:rPr lang="ko-KR" altLang="ko-KR" sz="1400" dirty="0">
+                <a:solidFill>
+                  <a:srgbClr val="404040"/>
+                </a:solidFill>
+                <a:latin typeface="Arial" panose="020B0604020202020204" pitchFamily="34" charset="0"/>
+              </a:rPr>
+              <a:t> 뿌려주고 </a:t>
+            </a:r>
+            <a:endParaRPr lang="en-US" altLang="ko-KR" sz="1400" dirty="0">
+              <a:solidFill>
+                <a:srgbClr val="404040"/>
+              </a:solidFill>
+              <a:latin typeface="Arial" panose="020B0604020202020204" pitchFamily="34" charset="0"/>
+            </a:endParaRPr>
+          </a:p>
+          <a:p>
+            <a:pPr marL="285750" lvl="0" indent="-285750" eaLnBrk="0" fontAlgn="base" latinLnBrk="0" hangingPunct="0">
+              <a:spcBef>
+                <a:spcPct val="0"/>
+              </a:spcBef>
+              <a:spcAft>
+                <a:spcPct val="0"/>
+              </a:spcAft>
+              <a:buFont typeface="Wingdings" panose="05000000000000000000" pitchFamily="2" charset="2"/>
+              <a:buChar char="ü"/>
+            </a:pPr>
+            <a:r>
+              <a:rPr lang="ko-KR" altLang="ko-KR" sz="1400" dirty="0" err="1">
+                <a:solidFill>
+                  <a:srgbClr val="404040"/>
+                </a:solidFill>
+                <a:latin typeface="Arial" panose="020B0604020202020204" pitchFamily="34" charset="0"/>
+              </a:rPr>
+              <a:t>template_folder</a:t>
+            </a:r>
+            <a:r>
+              <a:rPr lang="ko-KR" altLang="ko-KR" sz="1400" dirty="0">
+                <a:solidFill>
+                  <a:srgbClr val="404040"/>
+                </a:solidFill>
+                <a:latin typeface="Arial" panose="020B0604020202020204" pitchFamily="34" charset="0"/>
+              </a:rPr>
+              <a:t> 로 </a:t>
+            </a:r>
+            <a:r>
+              <a:rPr lang="ko-KR" altLang="ko-KR" sz="1400" dirty="0" err="1">
+                <a:solidFill>
+                  <a:srgbClr val="404040"/>
+                </a:solidFill>
+                <a:latin typeface="Arial" panose="020B0604020202020204" pitchFamily="34" charset="0"/>
+              </a:rPr>
+              <a:t>templates</a:t>
+            </a:r>
+            <a:r>
+              <a:rPr lang="ko-KR" altLang="ko-KR" sz="1400" dirty="0">
+                <a:solidFill>
+                  <a:srgbClr val="404040"/>
+                </a:solidFill>
+                <a:latin typeface="Arial" panose="020B0604020202020204" pitchFamily="34" charset="0"/>
+              </a:rPr>
+              <a:t> </a:t>
+            </a:r>
+            <a:r>
+              <a:rPr lang="ko-KR" altLang="ko-KR" sz="1400" dirty="0" err="1">
+                <a:solidFill>
+                  <a:srgbClr val="404040"/>
+                </a:solidFill>
+                <a:latin typeface="Arial" panose="020B0604020202020204" pitchFamily="34" charset="0"/>
+              </a:rPr>
+              <a:t>를</a:t>
+            </a:r>
+            <a:r>
+              <a:rPr lang="ko-KR" altLang="ko-KR" sz="1400" dirty="0">
+                <a:solidFill>
+                  <a:srgbClr val="404040"/>
+                </a:solidFill>
+                <a:latin typeface="Arial" panose="020B0604020202020204" pitchFamily="34" charset="0"/>
+              </a:rPr>
+              <a:t> 제공한다면 </a:t>
+            </a:r>
+            <a:endParaRPr lang="en-US" altLang="ko-KR" sz="1400" dirty="0">
+              <a:solidFill>
+                <a:srgbClr val="404040"/>
+              </a:solidFill>
+              <a:latin typeface="Arial" panose="020B0604020202020204" pitchFamily="34" charset="0"/>
+            </a:endParaRPr>
+          </a:p>
+          <a:p>
+            <a:pPr marL="285750" lvl="0" indent="-285750" eaLnBrk="0" fontAlgn="base" latinLnBrk="0" hangingPunct="0">
+              <a:spcBef>
+                <a:spcPct val="0"/>
+              </a:spcBef>
+              <a:spcAft>
+                <a:spcPct val="0"/>
+              </a:spcAft>
+              <a:buFont typeface="Wingdings" panose="05000000000000000000" pitchFamily="2" charset="2"/>
+              <a:buChar char="ü"/>
+            </a:pPr>
+            <a:r>
+              <a:rPr lang="ko-KR" altLang="ko-KR" sz="1400" dirty="0" err="1">
+                <a:solidFill>
+                  <a:srgbClr val="404040"/>
+                </a:solidFill>
+                <a:latin typeface="Arial" panose="020B0604020202020204" pitchFamily="34" charset="0"/>
+              </a:rPr>
+              <a:t>yourapplication</a:t>
+            </a:r>
+            <a:r>
+              <a:rPr lang="ko-KR" altLang="ko-KR" sz="1400" dirty="0">
+                <a:solidFill>
+                  <a:srgbClr val="404040"/>
+                </a:solidFill>
+                <a:latin typeface="Arial" panose="020B0604020202020204" pitchFamily="34" charset="0"/>
+              </a:rPr>
+              <a:t>/</a:t>
+            </a:r>
+            <a:r>
+              <a:rPr lang="ko-KR" altLang="ko-KR" sz="1400" dirty="0" err="1">
+                <a:solidFill>
+                  <a:srgbClr val="404040"/>
+                </a:solidFill>
+                <a:latin typeface="Arial" panose="020B0604020202020204" pitchFamily="34" charset="0"/>
+              </a:rPr>
+              <a:t>admin</a:t>
+            </a:r>
+            <a:r>
+              <a:rPr lang="ko-KR" altLang="ko-KR" sz="1400" dirty="0">
+                <a:solidFill>
+                  <a:srgbClr val="404040"/>
+                </a:solidFill>
+                <a:latin typeface="Arial" panose="020B0604020202020204" pitchFamily="34" charset="0"/>
+              </a:rPr>
+              <a:t>/</a:t>
+            </a:r>
+            <a:r>
+              <a:rPr lang="ko-KR" altLang="ko-KR" sz="1400" dirty="0" err="1">
+                <a:solidFill>
+                  <a:srgbClr val="404040"/>
+                </a:solidFill>
+                <a:latin typeface="Arial" panose="020B0604020202020204" pitchFamily="34" charset="0"/>
+              </a:rPr>
+              <a:t>templates</a:t>
+            </a:r>
+            <a:r>
+              <a:rPr lang="ko-KR" altLang="ko-KR" sz="1400" dirty="0">
+                <a:solidFill>
+                  <a:srgbClr val="404040"/>
+                </a:solidFill>
+                <a:latin typeface="Arial" panose="020B0604020202020204" pitchFamily="34" charset="0"/>
+              </a:rPr>
+              <a:t>/</a:t>
+            </a:r>
+            <a:r>
+              <a:rPr lang="ko-KR" altLang="ko-KR" sz="1400" dirty="0" err="1">
+                <a:solidFill>
+                  <a:srgbClr val="404040"/>
+                </a:solidFill>
+                <a:latin typeface="Arial" panose="020B0604020202020204" pitchFamily="34" charset="0"/>
+              </a:rPr>
+              <a:t>admin</a:t>
+            </a:r>
+            <a:r>
+              <a:rPr lang="ko-KR" altLang="ko-KR" sz="1400" dirty="0">
+                <a:solidFill>
+                  <a:srgbClr val="404040"/>
+                </a:solidFill>
+                <a:latin typeface="Arial" panose="020B0604020202020204" pitchFamily="34" charset="0"/>
+              </a:rPr>
+              <a:t>/index.html 같이 파일을 생성해야 할 것이다. </a:t>
+            </a:r>
+          </a:p>
+        </p:txBody>
+      </p:sp>
+      <p:pic>
+        <p:nvPicPr>
+          <p:cNvPr id="14" name="그림 13">
+            <a:extLst>
+              <a:ext uri="{FF2B5EF4-FFF2-40B4-BE49-F238E27FC236}">
+                <a16:creationId xmlns:a16="http://schemas.microsoft.com/office/drawing/2014/main" id="{3FE8719D-630E-4600-A18C-1409F081D643}"/>
+              </a:ext>
+            </a:extLst>
+          </p:cNvPr>
+          <p:cNvPicPr>
+            <a:picLocks noChangeAspect="1"/>
+          </p:cNvPicPr>
+          <p:nvPr/>
+        </p:nvPicPr>
+        <p:blipFill>
+          <a:blip r:embed="rId2"/>
+          <a:stretch>
+            <a:fillRect/>
+          </a:stretch>
+        </p:blipFill>
+        <p:spPr>
+          <a:xfrm>
+            <a:off x="677334" y="2943092"/>
+            <a:ext cx="9955014" cy="571580"/>
+          </a:xfrm>
+          <a:prstGeom prst="rect">
+            <a:avLst/>
+          </a:prstGeom>
+        </p:spPr>
+      </p:pic>
+    </p:spTree>
+    <p:extLst>
+      <p:ext uri="{BB962C8B-B14F-4D97-AF65-F5344CB8AC3E}">
+        <p14:creationId xmlns:p14="http://schemas.microsoft.com/office/powerpoint/2010/main" val="1957972609"/>
+      </p:ext>
+    </p:extLst>
+  </p:cSld>
+  <p:clrMapOvr>
+    <a:masterClrMapping/>
+  </p:clrMapOvr>
+</p:sld>
+</file>
+
+<file path=ppt/slides/slide9.xml><?xml version="1.0" encoding="utf-8"?>
+<p:sld xmlns:a="http://schemas.openxmlformats.org/drawingml/2006/main" xmlns:r="http://schemas.openxmlformats.org/officeDocument/2006/relationships" xmlns:p="http://schemas.openxmlformats.org/presentationml/2006/main">
+  <p:cSld>
+    <p:spTree>
+      <p:nvGrpSpPr>
+        <p:cNvPr id="1" name=""/>
+        <p:cNvGrpSpPr/>
+        <p:nvPr/>
+      </p:nvGrpSpPr>
+      <p:grpSpPr>
+        <a:xfrm>
+          <a:off x="0" y="0"/>
+          <a:ext cx="0" cy="0"/>
+          <a:chOff x="0" y="0"/>
+          <a:chExt cx="0" cy="0"/>
+        </a:xfrm>
+      </p:grpSpPr>
+      <p:sp>
+        <p:nvSpPr>
+          <p:cNvPr id="2" name="제목 1">
+            <a:extLst>
+              <a:ext uri="{FF2B5EF4-FFF2-40B4-BE49-F238E27FC236}">
+                <a16:creationId xmlns:a16="http://schemas.microsoft.com/office/drawing/2014/main" id="{2EC833C6-FAC3-442B-803D-3FB02DF07980}"/>
+              </a:ext>
+            </a:extLst>
+          </p:cNvPr>
+          <p:cNvSpPr>
+            <a:spLocks noGrp="1"/>
+          </p:cNvSpPr>
+          <p:nvPr>
+            <p:ph type="title"/>
+          </p:nvPr>
+        </p:nvSpPr>
+        <p:spPr>
+          <a:xfrm>
+            <a:off x="677334" y="609600"/>
+            <a:ext cx="8596668" cy="517864"/>
+          </a:xfrm>
+        </p:spPr>
+        <p:txBody>
+          <a:bodyPr>
+            <a:normAutofit fontScale="90000"/>
+          </a:bodyPr>
+          <a:lstStyle/>
+          <a:p>
+            <a:r>
+              <a:rPr lang="en-US" altLang="ko-KR" dirty="0"/>
+              <a:t>9. Pagination</a:t>
+            </a:r>
+            <a:endParaRPr lang="ko-KR" altLang="en-US" dirty="0"/>
+          </a:p>
+        </p:txBody>
+      </p:sp>
+      <p:sp>
+        <p:nvSpPr>
+          <p:cNvPr id="6" name="직사각형 5">
+            <a:extLst>
+              <a:ext uri="{FF2B5EF4-FFF2-40B4-BE49-F238E27FC236}">
+                <a16:creationId xmlns:a16="http://schemas.microsoft.com/office/drawing/2014/main" id="{6A60F032-B172-43E0-B147-16329887DE8F}"/>
+              </a:ext>
+            </a:extLst>
+          </p:cNvPr>
+          <p:cNvSpPr/>
+          <p:nvPr/>
+        </p:nvSpPr>
+        <p:spPr>
+          <a:xfrm>
+            <a:off x="677334" y="1894853"/>
+            <a:ext cx="10774860" cy="523220"/>
+          </a:xfrm>
+          <a:prstGeom prst="rect">
+            <a:avLst/>
+          </a:prstGeom>
+        </p:spPr>
+        <p:txBody>
+          <a:bodyPr wrap="square">
+            <a:spAutoFit/>
+          </a:bodyPr>
+          <a:lstStyle/>
+          <a:p>
+            <a:pPr marL="285750" lvl="0" indent="-285750" eaLnBrk="0" fontAlgn="base" latinLnBrk="0" hangingPunct="0">
+              <a:spcBef>
+                <a:spcPct val="0"/>
+              </a:spcBef>
+              <a:spcAft>
+                <a:spcPct val="0"/>
+              </a:spcAft>
+              <a:buFont typeface="Arial" panose="020B0604020202020204" pitchFamily="34" charset="0"/>
+              <a:buChar char="•"/>
+            </a:pPr>
+            <a:r>
+              <a:rPr lang="ko-KR" altLang="ko-KR" sz="1400" dirty="0">
+                <a:solidFill>
+                  <a:srgbClr val="404040"/>
+                </a:solidFill>
+                <a:latin typeface="Arial" panose="020B0604020202020204" pitchFamily="34" charset="0"/>
+              </a:rPr>
+              <a:t>하나의 페이지에서 다른 페이지로 링크하고 싶다면 보통 </a:t>
+            </a:r>
+            <a:r>
+              <a:rPr lang="ko-KR" altLang="ko-KR" sz="1400" dirty="0" err="1">
+                <a:solidFill>
+                  <a:srgbClr val="404040"/>
+                </a:solidFill>
+                <a:latin typeface="Arial" panose="020B0604020202020204" pitchFamily="34" charset="0"/>
+              </a:rPr>
+              <a:t>블루프린트명을</a:t>
+            </a:r>
+            <a:r>
+              <a:rPr lang="ko-KR" altLang="ko-KR" sz="1400" dirty="0">
+                <a:solidFill>
+                  <a:srgbClr val="404040"/>
+                </a:solidFill>
+                <a:latin typeface="Arial" panose="020B0604020202020204" pitchFamily="34" charset="0"/>
+              </a:rPr>
+              <a:t> 접두어로 하고 점 (.) </a:t>
+            </a:r>
+            <a:r>
+              <a:rPr lang="ko-KR" altLang="ko-KR" sz="1400" dirty="0" err="1">
+                <a:solidFill>
+                  <a:srgbClr val="404040"/>
+                </a:solidFill>
+                <a:latin typeface="Arial" panose="020B0604020202020204" pitchFamily="34" charset="0"/>
+              </a:rPr>
+              <a:t>으로</a:t>
+            </a:r>
+            <a:r>
+              <a:rPr lang="ko-KR" altLang="ko-KR" sz="1400" dirty="0">
+                <a:solidFill>
+                  <a:srgbClr val="404040"/>
+                </a:solidFill>
+                <a:latin typeface="Arial" panose="020B0604020202020204" pitchFamily="34" charset="0"/>
+              </a:rPr>
+              <a:t> URL 끝점을 구분하는 것처럼 </a:t>
+            </a:r>
+            <a:r>
+              <a:rPr lang="ko-KR" altLang="ko-KR" sz="1400" dirty="0" err="1">
+                <a:solidFill>
+                  <a:srgbClr val="404040"/>
+                </a:solidFill>
+                <a:latin typeface="Arial" panose="020B0604020202020204" pitchFamily="34" charset="0"/>
+              </a:rPr>
+              <a:t>url_for</a:t>
+            </a:r>
+            <a:r>
+              <a:rPr lang="ko-KR" altLang="ko-KR" sz="1400" dirty="0">
+                <a:solidFill>
+                  <a:srgbClr val="404040"/>
+                </a:solidFill>
+                <a:latin typeface="Arial" panose="020B0604020202020204" pitchFamily="34" charset="0"/>
+              </a:rPr>
+              <a:t>() 함수를 사용할 수 있다: </a:t>
+            </a:r>
+          </a:p>
+        </p:txBody>
+      </p:sp>
+      <p:sp>
+        <p:nvSpPr>
+          <p:cNvPr id="7" name="제목 1">
+            <a:extLst>
+              <a:ext uri="{FF2B5EF4-FFF2-40B4-BE49-F238E27FC236}">
+                <a16:creationId xmlns:a16="http://schemas.microsoft.com/office/drawing/2014/main" id="{453FF060-58F0-4366-9AA1-883792CE5955}"/>
+              </a:ext>
+            </a:extLst>
+          </p:cNvPr>
+          <p:cNvSpPr txBox="1">
+            <a:spLocks/>
+          </p:cNvSpPr>
+          <p:nvPr/>
+        </p:nvSpPr>
+        <p:spPr>
+          <a:xfrm>
+            <a:off x="1091421" y="1144214"/>
+            <a:ext cx="7768494" cy="517864"/>
+          </a:xfrm>
+          <a:prstGeom prst="rect">
+            <a:avLst/>
+          </a:prstGeom>
+        </p:spPr>
+        <p:txBody>
+          <a:bodyPr vert="horz" lIns="91440" tIns="45720" rIns="91440" bIns="45720" rtlCol="0" anchor="t">
+            <a:normAutofit fontScale="45000" lnSpcReduction="20000"/>
+          </a:bodyPr>
+          <a:lstStyle>
+            <a:lvl1pPr algn="l" defTabSz="457200" rtl="0" eaLnBrk="1" latinLnBrk="1" hangingPunct="1">
+              <a:spcBef>
+                <a:spcPct val="0"/>
+              </a:spcBef>
+              <a:buNone/>
+              <a:defRPr sz="3600" kern="1200">
+                <a:solidFill>
+                  <a:schemeClr val="accent1"/>
+                </a:solidFill>
+                <a:latin typeface="+mj-lt"/>
+                <a:ea typeface="+mj-ea"/>
+                <a:cs typeface="+mj-cs"/>
+              </a:defRPr>
+            </a:lvl1pPr>
+            <a:lvl2pPr eaLnBrk="1" latinLnBrk="1" hangingPunct="1">
+              <a:defRPr>
+                <a:solidFill>
+                  <a:schemeClr val="tx2"/>
+                </a:solidFill>
+              </a:defRPr>
+            </a:lvl2pPr>
+            <a:lvl3pPr eaLnBrk="1" latinLnBrk="1" hangingPunct="1">
+              <a:defRPr>
+                <a:solidFill>
+                  <a:schemeClr val="tx2"/>
+                </a:solidFill>
+              </a:defRPr>
+            </a:lvl3pPr>
+            <a:lvl4pPr eaLnBrk="1" latinLnBrk="1" hangingPunct="1">
+              <a:defRPr>
+                <a:solidFill>
+                  <a:schemeClr val="tx2"/>
+                </a:solidFill>
+              </a:defRPr>
+            </a:lvl4pPr>
+            <a:lvl5pPr eaLnBrk="1" latinLnBrk="1" hangingPunct="1">
+              <a:defRPr>
+                <a:solidFill>
+                  <a:schemeClr val="tx2"/>
+                </a:solidFill>
+              </a:defRPr>
+            </a:lvl5pPr>
+            <a:lvl6pPr eaLnBrk="1" latinLnBrk="1" hangingPunct="1">
+              <a:defRPr>
+                <a:solidFill>
+                  <a:schemeClr val="tx2"/>
+                </a:solidFill>
+              </a:defRPr>
+            </a:lvl6pPr>
+            <a:lvl7pPr eaLnBrk="1" latinLnBrk="1" hangingPunct="1">
+              <a:defRPr>
+                <a:solidFill>
+                  <a:schemeClr val="tx2"/>
+                </a:solidFill>
+              </a:defRPr>
+            </a:lvl7pPr>
+            <a:lvl8pPr eaLnBrk="1" latinLnBrk="1" hangingPunct="1">
+              <a:defRPr>
+                <a:solidFill>
+                  <a:schemeClr val="tx2"/>
+                </a:solidFill>
+              </a:defRPr>
+            </a:lvl8pPr>
+            <a:lvl9pPr eaLnBrk="1" latinLnBrk="1" hangingPunct="1">
+              <a:defRPr>
+                <a:solidFill>
+                  <a:schemeClr val="tx2"/>
+                </a:solidFill>
+              </a:defRPr>
+            </a:lvl9pPr>
+          </a:lstStyle>
+          <a:p>
+            <a:endParaRPr lang="en-US" altLang="ko-KR" dirty="0"/>
+          </a:p>
+          <a:p>
+            <a:r>
+              <a:rPr lang="en-US" altLang="ko-KR" dirty="0"/>
+              <a:t>URL </a:t>
+            </a:r>
+            <a:r>
+              <a:rPr lang="ko-KR" altLang="en-US" dirty="0" err="1"/>
+              <a:t>만들리</a:t>
+            </a:r>
+            <a:endParaRPr lang="en-US" altLang="ko-KR" dirty="0"/>
+          </a:p>
+        </p:txBody>
+      </p:sp>
+      <p:sp>
+        <p:nvSpPr>
+          <p:cNvPr id="4" name="Rectangle 1">
+            <a:extLst>
+              <a:ext uri="{FF2B5EF4-FFF2-40B4-BE49-F238E27FC236}">
+                <a16:creationId xmlns:a16="http://schemas.microsoft.com/office/drawing/2014/main" id="{2E5C360F-E4DE-4330-86B1-C13C80502F25}"/>
+              </a:ext>
+            </a:extLst>
+          </p:cNvPr>
+          <p:cNvSpPr>
+            <a:spLocks noChangeArrowheads="1"/>
+          </p:cNvSpPr>
+          <p:nvPr/>
+        </p:nvSpPr>
+        <p:spPr bwMode="auto">
+          <a:xfrm>
+            <a:off x="0" y="43934"/>
+            <a:ext cx="184731" cy="369332"/>
+          </a:xfrm>
+          <a:prstGeom prst="rect">
+            <a:avLst/>
+          </a:prstGeom>
+          <a:solidFill>
+            <a:srgbClr val="FFFFFF"/>
+          </a:solidFill>
+          <a:ln>
+            <a:noFill/>
+          </a:ln>
+          <a:effectLst/>
+          <a:extLst>
+            <a:ext uri="{91240B29-F687-4F45-9708-019B960494DF}">
+              <a14:hiddenLine xmlns:a14="http://schemas.microsoft.com/office/drawing/2010/main" w="9525">
+                <a:solidFill>
+                  <a:schemeClr val="tx1"/>
+                </a:solidFill>
+                <a:miter lim="800000"/>
+                <a:headEnd/>
+                <a:tailEnd/>
+              </a14:hiddenLine>
+            </a:ext>
+            <a:ext uri="{AF507438-7753-43E0-B8FC-AC1667EBCBE1}">
+              <a14:hiddenEffects xmlns:a14="http://schemas.microsoft.com/office/drawing/2010/main">
+                <a:effectLst>
+                  <a:outerShdw dist="35921" dir="2700000" algn="ctr" rotWithShape="0">
+                    <a:schemeClr val="bg2"/>
+                  </a:outerShdw>
+                </a:effectLst>
+              </a14:hiddenEffects>
+            </a:ext>
+          </a:extLst>
+        </p:spPr>
+        <p:txBody>
+          <a:bodyPr vert="horz" wrap="none" lIns="91440" tIns="45720" rIns="91440" bIns="45720" numCol="1" anchor="ctr" anchorCtr="0" compatLnSpc="1">
+            <a:prstTxWarp prst="textNoShape">
+              <a:avLst/>
+            </a:prstTxWarp>
+            <a:spAutoFit/>
+          </a:bodyPr>
+          <a:lstStyle>
+            <a:lvl1pPr eaLnBrk="0" fontAlgn="base" hangingPunct="0">
+              <a:spcBef>
+                <a:spcPct val="0"/>
+              </a:spcBef>
+              <a:spcAft>
+                <a:spcPct val="0"/>
+              </a:spcAft>
+              <a:defRPr>
+                <a:solidFill>
+                  <a:schemeClr val="tx1"/>
+                </a:solidFill>
+                <a:latin typeface="Arial" panose="020B0604020202020204" pitchFamily="34" charset="0"/>
+              </a:defRPr>
+            </a:lvl1pPr>
+            <a:lvl2pPr eaLnBrk="0" fontAlgn="base" hangingPunct="0">
+              <a:spcBef>
+                <a:spcPct val="0"/>
+              </a:spcBef>
+              <a:spcAft>
+                <a:spcPct val="0"/>
+              </a:spcAft>
+              <a:defRPr>
+                <a:solidFill>
+                  <a:schemeClr val="tx1"/>
+                </a:solidFill>
+                <a:latin typeface="Arial" panose="020B0604020202020204" pitchFamily="34" charset="0"/>
+              </a:defRPr>
+            </a:lvl2pPr>
+            <a:lvl3pPr eaLnBrk="0" fontAlgn="base" hangingPunct="0">
+              <a:spcBef>
+                <a:spcPct val="0"/>
+              </a:spcBef>
+              <a:spcAft>
+                <a:spcPct val="0"/>
+              </a:spcAft>
+              <a:defRPr>
+                <a:solidFill>
+                  <a:schemeClr val="tx1"/>
+                </a:solidFill>
+                <a:latin typeface="Arial" panose="020B0604020202020204" pitchFamily="34" charset="0"/>
+              </a:defRPr>
+            </a:lvl3pPr>
+            <a:lvl4pPr eaLnBrk="0" fontAlgn="base" hangingPunct="0">
+              <a:spcBef>
+                <a:spcPct val="0"/>
+              </a:spcBef>
+              <a:spcAft>
+                <a:spcPct val="0"/>
+              </a:spcAft>
+              <a:defRPr>
+                <a:solidFill>
+                  <a:schemeClr val="tx1"/>
+                </a:solidFill>
+                <a:latin typeface="Arial" panose="020B0604020202020204" pitchFamily="34" charset="0"/>
+              </a:defRPr>
+            </a:lvl4pPr>
+            <a:lvl5pPr eaLnBrk="0" fontAlgn="base" hangingPunct="0">
+              <a:spcBef>
+                <a:spcPct val="0"/>
+              </a:spcBef>
+              <a:spcAft>
+                <a:spcPct val="0"/>
+              </a:spcAft>
+              <a:defRPr>
+                <a:solidFill>
+                  <a:schemeClr val="tx1"/>
+                </a:solidFill>
+                <a:latin typeface="Arial" panose="020B0604020202020204" pitchFamily="34" charset="0"/>
+              </a:defRPr>
+            </a:lvl5pPr>
+            <a:lvl6pPr eaLnBrk="0" fontAlgn="base" hangingPunct="0">
+              <a:spcBef>
+                <a:spcPct val="0"/>
+              </a:spcBef>
+              <a:spcAft>
+                <a:spcPct val="0"/>
+              </a:spcAft>
+              <a:defRPr>
+                <a:solidFill>
+                  <a:schemeClr val="tx1"/>
+                </a:solidFill>
+                <a:latin typeface="Arial" panose="020B0604020202020204" pitchFamily="34" charset="0"/>
+              </a:defRPr>
+            </a:lvl6pPr>
+            <a:lvl7pPr eaLnBrk="0" fontAlgn="base" hangingPunct="0">
+              <a:spcBef>
+                <a:spcPct val="0"/>
+              </a:spcBef>
+              <a:spcAft>
+                <a:spcPct val="0"/>
+              </a:spcAft>
+              <a:defRPr>
+                <a:solidFill>
+                  <a:schemeClr val="tx1"/>
+                </a:solidFill>
+                <a:latin typeface="Arial" panose="020B0604020202020204" pitchFamily="34" charset="0"/>
+              </a:defRPr>
+            </a:lvl7pPr>
+            <a:lvl8pPr eaLnBrk="0" fontAlgn="base" hangingPunct="0">
+              <a:spcBef>
+                <a:spcPct val="0"/>
+              </a:spcBef>
+              <a:spcAft>
+                <a:spcPct val="0"/>
+              </a:spcAft>
+              <a:defRPr>
+                <a:solidFill>
+                  <a:schemeClr val="tx1"/>
+                </a:solidFill>
+                <a:latin typeface="Arial" panose="020B0604020202020204" pitchFamily="34" charset="0"/>
+              </a:defRPr>
+            </a:lvl8pPr>
+            <a:lvl9pPr eaLnBrk="0" fontAlgn="base" hangingPunct="0">
+              <a:spcBef>
+                <a:spcPct val="0"/>
+              </a:spcBef>
+              <a:spcAft>
+                <a:spcPct val="0"/>
+              </a:spcAft>
+              <a:defRPr>
+                <a:solidFill>
+                  <a:schemeClr val="tx1"/>
+                </a:solidFill>
+                <a:latin typeface="Arial" panose="020B0604020202020204" pitchFamily="34" charset="0"/>
+              </a:defRPr>
+            </a:lvl9pPr>
+          </a:lstStyle>
+          <a:p>
+            <a:pPr marL="0" marR="0" lvl="0" indent="0" algn="l" defTabSz="914400" rtl="0" eaLnBrk="0" fontAlgn="base" latinLnBrk="0" hangingPunct="0">
+              <a:lnSpc>
+                <a:spcPct val="100000"/>
+              </a:lnSpc>
+              <a:spcBef>
+                <a:spcPct val="0"/>
+              </a:spcBef>
+              <a:spcAft>
+                <a:spcPct val="0"/>
+              </a:spcAft>
+              <a:buClrTx/>
+              <a:buSzTx/>
+              <a:buFontTx/>
+              <a:buNone/>
+              <a:tabLst/>
+            </a:pPr>
+            <a:endParaRPr kumimoji="0" lang="ko-KR" altLang="ko-KR" sz="1800" b="0" i="0" u="none" strike="noStrike" cap="none" normalizeH="0" baseline="0" dirty="0">
+              <a:ln>
+                <a:noFill/>
+              </a:ln>
+              <a:solidFill>
+                <a:schemeClr val="tx1"/>
+              </a:solidFill>
+              <a:effectLst/>
+              <a:latin typeface="Arial" panose="020B0604020202020204" pitchFamily="34" charset="0"/>
+            </a:endParaRPr>
+          </a:p>
+        </p:txBody>
+      </p:sp>
+      <p:sp>
+        <p:nvSpPr>
+          <p:cNvPr id="3" name="Rectangle 1">
+            <a:extLst>
+              <a:ext uri="{FF2B5EF4-FFF2-40B4-BE49-F238E27FC236}">
+                <a16:creationId xmlns:a16="http://schemas.microsoft.com/office/drawing/2014/main" id="{53D05D85-305B-4F39-B277-AB8E60136C2E}"/>
+              </a:ext>
+            </a:extLst>
+          </p:cNvPr>
+          <p:cNvSpPr>
+            <a:spLocks noChangeArrowheads="1"/>
+          </p:cNvSpPr>
+          <p:nvPr/>
+        </p:nvSpPr>
+        <p:spPr bwMode="auto">
+          <a:xfrm>
+            <a:off x="0" y="43934"/>
+            <a:ext cx="184731" cy="369332"/>
+          </a:xfrm>
+          <a:prstGeom prst="rect">
+            <a:avLst/>
+          </a:prstGeom>
+          <a:solidFill>
+            <a:srgbClr val="FFFFFF"/>
+          </a:solidFill>
+          <a:ln>
+            <a:noFill/>
+          </a:ln>
+          <a:effectLst/>
+          <a:extLst>
+            <a:ext uri="{91240B29-F687-4F45-9708-019B960494DF}">
+              <a14:hiddenLine xmlns:a14="http://schemas.microsoft.com/office/drawing/2010/main" w="9525">
+                <a:solidFill>
+                  <a:schemeClr val="tx1"/>
+                </a:solidFill>
+                <a:miter lim="800000"/>
+                <a:headEnd/>
+                <a:tailEnd/>
+              </a14:hiddenLine>
+            </a:ext>
+            <a:ext uri="{AF507438-7753-43E0-B8FC-AC1667EBCBE1}">
+              <a14:hiddenEffects xmlns:a14="http://schemas.microsoft.com/office/drawing/2010/main">
+                <a:effectLst>
+                  <a:outerShdw dist="35921" dir="2700000" algn="ctr" rotWithShape="0">
+                    <a:schemeClr val="bg2"/>
+                  </a:outerShdw>
+                </a:effectLst>
+              </a14:hiddenEffects>
+            </a:ext>
+          </a:extLst>
+        </p:spPr>
+        <p:txBody>
+          <a:bodyPr vert="horz" wrap="none" lIns="91440" tIns="45720" rIns="91440" bIns="45720" numCol="1" anchor="ctr" anchorCtr="0" compatLnSpc="1">
+            <a:prstTxWarp prst="textNoShape">
+              <a:avLst/>
+            </a:prstTxWarp>
+            <a:spAutoFit/>
+          </a:bodyPr>
+          <a:lstStyle>
+            <a:lvl1pPr eaLnBrk="0" fontAlgn="base" hangingPunct="0">
+              <a:spcBef>
+                <a:spcPct val="0"/>
+              </a:spcBef>
+              <a:spcAft>
+                <a:spcPct val="0"/>
+              </a:spcAft>
+              <a:defRPr>
+                <a:solidFill>
+                  <a:schemeClr val="tx1"/>
+                </a:solidFill>
+                <a:latin typeface="Arial" panose="020B0604020202020204" pitchFamily="34" charset="0"/>
+              </a:defRPr>
+            </a:lvl1pPr>
+            <a:lvl2pPr eaLnBrk="0" fontAlgn="base" hangingPunct="0">
+              <a:spcBef>
+                <a:spcPct val="0"/>
+              </a:spcBef>
+              <a:spcAft>
+                <a:spcPct val="0"/>
+              </a:spcAft>
+              <a:defRPr>
+                <a:solidFill>
+                  <a:schemeClr val="tx1"/>
+                </a:solidFill>
+                <a:latin typeface="Arial" panose="020B0604020202020204" pitchFamily="34" charset="0"/>
+              </a:defRPr>
+            </a:lvl2pPr>
+            <a:lvl3pPr eaLnBrk="0" fontAlgn="base" hangingPunct="0">
+              <a:spcBef>
+                <a:spcPct val="0"/>
+              </a:spcBef>
+              <a:spcAft>
+                <a:spcPct val="0"/>
+              </a:spcAft>
+              <a:defRPr>
+                <a:solidFill>
+                  <a:schemeClr val="tx1"/>
+                </a:solidFill>
+                <a:latin typeface="Arial" panose="020B0604020202020204" pitchFamily="34" charset="0"/>
+              </a:defRPr>
+            </a:lvl3pPr>
+            <a:lvl4pPr eaLnBrk="0" fontAlgn="base" hangingPunct="0">
+              <a:spcBef>
+                <a:spcPct val="0"/>
+              </a:spcBef>
+              <a:spcAft>
+                <a:spcPct val="0"/>
+              </a:spcAft>
+              <a:defRPr>
+                <a:solidFill>
+                  <a:schemeClr val="tx1"/>
+                </a:solidFill>
+                <a:latin typeface="Arial" panose="020B0604020202020204" pitchFamily="34" charset="0"/>
+              </a:defRPr>
+            </a:lvl4pPr>
+            <a:lvl5pPr eaLnBrk="0" fontAlgn="base" hangingPunct="0">
+              <a:spcBef>
+                <a:spcPct val="0"/>
+              </a:spcBef>
+              <a:spcAft>
+                <a:spcPct val="0"/>
+              </a:spcAft>
+              <a:defRPr>
+                <a:solidFill>
+                  <a:schemeClr val="tx1"/>
+                </a:solidFill>
+                <a:latin typeface="Arial" panose="020B0604020202020204" pitchFamily="34" charset="0"/>
+              </a:defRPr>
+            </a:lvl5pPr>
+            <a:lvl6pPr eaLnBrk="0" fontAlgn="base" hangingPunct="0">
+              <a:spcBef>
+                <a:spcPct val="0"/>
+              </a:spcBef>
+              <a:spcAft>
+                <a:spcPct val="0"/>
+              </a:spcAft>
+              <a:defRPr>
+                <a:solidFill>
+                  <a:schemeClr val="tx1"/>
+                </a:solidFill>
+                <a:latin typeface="Arial" panose="020B0604020202020204" pitchFamily="34" charset="0"/>
+              </a:defRPr>
+            </a:lvl6pPr>
+            <a:lvl7pPr eaLnBrk="0" fontAlgn="base" hangingPunct="0">
+              <a:spcBef>
+                <a:spcPct val="0"/>
+              </a:spcBef>
+              <a:spcAft>
+                <a:spcPct val="0"/>
+              </a:spcAft>
+              <a:defRPr>
+                <a:solidFill>
+                  <a:schemeClr val="tx1"/>
+                </a:solidFill>
+                <a:latin typeface="Arial" panose="020B0604020202020204" pitchFamily="34" charset="0"/>
+              </a:defRPr>
+            </a:lvl7pPr>
+            <a:lvl8pPr eaLnBrk="0" fontAlgn="base" hangingPunct="0">
+              <a:spcBef>
+                <a:spcPct val="0"/>
+              </a:spcBef>
+              <a:spcAft>
+                <a:spcPct val="0"/>
+              </a:spcAft>
+              <a:defRPr>
+                <a:solidFill>
+                  <a:schemeClr val="tx1"/>
+                </a:solidFill>
+                <a:latin typeface="Arial" panose="020B0604020202020204" pitchFamily="34" charset="0"/>
+              </a:defRPr>
+            </a:lvl8pPr>
+            <a:lvl9pPr eaLnBrk="0" fontAlgn="base" hangingPunct="0">
+              <a:spcBef>
+                <a:spcPct val="0"/>
+              </a:spcBef>
+              <a:spcAft>
+                <a:spcPct val="0"/>
+              </a:spcAft>
+              <a:defRPr>
+                <a:solidFill>
+                  <a:schemeClr val="tx1"/>
+                </a:solidFill>
+                <a:latin typeface="Arial" panose="020B0604020202020204" pitchFamily="34" charset="0"/>
+              </a:defRPr>
+            </a:lvl9pPr>
+          </a:lstStyle>
+          <a:p>
+            <a:pPr marL="0" marR="0" lvl="0" indent="0" algn="l" defTabSz="914400" rtl="0" eaLnBrk="0" fontAlgn="base" latinLnBrk="0" hangingPunct="0">
+              <a:lnSpc>
+                <a:spcPct val="100000"/>
+              </a:lnSpc>
+              <a:spcBef>
+                <a:spcPct val="0"/>
+              </a:spcBef>
+              <a:spcAft>
+                <a:spcPct val="0"/>
+              </a:spcAft>
+              <a:buClrTx/>
+              <a:buSzTx/>
+              <a:buFontTx/>
+              <a:buNone/>
+              <a:tabLst/>
+            </a:pPr>
+            <a:endParaRPr kumimoji="0" lang="ko-KR" altLang="ko-KR" sz="1800" b="0" i="0" u="none" strike="noStrike" cap="none" normalizeH="0" baseline="0" dirty="0">
+              <a:ln>
+                <a:noFill/>
+              </a:ln>
+              <a:solidFill>
+                <a:schemeClr val="tx1"/>
+              </a:solidFill>
+              <a:effectLst/>
+              <a:latin typeface="Arial" panose="020B0604020202020204" pitchFamily="34" charset="0"/>
+            </a:endParaRPr>
+          </a:p>
+        </p:txBody>
+      </p:sp>
+      <p:sp>
+        <p:nvSpPr>
+          <p:cNvPr id="5" name="Rectangle 1">
+            <a:extLst>
+              <a:ext uri="{FF2B5EF4-FFF2-40B4-BE49-F238E27FC236}">
+                <a16:creationId xmlns:a16="http://schemas.microsoft.com/office/drawing/2014/main" id="{60C3E2BF-3FA0-4997-BCC8-F7CF8C56423D}"/>
+              </a:ext>
+            </a:extLst>
+          </p:cNvPr>
+          <p:cNvSpPr>
+            <a:spLocks noChangeArrowheads="1"/>
+          </p:cNvSpPr>
+          <p:nvPr/>
+        </p:nvSpPr>
+        <p:spPr bwMode="auto">
+          <a:xfrm>
+            <a:off x="0" y="-184666"/>
+            <a:ext cx="184731" cy="369332"/>
+          </a:xfrm>
+          <a:prstGeom prst="rect">
+            <a:avLst/>
+          </a:prstGeom>
+          <a:solidFill>
+            <a:srgbClr val="FFFFFF"/>
+          </a:solidFill>
+          <a:ln>
+            <a:noFill/>
+          </a:ln>
+          <a:effectLst/>
+          <a:extLst>
+            <a:ext uri="{91240B29-F687-4F45-9708-019B960494DF}">
+              <a14:hiddenLine xmlns:a14="http://schemas.microsoft.com/office/drawing/2010/main" w="9525">
+                <a:solidFill>
+                  <a:schemeClr val="tx1"/>
+                </a:solidFill>
+                <a:miter lim="800000"/>
+                <a:headEnd/>
+                <a:tailEnd/>
+              </a14:hiddenLine>
+            </a:ext>
+            <a:ext uri="{AF507438-7753-43E0-B8FC-AC1667EBCBE1}">
+              <a14:hiddenEffects xmlns:a14="http://schemas.microsoft.com/office/drawing/2010/main">
+                <a:effectLst>
+                  <a:outerShdw dist="35921" dir="2700000" algn="ctr" rotWithShape="0">
+                    <a:schemeClr val="bg2"/>
+                  </a:outerShdw>
+                </a:effectLst>
+              </a14:hiddenEffects>
+            </a:ext>
+          </a:extLst>
+        </p:spPr>
+        <p:txBody>
+          <a:bodyPr vert="horz" wrap="none" lIns="91440" tIns="45720" rIns="91440" bIns="45720" numCol="1" anchor="ctr" anchorCtr="0" compatLnSpc="1">
+            <a:prstTxWarp prst="textNoShape">
+              <a:avLst/>
+            </a:prstTxWarp>
+            <a:spAutoFit/>
+          </a:bodyPr>
+          <a:lstStyle>
+            <a:lvl1pPr eaLnBrk="0" fontAlgn="base" hangingPunct="0">
+              <a:spcBef>
+                <a:spcPct val="0"/>
+              </a:spcBef>
+              <a:spcAft>
+                <a:spcPct val="0"/>
+              </a:spcAft>
+              <a:defRPr>
+                <a:solidFill>
+                  <a:schemeClr val="tx1"/>
+                </a:solidFill>
+                <a:latin typeface="Arial" panose="020B0604020202020204" pitchFamily="34" charset="0"/>
+              </a:defRPr>
+            </a:lvl1pPr>
+            <a:lvl2pPr eaLnBrk="0" fontAlgn="base" hangingPunct="0">
+              <a:spcBef>
+                <a:spcPct val="0"/>
+              </a:spcBef>
+              <a:spcAft>
+                <a:spcPct val="0"/>
+              </a:spcAft>
+              <a:defRPr>
+                <a:solidFill>
+                  <a:schemeClr val="tx1"/>
+                </a:solidFill>
+                <a:latin typeface="Arial" panose="020B0604020202020204" pitchFamily="34" charset="0"/>
+              </a:defRPr>
+            </a:lvl2pPr>
+            <a:lvl3pPr eaLnBrk="0" fontAlgn="base" hangingPunct="0">
+              <a:spcBef>
+                <a:spcPct val="0"/>
+              </a:spcBef>
+              <a:spcAft>
+                <a:spcPct val="0"/>
+              </a:spcAft>
+              <a:defRPr>
+                <a:solidFill>
+                  <a:schemeClr val="tx1"/>
+                </a:solidFill>
+                <a:latin typeface="Arial" panose="020B0604020202020204" pitchFamily="34" charset="0"/>
+              </a:defRPr>
+            </a:lvl3pPr>
+            <a:lvl4pPr eaLnBrk="0" fontAlgn="base" hangingPunct="0">
+              <a:spcBef>
+                <a:spcPct val="0"/>
+              </a:spcBef>
+              <a:spcAft>
+                <a:spcPct val="0"/>
+              </a:spcAft>
+              <a:defRPr>
+                <a:solidFill>
+                  <a:schemeClr val="tx1"/>
+                </a:solidFill>
+                <a:latin typeface="Arial" panose="020B0604020202020204" pitchFamily="34" charset="0"/>
+              </a:defRPr>
+            </a:lvl4pPr>
+            <a:lvl5pPr eaLnBrk="0" fontAlgn="base" hangingPunct="0">
+              <a:spcBef>
+                <a:spcPct val="0"/>
+              </a:spcBef>
+              <a:spcAft>
+                <a:spcPct val="0"/>
+              </a:spcAft>
+              <a:defRPr>
+                <a:solidFill>
+                  <a:schemeClr val="tx1"/>
+                </a:solidFill>
+                <a:latin typeface="Arial" panose="020B0604020202020204" pitchFamily="34" charset="0"/>
+              </a:defRPr>
+            </a:lvl5pPr>
+            <a:lvl6pPr eaLnBrk="0" fontAlgn="base" hangingPunct="0">
+              <a:spcBef>
+                <a:spcPct val="0"/>
+              </a:spcBef>
+              <a:spcAft>
+                <a:spcPct val="0"/>
+              </a:spcAft>
+              <a:defRPr>
+                <a:solidFill>
+                  <a:schemeClr val="tx1"/>
+                </a:solidFill>
+                <a:latin typeface="Arial" panose="020B0604020202020204" pitchFamily="34" charset="0"/>
+              </a:defRPr>
+            </a:lvl6pPr>
+            <a:lvl7pPr eaLnBrk="0" fontAlgn="base" hangingPunct="0">
+              <a:spcBef>
+                <a:spcPct val="0"/>
+              </a:spcBef>
+              <a:spcAft>
+                <a:spcPct val="0"/>
+              </a:spcAft>
+              <a:defRPr>
+                <a:solidFill>
+                  <a:schemeClr val="tx1"/>
+                </a:solidFill>
+                <a:latin typeface="Arial" panose="020B0604020202020204" pitchFamily="34" charset="0"/>
+              </a:defRPr>
+            </a:lvl7pPr>
+            <a:lvl8pPr eaLnBrk="0" fontAlgn="base" hangingPunct="0">
+              <a:spcBef>
+                <a:spcPct val="0"/>
+              </a:spcBef>
+              <a:spcAft>
+                <a:spcPct val="0"/>
+              </a:spcAft>
+              <a:defRPr>
+                <a:solidFill>
+                  <a:schemeClr val="tx1"/>
+                </a:solidFill>
+                <a:latin typeface="Arial" panose="020B0604020202020204" pitchFamily="34" charset="0"/>
+              </a:defRPr>
+            </a:lvl8pPr>
+            <a:lvl9pPr eaLnBrk="0" fontAlgn="base" hangingPunct="0">
+              <a:spcBef>
+                <a:spcPct val="0"/>
+              </a:spcBef>
+              <a:spcAft>
+                <a:spcPct val="0"/>
+              </a:spcAft>
+              <a:defRPr>
+                <a:solidFill>
+                  <a:schemeClr val="tx1"/>
+                </a:solidFill>
+                <a:latin typeface="Arial" panose="020B0604020202020204" pitchFamily="34" charset="0"/>
+              </a:defRPr>
+            </a:lvl9pPr>
+          </a:lstStyle>
+          <a:p>
+            <a:pPr marL="0" marR="0" lvl="0" indent="0" algn="l" defTabSz="914400" rtl="0" eaLnBrk="0" fontAlgn="base" latinLnBrk="0" hangingPunct="0">
+              <a:lnSpc>
+                <a:spcPct val="100000"/>
+              </a:lnSpc>
+              <a:spcBef>
+                <a:spcPct val="0"/>
+              </a:spcBef>
+              <a:spcAft>
+                <a:spcPct val="0"/>
+              </a:spcAft>
+              <a:buClrTx/>
+              <a:buSzTx/>
+              <a:buFontTx/>
+              <a:buNone/>
+              <a:tabLst/>
+            </a:pPr>
+            <a:endParaRPr kumimoji="0" lang="ko-KR" altLang="ko-KR" sz="1800" b="0" i="0" u="none" strike="noStrike" cap="none" normalizeH="0" baseline="0" dirty="0">
+              <a:ln>
+                <a:noFill/>
+              </a:ln>
+              <a:solidFill>
+                <a:schemeClr val="tx1"/>
+              </a:solidFill>
+              <a:effectLst/>
+              <a:latin typeface="Arial" panose="020B0604020202020204" pitchFamily="34" charset="0"/>
+            </a:endParaRPr>
+          </a:p>
+        </p:txBody>
+      </p:sp>
+      <p:pic>
+        <p:nvPicPr>
+          <p:cNvPr id="8" name="그림 7">
+            <a:extLst>
+              <a:ext uri="{FF2B5EF4-FFF2-40B4-BE49-F238E27FC236}">
+                <a16:creationId xmlns:a16="http://schemas.microsoft.com/office/drawing/2014/main" id="{6A04424A-99AF-4E64-8ECC-7C6654050018}"/>
+              </a:ext>
+            </a:extLst>
+          </p:cNvPr>
+          <p:cNvPicPr>
+            <a:picLocks noChangeAspect="1"/>
+          </p:cNvPicPr>
+          <p:nvPr/>
+        </p:nvPicPr>
+        <p:blipFill>
+          <a:blip r:embed="rId2"/>
+          <a:stretch>
+            <a:fillRect/>
+          </a:stretch>
+        </p:blipFill>
+        <p:spPr>
+          <a:xfrm>
+            <a:off x="677335" y="2555976"/>
+            <a:ext cx="8596668" cy="517278"/>
+          </a:xfrm>
+          <a:prstGeom prst="rect">
+            <a:avLst/>
+          </a:prstGeom>
+        </p:spPr>
+      </p:pic>
+      <p:sp>
+        <p:nvSpPr>
+          <p:cNvPr id="13" name="직사각형 12">
+            <a:extLst>
+              <a:ext uri="{FF2B5EF4-FFF2-40B4-BE49-F238E27FC236}">
+                <a16:creationId xmlns:a16="http://schemas.microsoft.com/office/drawing/2014/main" id="{A7DAA8BD-F7B2-4C9C-A9D0-F86EC56987E0}"/>
+              </a:ext>
+            </a:extLst>
+          </p:cNvPr>
+          <p:cNvSpPr/>
+          <p:nvPr/>
+        </p:nvSpPr>
+        <p:spPr>
+          <a:xfrm>
+            <a:off x="677334" y="3220422"/>
+            <a:ext cx="10774860" cy="523220"/>
+          </a:xfrm>
+          <a:prstGeom prst="rect">
+            <a:avLst/>
+          </a:prstGeom>
+        </p:spPr>
+        <p:txBody>
+          <a:bodyPr wrap="square">
+            <a:spAutoFit/>
+          </a:bodyPr>
+          <a:lstStyle/>
+          <a:p>
+            <a:pPr marL="285750" lvl="0" indent="-285750" eaLnBrk="0" fontAlgn="base" latinLnBrk="0" hangingPunct="0">
+              <a:spcBef>
+                <a:spcPct val="0"/>
+              </a:spcBef>
+              <a:spcAft>
+                <a:spcPct val="0"/>
+              </a:spcAft>
+              <a:buFont typeface="Arial" panose="020B0604020202020204" pitchFamily="34" charset="0"/>
+              <a:buChar char="•"/>
+            </a:pPr>
+            <a:r>
+              <a:rPr lang="ko-KR" altLang="en-US" sz="1400" dirty="0">
+                <a:solidFill>
+                  <a:srgbClr val="404040"/>
+                </a:solidFill>
+                <a:latin typeface="Arial" panose="020B0604020202020204" pitchFamily="34" charset="0"/>
+              </a:rPr>
+              <a:t>추가적으로 여러분이 </a:t>
+            </a:r>
+            <a:r>
+              <a:rPr lang="ko-KR" altLang="en-US" sz="1400" dirty="0" err="1">
+                <a:solidFill>
+                  <a:srgbClr val="404040"/>
+                </a:solidFill>
+                <a:latin typeface="Arial" panose="020B0604020202020204" pitchFamily="34" charset="0"/>
+              </a:rPr>
+              <a:t>블루프린트의</a:t>
+            </a:r>
+            <a:r>
+              <a:rPr lang="ko-KR" altLang="en-US" sz="1400" dirty="0">
+                <a:solidFill>
+                  <a:srgbClr val="404040"/>
+                </a:solidFill>
+                <a:latin typeface="Arial" panose="020B0604020202020204" pitchFamily="34" charset="0"/>
+              </a:rPr>
+              <a:t> 뷰 함수에 있거나 뿌려진 템플릿에 있고 같은 </a:t>
+            </a:r>
+            <a:r>
+              <a:rPr lang="ko-KR" altLang="en-US" sz="1400" dirty="0" err="1">
+                <a:solidFill>
+                  <a:srgbClr val="404040"/>
+                </a:solidFill>
+                <a:latin typeface="Arial" panose="020B0604020202020204" pitchFamily="34" charset="0"/>
+              </a:rPr>
+              <a:t>블루프린트의</a:t>
+            </a:r>
+            <a:r>
+              <a:rPr lang="ko-KR" altLang="en-US" sz="1400" dirty="0">
+                <a:solidFill>
+                  <a:srgbClr val="404040"/>
+                </a:solidFill>
+                <a:latin typeface="Arial" panose="020B0604020202020204" pitchFamily="34" charset="0"/>
+              </a:rPr>
+              <a:t> 다른 끝점으로 링크를 걸고 싶다면</a:t>
+            </a:r>
+            <a:r>
+              <a:rPr lang="en-US" altLang="ko-KR" sz="1400" dirty="0">
+                <a:solidFill>
+                  <a:srgbClr val="404040"/>
+                </a:solidFill>
+                <a:latin typeface="Arial" panose="020B0604020202020204" pitchFamily="34" charset="0"/>
+              </a:rPr>
+              <a:t>, </a:t>
+            </a:r>
+            <a:r>
+              <a:rPr lang="ko-KR" altLang="en-US" sz="1400" dirty="0">
+                <a:solidFill>
+                  <a:srgbClr val="404040"/>
+                </a:solidFill>
+                <a:latin typeface="Arial" panose="020B0604020202020204" pitchFamily="34" charset="0"/>
+              </a:rPr>
+              <a:t>점을 접두어로 하여 끝점에 붙여서 상대적인 </a:t>
+            </a:r>
+            <a:r>
+              <a:rPr lang="ko-KR" altLang="en-US" sz="1400" dirty="0" err="1">
+                <a:solidFill>
+                  <a:srgbClr val="404040"/>
+                </a:solidFill>
+                <a:latin typeface="Arial" panose="020B0604020202020204" pitchFamily="34" charset="0"/>
+              </a:rPr>
+              <a:t>리디렉션을</a:t>
+            </a:r>
+            <a:r>
+              <a:rPr lang="ko-KR" altLang="en-US" sz="1400" dirty="0">
+                <a:solidFill>
+                  <a:srgbClr val="404040"/>
+                </a:solidFill>
+                <a:latin typeface="Arial" panose="020B0604020202020204" pitchFamily="34" charset="0"/>
+              </a:rPr>
+              <a:t> 사용할 수 있다</a:t>
+            </a:r>
+            <a:r>
+              <a:rPr lang="en-US" altLang="ko-KR" sz="1400" dirty="0">
+                <a:solidFill>
+                  <a:srgbClr val="404040"/>
+                </a:solidFill>
+                <a:latin typeface="Arial" panose="020B0604020202020204" pitchFamily="34" charset="0"/>
+              </a:rPr>
+              <a:t>:</a:t>
+            </a:r>
+            <a:endParaRPr lang="ko-KR" altLang="ko-KR" sz="1400" dirty="0">
+              <a:solidFill>
+                <a:srgbClr val="404040"/>
+              </a:solidFill>
+              <a:latin typeface="Arial" panose="020B0604020202020204" pitchFamily="34" charset="0"/>
+            </a:endParaRPr>
+          </a:p>
+        </p:txBody>
+      </p:sp>
+      <p:pic>
+        <p:nvPicPr>
+          <p:cNvPr id="9" name="그림 8">
+            <a:extLst>
+              <a:ext uri="{FF2B5EF4-FFF2-40B4-BE49-F238E27FC236}">
+                <a16:creationId xmlns:a16="http://schemas.microsoft.com/office/drawing/2014/main" id="{0EF8D670-2431-4D0C-8C9D-BAAE98CB47E7}"/>
+              </a:ext>
+            </a:extLst>
+          </p:cNvPr>
+          <p:cNvPicPr>
+            <a:picLocks noChangeAspect="1"/>
+          </p:cNvPicPr>
+          <p:nvPr/>
+        </p:nvPicPr>
+        <p:blipFill>
+          <a:blip r:embed="rId3"/>
+          <a:stretch>
+            <a:fillRect/>
+          </a:stretch>
+        </p:blipFill>
+        <p:spPr>
+          <a:xfrm>
+            <a:off x="677335" y="3890810"/>
+            <a:ext cx="8596668" cy="487227"/>
+          </a:xfrm>
+          <a:prstGeom prst="rect">
+            <a:avLst/>
+          </a:prstGeom>
+        </p:spPr>
+      </p:pic>
+    </p:spTree>
+    <p:extLst>
+      <p:ext uri="{BB962C8B-B14F-4D97-AF65-F5344CB8AC3E}">
+        <p14:creationId xmlns:p14="http://schemas.microsoft.com/office/powerpoint/2010/main" val="3500334354"/>
       </p:ext>
     </p:extLst>
   </p:cSld>
